--- a/ARMTemplate/ARMTemplatesATS.pptx
+++ b/ARMTemplate/ARMTemplatesATS.pptx
@@ -11,19 +11,20 @@
     <p:sldMasterId id="2147483823" r:id="rId7"/>
   </p:sldMasterIdLst>
   <p:notesMasterIdLst>
-    <p:notesMasterId r:id="rId18"/>
+    <p:notesMasterId r:id="rId19"/>
   </p:notesMasterIdLst>
   <p:sldIdLst>
     <p:sldId id="256" r:id="rId8"/>
     <p:sldId id="257" r:id="rId9"/>
     <p:sldId id="258" r:id="rId10"/>
-    <p:sldId id="259" r:id="rId11"/>
-    <p:sldId id="260" r:id="rId12"/>
-    <p:sldId id="261" r:id="rId13"/>
-    <p:sldId id="263" r:id="rId14"/>
-    <p:sldId id="262" r:id="rId15"/>
-    <p:sldId id="265" r:id="rId16"/>
-    <p:sldId id="264" r:id="rId17"/>
+    <p:sldId id="267" r:id="rId11"/>
+    <p:sldId id="259" r:id="rId12"/>
+    <p:sldId id="260" r:id="rId13"/>
+    <p:sldId id="261" r:id="rId14"/>
+    <p:sldId id="263" r:id="rId15"/>
+    <p:sldId id="262" r:id="rId16"/>
+    <p:sldId id="265" r:id="rId17"/>
+    <p:sldId id="264" r:id="rId18"/>
   </p:sldIdLst>
   <p:sldSz cx="12192000" cy="6858000"/>
   <p:notesSz cx="6858000" cy="9144000"/>
@@ -775,7 +776,11 @@
           <a:bodyPr/>
           <a:lstStyle/>
           <a:p>
-            <a:endParaRPr lang="en-US"/>
+            <a:pPr marL="0" indent="0">
+              <a:buFont typeface="Arial" panose="020B0604020202020204" pitchFamily="34" charset="0"/>
+              <a:buNone/>
+            </a:pPr>
+            <a:endParaRPr lang="en-US" b="1" baseline="0" dirty="0"/>
           </a:p>
         </p:txBody>
       </p:sp>
@@ -794,18 +799,19 @@
           <a:bodyPr/>
           <a:lstStyle/>
           <a:p>
-            <a:fld id="{CBE50107-AA4A-49B1-84F8-27B3EEB749B3}" type="slidenum">
-              <a:rPr lang="en-US"/>
+            <a:fld id="{82AABF77-E2E4-44CA-BA5C-65E132CF08D8}" type="slidenum">
+              <a:rPr lang="en-US" smtClean="0"/>
+              <a:pPr/>
               <a:t>4</a:t>
             </a:fld>
-            <a:endParaRPr lang="en-US"/>
+            <a:endParaRPr lang="en-US" dirty="0"/>
           </a:p>
         </p:txBody>
       </p:sp>
     </p:spTree>
     <p:extLst>
       <p:ext uri="{BB962C8B-B14F-4D97-AF65-F5344CB8AC3E}">
-        <p14:creationId xmlns:p14="http://schemas.microsoft.com/office/powerpoint/2010/main" val="1817589721"/>
+        <p14:creationId xmlns:p14="http://schemas.microsoft.com/office/powerpoint/2010/main" val="721941565"/>
       </p:ext>
     </p:extLst>
   </p:cSld>
@@ -881,6 +887,90 @@
             <a:fld id="{CBE50107-AA4A-49B1-84F8-27B3EEB749B3}" type="slidenum">
               <a:rPr lang="en-US"/>
               <a:t>5</a:t>
+            </a:fld>
+            <a:endParaRPr lang="en-US"/>
+          </a:p>
+        </p:txBody>
+      </p:sp>
+    </p:spTree>
+    <p:extLst>
+      <p:ext uri="{BB962C8B-B14F-4D97-AF65-F5344CB8AC3E}">
+        <p14:creationId xmlns:p14="http://schemas.microsoft.com/office/powerpoint/2010/main" val="1817589721"/>
+      </p:ext>
+    </p:extLst>
+  </p:cSld>
+  <p:clrMapOvr>
+    <a:masterClrMapping/>
+  </p:clrMapOvr>
+</p:notes>
+</file>
+
+<file path=ppt/notesSlides/notesSlide6.xml><?xml version="1.0" encoding="utf-8"?>
+<p:notes xmlns:a="http://schemas.openxmlformats.org/drawingml/2006/main" xmlns:r="http://schemas.openxmlformats.org/officeDocument/2006/relationships" xmlns:p="http://schemas.openxmlformats.org/presentationml/2006/main">
+  <p:cSld>
+    <p:spTree>
+      <p:nvGrpSpPr>
+        <p:cNvPr id="1" name=""/>
+        <p:cNvGrpSpPr/>
+        <p:nvPr/>
+      </p:nvGrpSpPr>
+      <p:grpSpPr>
+        <a:xfrm>
+          <a:off x="0" y="0"/>
+          <a:ext cx="0" cy="0"/>
+          <a:chOff x="0" y="0"/>
+          <a:chExt cx="0" cy="0"/>
+        </a:xfrm>
+      </p:grpSpPr>
+      <p:sp>
+        <p:nvSpPr>
+          <p:cNvPr id="2" name="Slide Image Placeholder 1"/>
+          <p:cNvSpPr>
+            <a:spLocks noGrp="1" noRot="1" noChangeAspect="1"/>
+          </p:cNvSpPr>
+          <p:nvPr>
+            <p:ph type="sldImg"/>
+          </p:nvPr>
+        </p:nvSpPr>
+        <p:spPr/>
+      </p:sp>
+      <p:sp>
+        <p:nvSpPr>
+          <p:cNvPr id="3" name="Notes Placeholder 2"/>
+          <p:cNvSpPr>
+            <a:spLocks noGrp="1"/>
+          </p:cNvSpPr>
+          <p:nvPr>
+            <p:ph type="body" idx="1"/>
+          </p:nvPr>
+        </p:nvSpPr>
+        <p:spPr/>
+        <p:txBody>
+          <a:bodyPr/>
+          <a:lstStyle/>
+          <a:p>
+            <a:endParaRPr lang="en-US"/>
+          </a:p>
+        </p:txBody>
+      </p:sp>
+      <p:sp>
+        <p:nvSpPr>
+          <p:cNvPr id="4" name="Slide Number Placeholder 3"/>
+          <p:cNvSpPr>
+            <a:spLocks noGrp="1"/>
+          </p:cNvSpPr>
+          <p:nvPr>
+            <p:ph type="sldNum" sz="quarter" idx="10"/>
+          </p:nvPr>
+        </p:nvSpPr>
+        <p:spPr/>
+        <p:txBody>
+          <a:bodyPr/>
+          <a:lstStyle/>
+          <a:p>
+            <a:fld id="{CBE50107-AA4A-49B1-84F8-27B3EEB749B3}" type="slidenum">
+              <a:rPr lang="en-US"/>
+              <a:t>6</a:t>
             </a:fld>
             <a:endParaRPr lang="en-US"/>
           </a:p>
@@ -38606,6 +38696,98 @@
           <a:lstStyle/>
           <a:p>
             <a:r>
+              <a:rPr lang="en-US" dirty="0"/>
+              <a:t>http://recruiting.acuitynext.ninja/</a:t>
+            </a:r>
+          </a:p>
+        </p:txBody>
+      </p:sp>
+      <p:sp>
+        <p:nvSpPr>
+          <p:cNvPr id="3" name="Content Placeholder 2"/>
+          <p:cNvSpPr>
+            <a:spLocks noGrp="1"/>
+          </p:cNvSpPr>
+          <p:nvPr>
+            <p:ph idx="1"/>
+          </p:nvPr>
+        </p:nvSpPr>
+        <p:spPr/>
+        <p:txBody>
+          <a:bodyPr/>
+          <a:lstStyle/>
+          <a:p>
+            <a:r>
+              <a:rPr lang="en-US" dirty="0"/>
+              <a:t>Web Developer: Front-End and Back-End</a:t>
+            </a:r>
+          </a:p>
+          <a:p>
+            <a:r>
+              <a:rPr lang="en-US" dirty="0"/>
+              <a:t>DevOps/Cloud Engineer</a:t>
+            </a:r>
+          </a:p>
+          <a:p>
+            <a:r>
+              <a:rPr lang="en-US" dirty="0"/>
+              <a:t>QA</a:t>
+            </a:r>
+          </a:p>
+          <a:p>
+            <a:r>
+              <a:rPr lang="en-US" dirty="0"/>
+              <a:t>Security Engineer</a:t>
+            </a:r>
+          </a:p>
+        </p:txBody>
+      </p:sp>
+    </p:spTree>
+    <p:extLst>
+      <p:ext uri="{BB962C8B-B14F-4D97-AF65-F5344CB8AC3E}">
+        <p14:creationId xmlns:p14="http://schemas.microsoft.com/office/powerpoint/2010/main" val="2660496460"/>
+      </p:ext>
+    </p:extLst>
+  </p:cSld>
+  <p:clrMapOvr>
+    <a:masterClrMapping/>
+  </p:clrMapOvr>
+</p:sld>
+</file>
+
+<file path=ppt/slides/slide11.xml><?xml version="1.0" encoding="utf-8"?>
+<p:sld xmlns:a="http://schemas.openxmlformats.org/drawingml/2006/main" xmlns:r="http://schemas.openxmlformats.org/officeDocument/2006/relationships" xmlns:p="http://schemas.openxmlformats.org/presentationml/2006/main">
+  <p:cSld>
+    <p:spTree>
+      <p:nvGrpSpPr>
+        <p:cNvPr id="1" name=""/>
+        <p:cNvGrpSpPr/>
+        <p:nvPr/>
+      </p:nvGrpSpPr>
+      <p:grpSpPr>
+        <a:xfrm>
+          <a:off x="0" y="0"/>
+          <a:ext cx="0" cy="0"/>
+          <a:chOff x="0" y="0"/>
+          <a:chExt cx="0" cy="0"/>
+        </a:xfrm>
+      </p:grpSpPr>
+      <p:sp>
+        <p:nvSpPr>
+          <p:cNvPr id="2" name="Title 1"/>
+          <p:cNvSpPr>
+            <a:spLocks noGrp="1"/>
+          </p:cNvSpPr>
+          <p:nvPr>
+            <p:ph type="title"/>
+          </p:nvPr>
+        </p:nvSpPr>
+        <p:spPr/>
+        <p:txBody>
+          <a:bodyPr/>
+          <a:lstStyle/>
+          <a:p>
+            <a:r>
               <a:rPr lang="en-US"/>
               <a:t>Slide Deck, </a:t>
             </a:r>
@@ -39627,6 +39809,5138 @@
 </file>
 
 <file path=ppt/slides/slide4.xml><?xml version="1.0" encoding="utf-8"?>
+<p:sld xmlns:a="http://schemas.openxmlformats.org/drawingml/2006/main" xmlns:r="http://schemas.openxmlformats.org/officeDocument/2006/relationships" xmlns:p="http://schemas.openxmlformats.org/presentationml/2006/main">
+  <p:cSld>
+    <p:spTree>
+      <p:nvGrpSpPr>
+        <p:cNvPr id="1" name=""/>
+        <p:cNvGrpSpPr/>
+        <p:nvPr/>
+      </p:nvGrpSpPr>
+      <p:grpSpPr>
+        <a:xfrm>
+          <a:off x="0" y="0"/>
+          <a:ext cx="0" cy="0"/>
+          <a:chOff x="0" y="0"/>
+          <a:chExt cx="0" cy="0"/>
+        </a:xfrm>
+      </p:grpSpPr>
+      <p:sp>
+        <p:nvSpPr>
+          <p:cNvPr id="2" name="Title 1"/>
+          <p:cNvSpPr>
+            <a:spLocks noGrp="1"/>
+          </p:cNvSpPr>
+          <p:nvPr>
+            <p:ph type="title"/>
+          </p:nvPr>
+        </p:nvSpPr>
+        <p:spPr/>
+        <p:txBody>
+          <a:bodyPr/>
+          <a:lstStyle/>
+          <a:p>
+            <a:r>
+              <a:rPr lang="en-US" sz="5400" dirty="0"/>
+              <a:t>Cloud Computing Models</a:t>
+            </a:r>
+            <a:endParaRPr lang="en-US" sz="5400" dirty="0">
+              <a:solidFill>
+                <a:schemeClr val="accent2">
+                  <a:alpha val="99000"/>
+                </a:schemeClr>
+              </a:solidFill>
+            </a:endParaRPr>
+          </a:p>
+        </p:txBody>
+      </p:sp>
+      <p:grpSp>
+        <p:nvGrpSpPr>
+          <p:cNvPr id="6" name="Group 5"/>
+          <p:cNvGrpSpPr/>
+          <p:nvPr/>
+        </p:nvGrpSpPr>
+        <p:grpSpPr>
+          <a:xfrm>
+            <a:off x="252797" y="1238407"/>
+            <a:ext cx="11415742" cy="5077911"/>
+            <a:chOff x="252797" y="1237731"/>
+            <a:chExt cx="11676184" cy="5644283"/>
+          </a:xfrm>
+        </p:grpSpPr>
+        <p:sp>
+          <p:nvSpPr>
+            <p:cNvPr id="66" name="Rectangle 65"/>
+            <p:cNvSpPr/>
+            <p:nvPr/>
+          </p:nvSpPr>
+          <p:spPr bwMode="auto">
+            <a:xfrm>
+              <a:off x="3208293" y="1244462"/>
+              <a:ext cx="8720688" cy="5139864"/>
+            </a:xfrm>
+            <a:prstGeom prst="rect">
+              <a:avLst/>
+            </a:prstGeom>
+            <a:solidFill>
+              <a:schemeClr val="bg1">
+                <a:lumMod val="95000"/>
+              </a:schemeClr>
+            </a:solidFill>
+            <a:ln>
+              <a:solidFill>
+                <a:schemeClr val="bg1">
+                  <a:lumMod val="85000"/>
+                </a:schemeClr>
+              </a:solidFill>
+              <a:headEnd type="none" w="med" len="med"/>
+              <a:tailEnd type="none" w="med" len="med"/>
+            </a:ln>
+            <a:effectLst/>
+          </p:spPr>
+          <p:style>
+            <a:lnRef idx="1">
+              <a:schemeClr val="accent2"/>
+            </a:lnRef>
+            <a:fillRef idx="3">
+              <a:schemeClr val="accent2"/>
+            </a:fillRef>
+            <a:effectRef idx="2">
+              <a:schemeClr val="accent2"/>
+            </a:effectRef>
+            <a:fontRef idx="minor">
+              <a:schemeClr val="lt1"/>
+            </a:fontRef>
+          </p:style>
+          <p:txBody>
+            <a:bodyPr vert="horz" wrap="square" lIns="91404" tIns="45703" rIns="91404" bIns="45703" numCol="1" spcCol="0" rtlCol="0" anchor="ctr" anchorCtr="0" compatLnSpc="1">
+              <a:prstTxWarp prst="textNoShape">
+                <a:avLst/>
+              </a:prstTxWarp>
+            </a:bodyPr>
+            <a:lstStyle/>
+            <a:p>
+              <a:pPr algn="ctr" defTabSz="913788" fontAlgn="base">
+                <a:spcBef>
+                  <a:spcPct val="0"/>
+                </a:spcBef>
+                <a:spcAft>
+                  <a:spcPct val="0"/>
+                </a:spcAft>
+              </a:pPr>
+              <a:endParaRPr lang="en-US" sz="2200" dirty="0">
+                <a:gradFill>
+                  <a:gsLst>
+                    <a:gs pos="0">
+                      <a:srgbClr val="FFFFFF"/>
+                    </a:gs>
+                    <a:gs pos="100000">
+                      <a:srgbClr val="FFFFFF"/>
+                    </a:gs>
+                  </a:gsLst>
+                  <a:lin ang="5400000" scaled="0"/>
+                </a:gradFill>
+              </a:endParaRPr>
+            </a:p>
+          </p:txBody>
+        </p:sp>
+        <p:sp>
+          <p:nvSpPr>
+            <p:cNvPr id="62" name="Left Brace 61"/>
+            <p:cNvSpPr/>
+            <p:nvPr/>
+          </p:nvSpPr>
+          <p:spPr>
+            <a:xfrm>
+              <a:off x="1109141" y="2440809"/>
+              <a:ext cx="302896" cy="3620741"/>
+            </a:xfrm>
+            <a:prstGeom prst="leftBrace">
+              <a:avLst>
+                <a:gd name="adj1" fmla="val 0"/>
+                <a:gd name="adj2" fmla="val 50000"/>
+              </a:avLst>
+            </a:prstGeom>
+            <a:noFill/>
+            <a:ln w="19050" cap="flat" cmpd="sng" algn="ctr">
+              <a:solidFill>
+                <a:schemeClr val="accent2"/>
+              </a:solidFill>
+              <a:prstDash val="solid"/>
+            </a:ln>
+            <a:effectLst/>
+          </p:spPr>
+          <p:txBody>
+            <a:bodyPr rtlCol="0" anchor="ctr"/>
+            <a:lstStyle/>
+            <a:p>
+              <a:pPr algn="ctr" defTabSz="1218936"/>
+              <a:endParaRPr lang="en-US" dirty="0">
+                <a:solidFill>
+                  <a:srgbClr val="FFFFFF"/>
+                </a:solidFill>
+                <a:latin typeface="Segoe UI"/>
+                <a:ea typeface="Segoe UI" pitchFamily="34" charset="0"/>
+                <a:cs typeface="Segoe UI" pitchFamily="34" charset="0"/>
+              </a:endParaRPr>
+            </a:p>
+          </p:txBody>
+        </p:sp>
+        <p:grpSp>
+          <p:nvGrpSpPr>
+            <p:cNvPr id="4" name="Group 3"/>
+            <p:cNvGrpSpPr/>
+            <p:nvPr/>
+          </p:nvGrpSpPr>
+          <p:grpSpPr>
+            <a:xfrm>
+              <a:off x="796966" y="1538808"/>
+              <a:ext cx="2427913" cy="4497741"/>
+              <a:chOff x="855665" y="1876063"/>
+              <a:chExt cx="2427913" cy="4497741"/>
+            </a:xfrm>
+          </p:grpSpPr>
+          <p:sp>
+            <p:nvSpPr>
+              <p:cNvPr id="124" name="Rectangle 123"/>
+              <p:cNvSpPr/>
+              <p:nvPr/>
+            </p:nvSpPr>
+            <p:spPr>
+              <a:xfrm>
+                <a:off x="1416806" y="1876063"/>
+                <a:ext cx="1866772" cy="640080"/>
+              </a:xfrm>
+              <a:prstGeom prst="rect">
+                <a:avLst/>
+              </a:prstGeom>
+              <a:noFill/>
+              <a:ln w="9525" cap="flat" cmpd="sng" algn="ctr">
+                <a:noFill/>
+                <a:prstDash val="solid"/>
+              </a:ln>
+              <a:effectLst/>
+            </p:spPr>
+            <p:txBody>
+              <a:bodyPr lIns="0" tIns="0" rIns="0" bIns="0" rtlCol="0" anchor="t" anchorCtr="0"/>
+              <a:lstStyle>
+                <a:defPPr>
+                  <a:defRPr lang="en-US"/>
+                </a:defPPr>
+                <a:lvl1pPr marL="0" algn="l" defTabSz="914400" rtl="0" eaLnBrk="1" latinLnBrk="0" hangingPunct="1">
+                  <a:defRPr sz="1800" kern="1200">
+                    <a:solidFill>
+                      <a:schemeClr val="lt1"/>
+                    </a:solidFill>
+                    <a:latin typeface="+mn-lt"/>
+                    <a:ea typeface="+mn-ea"/>
+                    <a:cs typeface="+mn-cs"/>
+                  </a:defRPr>
+                </a:lvl1pPr>
+                <a:lvl2pPr marL="457200" algn="l" defTabSz="914400" rtl="0" eaLnBrk="1" latinLnBrk="0" hangingPunct="1">
+                  <a:defRPr sz="1800" kern="1200">
+                    <a:solidFill>
+                      <a:schemeClr val="lt1"/>
+                    </a:solidFill>
+                    <a:latin typeface="+mn-lt"/>
+                    <a:ea typeface="+mn-ea"/>
+                    <a:cs typeface="+mn-cs"/>
+                  </a:defRPr>
+                </a:lvl2pPr>
+                <a:lvl3pPr marL="914400" algn="l" defTabSz="914400" rtl="0" eaLnBrk="1" latinLnBrk="0" hangingPunct="1">
+                  <a:defRPr sz="1800" kern="1200">
+                    <a:solidFill>
+                      <a:schemeClr val="lt1"/>
+                    </a:solidFill>
+                    <a:latin typeface="+mn-lt"/>
+                    <a:ea typeface="+mn-ea"/>
+                    <a:cs typeface="+mn-cs"/>
+                  </a:defRPr>
+                </a:lvl3pPr>
+                <a:lvl4pPr marL="1371600" algn="l" defTabSz="914400" rtl="0" eaLnBrk="1" latinLnBrk="0" hangingPunct="1">
+                  <a:defRPr sz="1800" kern="1200">
+                    <a:solidFill>
+                      <a:schemeClr val="lt1"/>
+                    </a:solidFill>
+                    <a:latin typeface="+mn-lt"/>
+                    <a:ea typeface="+mn-ea"/>
+                    <a:cs typeface="+mn-cs"/>
+                  </a:defRPr>
+                </a:lvl4pPr>
+                <a:lvl5pPr marL="1828800" algn="l" defTabSz="914400" rtl="0" eaLnBrk="1" latinLnBrk="0" hangingPunct="1">
+                  <a:defRPr sz="1800" kern="1200">
+                    <a:solidFill>
+                      <a:schemeClr val="lt1"/>
+                    </a:solidFill>
+                    <a:latin typeface="+mn-lt"/>
+                    <a:ea typeface="+mn-ea"/>
+                    <a:cs typeface="+mn-cs"/>
+                  </a:defRPr>
+                </a:lvl5pPr>
+                <a:lvl6pPr marL="2286000" algn="l" defTabSz="914400" rtl="0" eaLnBrk="1" latinLnBrk="0" hangingPunct="1">
+                  <a:defRPr sz="1800" kern="1200">
+                    <a:solidFill>
+                      <a:schemeClr val="lt1"/>
+                    </a:solidFill>
+                    <a:latin typeface="+mn-lt"/>
+                    <a:ea typeface="+mn-ea"/>
+                    <a:cs typeface="+mn-cs"/>
+                  </a:defRPr>
+                </a:lvl6pPr>
+                <a:lvl7pPr marL="2743200" algn="l" defTabSz="914400" rtl="0" eaLnBrk="1" latinLnBrk="0" hangingPunct="1">
+                  <a:defRPr sz="1800" kern="1200">
+                    <a:solidFill>
+                      <a:schemeClr val="lt1"/>
+                    </a:solidFill>
+                    <a:latin typeface="+mn-lt"/>
+                    <a:ea typeface="+mn-ea"/>
+                    <a:cs typeface="+mn-cs"/>
+                  </a:defRPr>
+                </a:lvl7pPr>
+                <a:lvl8pPr marL="3200400" algn="l" defTabSz="914400" rtl="0" eaLnBrk="1" latinLnBrk="0" hangingPunct="1">
+                  <a:defRPr sz="1800" kern="1200">
+                    <a:solidFill>
+                      <a:schemeClr val="lt1"/>
+                    </a:solidFill>
+                    <a:latin typeface="+mn-lt"/>
+                    <a:ea typeface="+mn-ea"/>
+                    <a:cs typeface="+mn-cs"/>
+                  </a:defRPr>
+                </a:lvl8pPr>
+                <a:lvl9pPr marL="3657600" algn="l" defTabSz="914400" rtl="0" eaLnBrk="1" latinLnBrk="0" hangingPunct="1">
+                  <a:defRPr sz="1800" kern="1200">
+                    <a:solidFill>
+                      <a:schemeClr val="lt1"/>
+                    </a:solidFill>
+                    <a:latin typeface="+mn-lt"/>
+                    <a:ea typeface="+mn-ea"/>
+                    <a:cs typeface="+mn-cs"/>
+                  </a:defRPr>
+                </a:lvl9pPr>
+              </a:lstStyle>
+              <a:p>
+                <a:pPr marL="0" lvl="1" defTabSz="1218836" fontAlgn="base">
+                  <a:spcAft>
+                    <a:spcPct val="0"/>
+                  </a:spcAft>
+                </a:pPr>
+                <a:r>
+                  <a:rPr lang="en-US" sz="2000" dirty="0">
+                    <a:solidFill>
+                      <a:srgbClr val="595959">
+                        <a:alpha val="99000"/>
+                      </a:srgbClr>
+                    </a:solidFill>
+                    <a:ea typeface="Kozuka Gothic Pro R" pitchFamily="34" charset="-128"/>
+                  </a:rPr>
+                  <a:t>On-Premises</a:t>
+                </a:r>
+              </a:p>
+              <a:p>
+                <a:pPr marL="0" lvl="1" defTabSz="1218836" fontAlgn="base">
+                  <a:spcAft>
+                    <a:spcPct val="0"/>
+                  </a:spcAft>
+                </a:pPr>
+                <a:r>
+                  <a:rPr lang="en-US" sz="1600" dirty="0">
+                    <a:solidFill>
+                      <a:srgbClr val="595959">
+                        <a:alpha val="99000"/>
+                      </a:srgbClr>
+                    </a:solidFill>
+                    <a:ea typeface="Kozuka Gothic Pro R" pitchFamily="34" charset="-128"/>
+                  </a:rPr>
+                  <a:t>( Private Cloud )</a:t>
+                </a:r>
+              </a:p>
+            </p:txBody>
+          </p:sp>
+          <p:sp>
+            <p:nvSpPr>
+              <p:cNvPr id="128" name="Rectangle 127"/>
+              <p:cNvSpPr/>
+              <p:nvPr/>
+            </p:nvSpPr>
+            <p:spPr>
+              <a:xfrm>
+                <a:off x="1396458" y="5537987"/>
+                <a:ext cx="1638241" cy="381000"/>
+              </a:xfrm>
+              <a:prstGeom prst="rect">
+                <a:avLst/>
+              </a:prstGeom>
+              <a:solidFill>
+                <a:schemeClr val="accent1"/>
+              </a:solidFill>
+              <a:ln w="9525" cap="flat" cmpd="sng" algn="ctr">
+                <a:solidFill>
+                  <a:srgbClr val="FFC000">
+                    <a:shade val="95000"/>
+                    <a:satMod val="105000"/>
+                  </a:srgbClr>
+                </a:solidFill>
+                <a:prstDash val="solid"/>
+              </a:ln>
+              <a:effectLst/>
+            </p:spPr>
+            <p:txBody>
+              <a:bodyPr rtlCol="0" anchor="t" anchorCtr="0"/>
+              <a:lstStyle>
+                <a:defPPr>
+                  <a:defRPr lang="en-US"/>
+                </a:defPPr>
+                <a:lvl1pPr marL="0" algn="l" defTabSz="914400" rtl="0" eaLnBrk="1" latinLnBrk="0" hangingPunct="1">
+                  <a:defRPr sz="1800" kern="1200">
+                    <a:solidFill>
+                      <a:schemeClr val="lt1"/>
+                    </a:solidFill>
+                    <a:latin typeface="+mn-lt"/>
+                    <a:ea typeface="+mn-ea"/>
+                    <a:cs typeface="+mn-cs"/>
+                  </a:defRPr>
+                </a:lvl1pPr>
+                <a:lvl2pPr marL="457200" algn="l" defTabSz="914400" rtl="0" eaLnBrk="1" latinLnBrk="0" hangingPunct="1">
+                  <a:defRPr sz="1800" kern="1200">
+                    <a:solidFill>
+                      <a:schemeClr val="lt1"/>
+                    </a:solidFill>
+                    <a:latin typeface="+mn-lt"/>
+                    <a:ea typeface="+mn-ea"/>
+                    <a:cs typeface="+mn-cs"/>
+                  </a:defRPr>
+                </a:lvl2pPr>
+                <a:lvl3pPr marL="914400" algn="l" defTabSz="914400" rtl="0" eaLnBrk="1" latinLnBrk="0" hangingPunct="1">
+                  <a:defRPr sz="1800" kern="1200">
+                    <a:solidFill>
+                      <a:schemeClr val="lt1"/>
+                    </a:solidFill>
+                    <a:latin typeface="+mn-lt"/>
+                    <a:ea typeface="+mn-ea"/>
+                    <a:cs typeface="+mn-cs"/>
+                  </a:defRPr>
+                </a:lvl3pPr>
+                <a:lvl4pPr marL="1371600" algn="l" defTabSz="914400" rtl="0" eaLnBrk="1" latinLnBrk="0" hangingPunct="1">
+                  <a:defRPr sz="1800" kern="1200">
+                    <a:solidFill>
+                      <a:schemeClr val="lt1"/>
+                    </a:solidFill>
+                    <a:latin typeface="+mn-lt"/>
+                    <a:ea typeface="+mn-ea"/>
+                    <a:cs typeface="+mn-cs"/>
+                  </a:defRPr>
+                </a:lvl4pPr>
+                <a:lvl5pPr marL="1828800" algn="l" defTabSz="914400" rtl="0" eaLnBrk="1" latinLnBrk="0" hangingPunct="1">
+                  <a:defRPr sz="1800" kern="1200">
+                    <a:solidFill>
+                      <a:schemeClr val="lt1"/>
+                    </a:solidFill>
+                    <a:latin typeface="+mn-lt"/>
+                    <a:ea typeface="+mn-ea"/>
+                    <a:cs typeface="+mn-cs"/>
+                  </a:defRPr>
+                </a:lvl5pPr>
+                <a:lvl6pPr marL="2286000" algn="l" defTabSz="914400" rtl="0" eaLnBrk="1" latinLnBrk="0" hangingPunct="1">
+                  <a:defRPr sz="1800" kern="1200">
+                    <a:solidFill>
+                      <a:schemeClr val="lt1"/>
+                    </a:solidFill>
+                    <a:latin typeface="+mn-lt"/>
+                    <a:ea typeface="+mn-ea"/>
+                    <a:cs typeface="+mn-cs"/>
+                  </a:defRPr>
+                </a:lvl6pPr>
+                <a:lvl7pPr marL="2743200" algn="l" defTabSz="914400" rtl="0" eaLnBrk="1" latinLnBrk="0" hangingPunct="1">
+                  <a:defRPr sz="1800" kern="1200">
+                    <a:solidFill>
+                      <a:schemeClr val="lt1"/>
+                    </a:solidFill>
+                    <a:latin typeface="+mn-lt"/>
+                    <a:ea typeface="+mn-ea"/>
+                    <a:cs typeface="+mn-cs"/>
+                  </a:defRPr>
+                </a:lvl7pPr>
+                <a:lvl8pPr marL="3200400" algn="l" defTabSz="914400" rtl="0" eaLnBrk="1" latinLnBrk="0" hangingPunct="1">
+                  <a:defRPr sz="1800" kern="1200">
+                    <a:solidFill>
+                      <a:schemeClr val="lt1"/>
+                    </a:solidFill>
+                    <a:latin typeface="+mn-lt"/>
+                    <a:ea typeface="+mn-ea"/>
+                    <a:cs typeface="+mn-cs"/>
+                  </a:defRPr>
+                </a:lvl8pPr>
+                <a:lvl9pPr marL="3657600" algn="l" defTabSz="914400" rtl="0" eaLnBrk="1" latinLnBrk="0" hangingPunct="1">
+                  <a:defRPr sz="1800" kern="1200">
+                    <a:solidFill>
+                      <a:schemeClr val="lt1"/>
+                    </a:solidFill>
+                    <a:latin typeface="+mn-lt"/>
+                    <a:ea typeface="+mn-ea"/>
+                    <a:cs typeface="+mn-cs"/>
+                  </a:defRPr>
+                </a:lvl9pPr>
+              </a:lstStyle>
+              <a:p>
+                <a:pPr algn="ctr" defTabSz="1218936"/>
+                <a:r>
+                  <a:rPr lang="en-US" sz="1500" dirty="0">
+                    <a:solidFill>
+                      <a:schemeClr val="bg1">
+                        <a:alpha val="99000"/>
+                      </a:schemeClr>
+                    </a:solidFill>
+                    <a:latin typeface="Segoe UI"/>
+                    <a:ea typeface="Segoe UI" pitchFamily="34" charset="0"/>
+                    <a:cs typeface="Segoe UI" pitchFamily="34" charset="0"/>
+                  </a:rPr>
+                  <a:t>Networking</a:t>
+                </a:r>
+              </a:p>
+            </p:txBody>
+          </p:sp>
+          <p:sp>
+            <p:nvSpPr>
+              <p:cNvPr id="129" name="Rectangle 128"/>
+              <p:cNvSpPr/>
+              <p:nvPr/>
+            </p:nvSpPr>
+            <p:spPr>
+              <a:xfrm>
+                <a:off x="1396458" y="5083168"/>
+                <a:ext cx="1638241" cy="381000"/>
+              </a:xfrm>
+              <a:prstGeom prst="rect">
+                <a:avLst/>
+              </a:prstGeom>
+              <a:solidFill>
+                <a:schemeClr val="accent1"/>
+              </a:solidFill>
+              <a:ln w="9525" cap="flat" cmpd="sng" algn="ctr">
+                <a:solidFill>
+                  <a:srgbClr val="FFC000">
+                    <a:shade val="95000"/>
+                    <a:satMod val="105000"/>
+                  </a:srgbClr>
+                </a:solidFill>
+                <a:prstDash val="solid"/>
+              </a:ln>
+              <a:effectLst/>
+            </p:spPr>
+            <p:txBody>
+              <a:bodyPr rtlCol="0" anchor="t" anchorCtr="0"/>
+              <a:lstStyle>
+                <a:defPPr>
+                  <a:defRPr lang="en-US"/>
+                </a:defPPr>
+                <a:lvl1pPr marL="0" algn="l" defTabSz="914400" rtl="0" eaLnBrk="1" latinLnBrk="0" hangingPunct="1">
+                  <a:defRPr sz="1800" kern="1200">
+                    <a:solidFill>
+                      <a:schemeClr val="lt1"/>
+                    </a:solidFill>
+                    <a:latin typeface="+mn-lt"/>
+                    <a:ea typeface="+mn-ea"/>
+                    <a:cs typeface="+mn-cs"/>
+                  </a:defRPr>
+                </a:lvl1pPr>
+                <a:lvl2pPr marL="457200" algn="l" defTabSz="914400" rtl="0" eaLnBrk="1" latinLnBrk="0" hangingPunct="1">
+                  <a:defRPr sz="1800" kern="1200">
+                    <a:solidFill>
+                      <a:schemeClr val="lt1"/>
+                    </a:solidFill>
+                    <a:latin typeface="+mn-lt"/>
+                    <a:ea typeface="+mn-ea"/>
+                    <a:cs typeface="+mn-cs"/>
+                  </a:defRPr>
+                </a:lvl2pPr>
+                <a:lvl3pPr marL="914400" algn="l" defTabSz="914400" rtl="0" eaLnBrk="1" latinLnBrk="0" hangingPunct="1">
+                  <a:defRPr sz="1800" kern="1200">
+                    <a:solidFill>
+                      <a:schemeClr val="lt1"/>
+                    </a:solidFill>
+                    <a:latin typeface="+mn-lt"/>
+                    <a:ea typeface="+mn-ea"/>
+                    <a:cs typeface="+mn-cs"/>
+                  </a:defRPr>
+                </a:lvl3pPr>
+                <a:lvl4pPr marL="1371600" algn="l" defTabSz="914400" rtl="0" eaLnBrk="1" latinLnBrk="0" hangingPunct="1">
+                  <a:defRPr sz="1800" kern="1200">
+                    <a:solidFill>
+                      <a:schemeClr val="lt1"/>
+                    </a:solidFill>
+                    <a:latin typeface="+mn-lt"/>
+                    <a:ea typeface="+mn-ea"/>
+                    <a:cs typeface="+mn-cs"/>
+                  </a:defRPr>
+                </a:lvl4pPr>
+                <a:lvl5pPr marL="1828800" algn="l" defTabSz="914400" rtl="0" eaLnBrk="1" latinLnBrk="0" hangingPunct="1">
+                  <a:defRPr sz="1800" kern="1200">
+                    <a:solidFill>
+                      <a:schemeClr val="lt1"/>
+                    </a:solidFill>
+                    <a:latin typeface="+mn-lt"/>
+                    <a:ea typeface="+mn-ea"/>
+                    <a:cs typeface="+mn-cs"/>
+                  </a:defRPr>
+                </a:lvl5pPr>
+                <a:lvl6pPr marL="2286000" algn="l" defTabSz="914400" rtl="0" eaLnBrk="1" latinLnBrk="0" hangingPunct="1">
+                  <a:defRPr sz="1800" kern="1200">
+                    <a:solidFill>
+                      <a:schemeClr val="lt1"/>
+                    </a:solidFill>
+                    <a:latin typeface="+mn-lt"/>
+                    <a:ea typeface="+mn-ea"/>
+                    <a:cs typeface="+mn-cs"/>
+                  </a:defRPr>
+                </a:lvl6pPr>
+                <a:lvl7pPr marL="2743200" algn="l" defTabSz="914400" rtl="0" eaLnBrk="1" latinLnBrk="0" hangingPunct="1">
+                  <a:defRPr sz="1800" kern="1200">
+                    <a:solidFill>
+                      <a:schemeClr val="lt1"/>
+                    </a:solidFill>
+                    <a:latin typeface="+mn-lt"/>
+                    <a:ea typeface="+mn-ea"/>
+                    <a:cs typeface="+mn-cs"/>
+                  </a:defRPr>
+                </a:lvl7pPr>
+                <a:lvl8pPr marL="3200400" algn="l" defTabSz="914400" rtl="0" eaLnBrk="1" latinLnBrk="0" hangingPunct="1">
+                  <a:defRPr sz="1800" kern="1200">
+                    <a:solidFill>
+                      <a:schemeClr val="lt1"/>
+                    </a:solidFill>
+                    <a:latin typeface="+mn-lt"/>
+                    <a:ea typeface="+mn-ea"/>
+                    <a:cs typeface="+mn-cs"/>
+                  </a:defRPr>
+                </a:lvl8pPr>
+                <a:lvl9pPr marL="3657600" algn="l" defTabSz="914400" rtl="0" eaLnBrk="1" latinLnBrk="0" hangingPunct="1">
+                  <a:defRPr sz="1800" kern="1200">
+                    <a:solidFill>
+                      <a:schemeClr val="lt1"/>
+                    </a:solidFill>
+                    <a:latin typeface="+mn-lt"/>
+                    <a:ea typeface="+mn-ea"/>
+                    <a:cs typeface="+mn-cs"/>
+                  </a:defRPr>
+                </a:lvl9pPr>
+              </a:lstStyle>
+              <a:p>
+                <a:pPr algn="ctr" defTabSz="1218936"/>
+                <a:r>
+                  <a:rPr lang="en-US" sz="1500" dirty="0">
+                    <a:solidFill>
+                      <a:schemeClr val="bg1">
+                        <a:alpha val="99000"/>
+                      </a:schemeClr>
+                    </a:solidFill>
+                    <a:latin typeface="Segoe UI"/>
+                    <a:ea typeface="Segoe UI" pitchFamily="34" charset="0"/>
+                    <a:cs typeface="Segoe UI" pitchFamily="34" charset="0"/>
+                  </a:rPr>
+                  <a:t>Compute</a:t>
+                </a:r>
+              </a:p>
+            </p:txBody>
+          </p:sp>
+          <p:sp>
+            <p:nvSpPr>
+              <p:cNvPr id="130" name="Rectangle 129"/>
+              <p:cNvSpPr/>
+              <p:nvPr/>
+            </p:nvSpPr>
+            <p:spPr>
+              <a:xfrm>
+                <a:off x="1396458" y="5992804"/>
+                <a:ext cx="1638241" cy="381000"/>
+              </a:xfrm>
+              <a:prstGeom prst="rect">
+                <a:avLst/>
+              </a:prstGeom>
+              <a:solidFill>
+                <a:schemeClr val="accent1"/>
+              </a:solidFill>
+              <a:ln w="9525" cap="flat" cmpd="sng" algn="ctr">
+                <a:solidFill>
+                  <a:srgbClr val="FFC000">
+                    <a:shade val="95000"/>
+                    <a:satMod val="105000"/>
+                  </a:srgbClr>
+                </a:solidFill>
+                <a:prstDash val="solid"/>
+              </a:ln>
+              <a:effectLst/>
+            </p:spPr>
+            <p:txBody>
+              <a:bodyPr rtlCol="0" anchor="t" anchorCtr="0"/>
+              <a:lstStyle>
+                <a:defPPr>
+                  <a:defRPr lang="en-US"/>
+                </a:defPPr>
+                <a:lvl1pPr marL="0" algn="l" defTabSz="914400" rtl="0" eaLnBrk="1" latinLnBrk="0" hangingPunct="1">
+                  <a:defRPr sz="1800" kern="1200">
+                    <a:solidFill>
+                      <a:schemeClr val="lt1"/>
+                    </a:solidFill>
+                    <a:latin typeface="+mn-lt"/>
+                    <a:ea typeface="+mn-ea"/>
+                    <a:cs typeface="+mn-cs"/>
+                  </a:defRPr>
+                </a:lvl1pPr>
+                <a:lvl2pPr marL="457200" algn="l" defTabSz="914400" rtl="0" eaLnBrk="1" latinLnBrk="0" hangingPunct="1">
+                  <a:defRPr sz="1800" kern="1200">
+                    <a:solidFill>
+                      <a:schemeClr val="lt1"/>
+                    </a:solidFill>
+                    <a:latin typeface="+mn-lt"/>
+                    <a:ea typeface="+mn-ea"/>
+                    <a:cs typeface="+mn-cs"/>
+                  </a:defRPr>
+                </a:lvl2pPr>
+                <a:lvl3pPr marL="914400" algn="l" defTabSz="914400" rtl="0" eaLnBrk="1" latinLnBrk="0" hangingPunct="1">
+                  <a:defRPr sz="1800" kern="1200">
+                    <a:solidFill>
+                      <a:schemeClr val="lt1"/>
+                    </a:solidFill>
+                    <a:latin typeface="+mn-lt"/>
+                    <a:ea typeface="+mn-ea"/>
+                    <a:cs typeface="+mn-cs"/>
+                  </a:defRPr>
+                </a:lvl3pPr>
+                <a:lvl4pPr marL="1371600" algn="l" defTabSz="914400" rtl="0" eaLnBrk="1" latinLnBrk="0" hangingPunct="1">
+                  <a:defRPr sz="1800" kern="1200">
+                    <a:solidFill>
+                      <a:schemeClr val="lt1"/>
+                    </a:solidFill>
+                    <a:latin typeface="+mn-lt"/>
+                    <a:ea typeface="+mn-ea"/>
+                    <a:cs typeface="+mn-cs"/>
+                  </a:defRPr>
+                </a:lvl4pPr>
+                <a:lvl5pPr marL="1828800" algn="l" defTabSz="914400" rtl="0" eaLnBrk="1" latinLnBrk="0" hangingPunct="1">
+                  <a:defRPr sz="1800" kern="1200">
+                    <a:solidFill>
+                      <a:schemeClr val="lt1"/>
+                    </a:solidFill>
+                    <a:latin typeface="+mn-lt"/>
+                    <a:ea typeface="+mn-ea"/>
+                    <a:cs typeface="+mn-cs"/>
+                  </a:defRPr>
+                </a:lvl5pPr>
+                <a:lvl6pPr marL="2286000" algn="l" defTabSz="914400" rtl="0" eaLnBrk="1" latinLnBrk="0" hangingPunct="1">
+                  <a:defRPr sz="1800" kern="1200">
+                    <a:solidFill>
+                      <a:schemeClr val="lt1"/>
+                    </a:solidFill>
+                    <a:latin typeface="+mn-lt"/>
+                    <a:ea typeface="+mn-ea"/>
+                    <a:cs typeface="+mn-cs"/>
+                  </a:defRPr>
+                </a:lvl6pPr>
+                <a:lvl7pPr marL="2743200" algn="l" defTabSz="914400" rtl="0" eaLnBrk="1" latinLnBrk="0" hangingPunct="1">
+                  <a:defRPr sz="1800" kern="1200">
+                    <a:solidFill>
+                      <a:schemeClr val="lt1"/>
+                    </a:solidFill>
+                    <a:latin typeface="+mn-lt"/>
+                    <a:ea typeface="+mn-ea"/>
+                    <a:cs typeface="+mn-cs"/>
+                  </a:defRPr>
+                </a:lvl7pPr>
+                <a:lvl8pPr marL="3200400" algn="l" defTabSz="914400" rtl="0" eaLnBrk="1" latinLnBrk="0" hangingPunct="1">
+                  <a:defRPr sz="1800" kern="1200">
+                    <a:solidFill>
+                      <a:schemeClr val="lt1"/>
+                    </a:solidFill>
+                    <a:latin typeface="+mn-lt"/>
+                    <a:ea typeface="+mn-ea"/>
+                    <a:cs typeface="+mn-cs"/>
+                  </a:defRPr>
+                </a:lvl8pPr>
+                <a:lvl9pPr marL="3657600" algn="l" defTabSz="914400" rtl="0" eaLnBrk="1" latinLnBrk="0" hangingPunct="1">
+                  <a:defRPr sz="1800" kern="1200">
+                    <a:solidFill>
+                      <a:schemeClr val="lt1"/>
+                    </a:solidFill>
+                    <a:latin typeface="+mn-lt"/>
+                    <a:ea typeface="+mn-ea"/>
+                    <a:cs typeface="+mn-cs"/>
+                  </a:defRPr>
+                </a:lvl9pPr>
+              </a:lstStyle>
+              <a:p>
+                <a:pPr algn="ctr" defTabSz="1218936"/>
+                <a:r>
+                  <a:rPr lang="en-US" sz="1500" dirty="0">
+                    <a:solidFill>
+                      <a:schemeClr val="bg1">
+                        <a:alpha val="99000"/>
+                      </a:schemeClr>
+                    </a:solidFill>
+                    <a:latin typeface="Segoe UI"/>
+                    <a:ea typeface="Segoe UI" pitchFamily="34" charset="0"/>
+                    <a:cs typeface="Segoe UI" pitchFamily="34" charset="0"/>
+                  </a:rPr>
+                  <a:t>Storage</a:t>
+                </a:r>
+              </a:p>
+            </p:txBody>
+          </p:sp>
+          <p:sp>
+            <p:nvSpPr>
+              <p:cNvPr id="131" name="Rectangle 130"/>
+              <p:cNvSpPr/>
+              <p:nvPr/>
+            </p:nvSpPr>
+            <p:spPr>
+              <a:xfrm>
+                <a:off x="1396458" y="4617281"/>
+                <a:ext cx="1638241" cy="381000"/>
+              </a:xfrm>
+              <a:prstGeom prst="rect">
+                <a:avLst/>
+              </a:prstGeom>
+              <a:solidFill>
+                <a:schemeClr val="accent1"/>
+              </a:solidFill>
+              <a:ln w="9525" cap="flat" cmpd="sng" algn="ctr">
+                <a:solidFill>
+                  <a:srgbClr val="FFC000">
+                    <a:shade val="95000"/>
+                    <a:satMod val="105000"/>
+                  </a:srgbClr>
+                </a:solidFill>
+                <a:prstDash val="solid"/>
+              </a:ln>
+              <a:effectLst/>
+            </p:spPr>
+            <p:txBody>
+              <a:bodyPr rtlCol="0" anchor="t" anchorCtr="0"/>
+              <a:lstStyle>
+                <a:defPPr>
+                  <a:defRPr lang="en-US"/>
+                </a:defPPr>
+                <a:lvl1pPr marL="0" algn="l" defTabSz="914400" rtl="0" eaLnBrk="1" latinLnBrk="0" hangingPunct="1">
+                  <a:defRPr sz="1800" kern="1200">
+                    <a:solidFill>
+                      <a:schemeClr val="lt1"/>
+                    </a:solidFill>
+                    <a:latin typeface="+mn-lt"/>
+                    <a:ea typeface="+mn-ea"/>
+                    <a:cs typeface="+mn-cs"/>
+                  </a:defRPr>
+                </a:lvl1pPr>
+                <a:lvl2pPr marL="457200" algn="l" defTabSz="914400" rtl="0" eaLnBrk="1" latinLnBrk="0" hangingPunct="1">
+                  <a:defRPr sz="1800" kern="1200">
+                    <a:solidFill>
+                      <a:schemeClr val="lt1"/>
+                    </a:solidFill>
+                    <a:latin typeface="+mn-lt"/>
+                    <a:ea typeface="+mn-ea"/>
+                    <a:cs typeface="+mn-cs"/>
+                  </a:defRPr>
+                </a:lvl2pPr>
+                <a:lvl3pPr marL="914400" algn="l" defTabSz="914400" rtl="0" eaLnBrk="1" latinLnBrk="0" hangingPunct="1">
+                  <a:defRPr sz="1800" kern="1200">
+                    <a:solidFill>
+                      <a:schemeClr val="lt1"/>
+                    </a:solidFill>
+                    <a:latin typeface="+mn-lt"/>
+                    <a:ea typeface="+mn-ea"/>
+                    <a:cs typeface="+mn-cs"/>
+                  </a:defRPr>
+                </a:lvl3pPr>
+                <a:lvl4pPr marL="1371600" algn="l" defTabSz="914400" rtl="0" eaLnBrk="1" latinLnBrk="0" hangingPunct="1">
+                  <a:defRPr sz="1800" kern="1200">
+                    <a:solidFill>
+                      <a:schemeClr val="lt1"/>
+                    </a:solidFill>
+                    <a:latin typeface="+mn-lt"/>
+                    <a:ea typeface="+mn-ea"/>
+                    <a:cs typeface="+mn-cs"/>
+                  </a:defRPr>
+                </a:lvl4pPr>
+                <a:lvl5pPr marL="1828800" algn="l" defTabSz="914400" rtl="0" eaLnBrk="1" latinLnBrk="0" hangingPunct="1">
+                  <a:defRPr sz="1800" kern="1200">
+                    <a:solidFill>
+                      <a:schemeClr val="lt1"/>
+                    </a:solidFill>
+                    <a:latin typeface="+mn-lt"/>
+                    <a:ea typeface="+mn-ea"/>
+                    <a:cs typeface="+mn-cs"/>
+                  </a:defRPr>
+                </a:lvl5pPr>
+                <a:lvl6pPr marL="2286000" algn="l" defTabSz="914400" rtl="0" eaLnBrk="1" latinLnBrk="0" hangingPunct="1">
+                  <a:defRPr sz="1800" kern="1200">
+                    <a:solidFill>
+                      <a:schemeClr val="lt1"/>
+                    </a:solidFill>
+                    <a:latin typeface="+mn-lt"/>
+                    <a:ea typeface="+mn-ea"/>
+                    <a:cs typeface="+mn-cs"/>
+                  </a:defRPr>
+                </a:lvl6pPr>
+                <a:lvl7pPr marL="2743200" algn="l" defTabSz="914400" rtl="0" eaLnBrk="1" latinLnBrk="0" hangingPunct="1">
+                  <a:defRPr sz="1800" kern="1200">
+                    <a:solidFill>
+                      <a:schemeClr val="lt1"/>
+                    </a:solidFill>
+                    <a:latin typeface="+mn-lt"/>
+                    <a:ea typeface="+mn-ea"/>
+                    <a:cs typeface="+mn-cs"/>
+                  </a:defRPr>
+                </a:lvl7pPr>
+                <a:lvl8pPr marL="3200400" algn="l" defTabSz="914400" rtl="0" eaLnBrk="1" latinLnBrk="0" hangingPunct="1">
+                  <a:defRPr sz="1800" kern="1200">
+                    <a:solidFill>
+                      <a:schemeClr val="lt1"/>
+                    </a:solidFill>
+                    <a:latin typeface="+mn-lt"/>
+                    <a:ea typeface="+mn-ea"/>
+                    <a:cs typeface="+mn-cs"/>
+                  </a:defRPr>
+                </a:lvl8pPr>
+                <a:lvl9pPr marL="3657600" algn="l" defTabSz="914400" rtl="0" eaLnBrk="1" latinLnBrk="0" hangingPunct="1">
+                  <a:defRPr sz="1800" kern="1200">
+                    <a:solidFill>
+                      <a:schemeClr val="lt1"/>
+                    </a:solidFill>
+                    <a:latin typeface="+mn-lt"/>
+                    <a:ea typeface="+mn-ea"/>
+                    <a:cs typeface="+mn-cs"/>
+                  </a:defRPr>
+                </a:lvl9pPr>
+              </a:lstStyle>
+              <a:p>
+                <a:pPr algn="ctr" defTabSz="1218936"/>
+                <a:r>
+                  <a:rPr lang="en-US" sz="1500" dirty="0">
+                    <a:solidFill>
+                      <a:schemeClr val="bg1">
+                        <a:alpha val="99000"/>
+                      </a:schemeClr>
+                    </a:solidFill>
+                    <a:latin typeface="Segoe UI"/>
+                    <a:ea typeface="Segoe UI" pitchFamily="34" charset="0"/>
+                    <a:cs typeface="Segoe UI" pitchFamily="34" charset="0"/>
+                  </a:rPr>
+                  <a:t>Virtual Machine</a:t>
+                </a:r>
+              </a:p>
+            </p:txBody>
+          </p:sp>
+          <p:sp>
+            <p:nvSpPr>
+              <p:cNvPr id="132" name="Rectangle 131"/>
+              <p:cNvSpPr/>
+              <p:nvPr/>
+            </p:nvSpPr>
+            <p:spPr>
+              <a:xfrm>
+                <a:off x="1396458" y="4162462"/>
+                <a:ext cx="1638241" cy="381000"/>
+              </a:xfrm>
+              <a:prstGeom prst="rect">
+                <a:avLst/>
+              </a:prstGeom>
+              <a:solidFill>
+                <a:schemeClr val="accent1"/>
+              </a:solidFill>
+              <a:ln w="9525" cap="flat" cmpd="sng" algn="ctr">
+                <a:solidFill>
+                  <a:srgbClr val="FFC000">
+                    <a:shade val="95000"/>
+                    <a:satMod val="105000"/>
+                  </a:srgbClr>
+                </a:solidFill>
+                <a:prstDash val="solid"/>
+              </a:ln>
+              <a:effectLst/>
+            </p:spPr>
+            <p:txBody>
+              <a:bodyPr lIns="0" rIns="0" rtlCol="0" anchor="t" anchorCtr="0"/>
+              <a:lstStyle>
+                <a:defPPr>
+                  <a:defRPr lang="en-US"/>
+                </a:defPPr>
+                <a:lvl1pPr marL="0" algn="l" defTabSz="914400" rtl="0" eaLnBrk="1" latinLnBrk="0" hangingPunct="1">
+                  <a:defRPr sz="1800" kern="1200">
+                    <a:solidFill>
+                      <a:schemeClr val="lt1"/>
+                    </a:solidFill>
+                    <a:latin typeface="+mn-lt"/>
+                    <a:ea typeface="+mn-ea"/>
+                    <a:cs typeface="+mn-cs"/>
+                  </a:defRPr>
+                </a:lvl1pPr>
+                <a:lvl2pPr marL="457200" algn="l" defTabSz="914400" rtl="0" eaLnBrk="1" latinLnBrk="0" hangingPunct="1">
+                  <a:defRPr sz="1800" kern="1200">
+                    <a:solidFill>
+                      <a:schemeClr val="lt1"/>
+                    </a:solidFill>
+                    <a:latin typeface="+mn-lt"/>
+                    <a:ea typeface="+mn-ea"/>
+                    <a:cs typeface="+mn-cs"/>
+                  </a:defRPr>
+                </a:lvl2pPr>
+                <a:lvl3pPr marL="914400" algn="l" defTabSz="914400" rtl="0" eaLnBrk="1" latinLnBrk="0" hangingPunct="1">
+                  <a:defRPr sz="1800" kern="1200">
+                    <a:solidFill>
+                      <a:schemeClr val="lt1"/>
+                    </a:solidFill>
+                    <a:latin typeface="+mn-lt"/>
+                    <a:ea typeface="+mn-ea"/>
+                    <a:cs typeface="+mn-cs"/>
+                  </a:defRPr>
+                </a:lvl3pPr>
+                <a:lvl4pPr marL="1371600" algn="l" defTabSz="914400" rtl="0" eaLnBrk="1" latinLnBrk="0" hangingPunct="1">
+                  <a:defRPr sz="1800" kern="1200">
+                    <a:solidFill>
+                      <a:schemeClr val="lt1"/>
+                    </a:solidFill>
+                    <a:latin typeface="+mn-lt"/>
+                    <a:ea typeface="+mn-ea"/>
+                    <a:cs typeface="+mn-cs"/>
+                  </a:defRPr>
+                </a:lvl4pPr>
+                <a:lvl5pPr marL="1828800" algn="l" defTabSz="914400" rtl="0" eaLnBrk="1" latinLnBrk="0" hangingPunct="1">
+                  <a:defRPr sz="1800" kern="1200">
+                    <a:solidFill>
+                      <a:schemeClr val="lt1"/>
+                    </a:solidFill>
+                    <a:latin typeface="+mn-lt"/>
+                    <a:ea typeface="+mn-ea"/>
+                    <a:cs typeface="+mn-cs"/>
+                  </a:defRPr>
+                </a:lvl5pPr>
+                <a:lvl6pPr marL="2286000" algn="l" defTabSz="914400" rtl="0" eaLnBrk="1" latinLnBrk="0" hangingPunct="1">
+                  <a:defRPr sz="1800" kern="1200">
+                    <a:solidFill>
+                      <a:schemeClr val="lt1"/>
+                    </a:solidFill>
+                    <a:latin typeface="+mn-lt"/>
+                    <a:ea typeface="+mn-ea"/>
+                    <a:cs typeface="+mn-cs"/>
+                  </a:defRPr>
+                </a:lvl6pPr>
+                <a:lvl7pPr marL="2743200" algn="l" defTabSz="914400" rtl="0" eaLnBrk="1" latinLnBrk="0" hangingPunct="1">
+                  <a:defRPr sz="1800" kern="1200">
+                    <a:solidFill>
+                      <a:schemeClr val="lt1"/>
+                    </a:solidFill>
+                    <a:latin typeface="+mn-lt"/>
+                    <a:ea typeface="+mn-ea"/>
+                    <a:cs typeface="+mn-cs"/>
+                  </a:defRPr>
+                </a:lvl7pPr>
+                <a:lvl8pPr marL="3200400" algn="l" defTabSz="914400" rtl="0" eaLnBrk="1" latinLnBrk="0" hangingPunct="1">
+                  <a:defRPr sz="1800" kern="1200">
+                    <a:solidFill>
+                      <a:schemeClr val="lt1"/>
+                    </a:solidFill>
+                    <a:latin typeface="+mn-lt"/>
+                    <a:ea typeface="+mn-ea"/>
+                    <a:cs typeface="+mn-cs"/>
+                  </a:defRPr>
+                </a:lvl8pPr>
+                <a:lvl9pPr marL="3657600" algn="l" defTabSz="914400" rtl="0" eaLnBrk="1" latinLnBrk="0" hangingPunct="1">
+                  <a:defRPr sz="1800" kern="1200">
+                    <a:solidFill>
+                      <a:schemeClr val="lt1"/>
+                    </a:solidFill>
+                    <a:latin typeface="+mn-lt"/>
+                    <a:ea typeface="+mn-ea"/>
+                    <a:cs typeface="+mn-cs"/>
+                  </a:defRPr>
+                </a:lvl9pPr>
+              </a:lstStyle>
+              <a:p>
+                <a:pPr algn="ctr" defTabSz="1218936"/>
+                <a:r>
+                  <a:rPr lang="en-US" sz="1500" dirty="0">
+                    <a:solidFill>
+                      <a:schemeClr val="bg1">
+                        <a:alpha val="99000"/>
+                      </a:schemeClr>
+                    </a:solidFill>
+                    <a:latin typeface="Segoe UI"/>
+                    <a:ea typeface="Segoe UI" pitchFamily="34" charset="0"/>
+                    <a:cs typeface="Segoe UI" pitchFamily="34" charset="0"/>
+                  </a:rPr>
+                  <a:t>Operating System</a:t>
+                </a:r>
+              </a:p>
+            </p:txBody>
+          </p:sp>
+          <p:sp>
+            <p:nvSpPr>
+              <p:cNvPr id="134" name="Rectangle 133"/>
+              <p:cNvSpPr/>
+              <p:nvPr/>
+            </p:nvSpPr>
+            <p:spPr>
+              <a:xfrm>
+                <a:off x="1396458" y="3252824"/>
+                <a:ext cx="1638241" cy="381000"/>
+              </a:xfrm>
+              <a:prstGeom prst="rect">
+                <a:avLst/>
+              </a:prstGeom>
+              <a:solidFill>
+                <a:schemeClr val="accent1"/>
+              </a:solidFill>
+              <a:ln w="9525" cap="flat" cmpd="sng" algn="ctr">
+                <a:solidFill>
+                  <a:srgbClr val="FFC000">
+                    <a:shade val="95000"/>
+                    <a:satMod val="105000"/>
+                  </a:srgbClr>
+                </a:solidFill>
+                <a:prstDash val="solid"/>
+              </a:ln>
+              <a:effectLst/>
+            </p:spPr>
+            <p:txBody>
+              <a:bodyPr rtlCol="0" anchor="t" anchorCtr="0"/>
+              <a:lstStyle>
+                <a:defPPr>
+                  <a:defRPr lang="en-US"/>
+                </a:defPPr>
+                <a:lvl1pPr marL="0" algn="l" defTabSz="914400" rtl="0" eaLnBrk="1" latinLnBrk="0" hangingPunct="1">
+                  <a:defRPr sz="1800" kern="1200">
+                    <a:solidFill>
+                      <a:schemeClr val="lt1"/>
+                    </a:solidFill>
+                    <a:latin typeface="+mn-lt"/>
+                    <a:ea typeface="+mn-ea"/>
+                    <a:cs typeface="+mn-cs"/>
+                  </a:defRPr>
+                </a:lvl1pPr>
+                <a:lvl2pPr marL="457200" algn="l" defTabSz="914400" rtl="0" eaLnBrk="1" latinLnBrk="0" hangingPunct="1">
+                  <a:defRPr sz="1800" kern="1200">
+                    <a:solidFill>
+                      <a:schemeClr val="lt1"/>
+                    </a:solidFill>
+                    <a:latin typeface="+mn-lt"/>
+                    <a:ea typeface="+mn-ea"/>
+                    <a:cs typeface="+mn-cs"/>
+                  </a:defRPr>
+                </a:lvl2pPr>
+                <a:lvl3pPr marL="914400" algn="l" defTabSz="914400" rtl="0" eaLnBrk="1" latinLnBrk="0" hangingPunct="1">
+                  <a:defRPr sz="1800" kern="1200">
+                    <a:solidFill>
+                      <a:schemeClr val="lt1"/>
+                    </a:solidFill>
+                    <a:latin typeface="+mn-lt"/>
+                    <a:ea typeface="+mn-ea"/>
+                    <a:cs typeface="+mn-cs"/>
+                  </a:defRPr>
+                </a:lvl3pPr>
+                <a:lvl4pPr marL="1371600" algn="l" defTabSz="914400" rtl="0" eaLnBrk="1" latinLnBrk="0" hangingPunct="1">
+                  <a:defRPr sz="1800" kern="1200">
+                    <a:solidFill>
+                      <a:schemeClr val="lt1"/>
+                    </a:solidFill>
+                    <a:latin typeface="+mn-lt"/>
+                    <a:ea typeface="+mn-ea"/>
+                    <a:cs typeface="+mn-cs"/>
+                  </a:defRPr>
+                </a:lvl4pPr>
+                <a:lvl5pPr marL="1828800" algn="l" defTabSz="914400" rtl="0" eaLnBrk="1" latinLnBrk="0" hangingPunct="1">
+                  <a:defRPr sz="1800" kern="1200">
+                    <a:solidFill>
+                      <a:schemeClr val="lt1"/>
+                    </a:solidFill>
+                    <a:latin typeface="+mn-lt"/>
+                    <a:ea typeface="+mn-ea"/>
+                    <a:cs typeface="+mn-cs"/>
+                  </a:defRPr>
+                </a:lvl5pPr>
+                <a:lvl6pPr marL="2286000" algn="l" defTabSz="914400" rtl="0" eaLnBrk="1" latinLnBrk="0" hangingPunct="1">
+                  <a:defRPr sz="1800" kern="1200">
+                    <a:solidFill>
+                      <a:schemeClr val="lt1"/>
+                    </a:solidFill>
+                    <a:latin typeface="+mn-lt"/>
+                    <a:ea typeface="+mn-ea"/>
+                    <a:cs typeface="+mn-cs"/>
+                  </a:defRPr>
+                </a:lvl6pPr>
+                <a:lvl7pPr marL="2743200" algn="l" defTabSz="914400" rtl="0" eaLnBrk="1" latinLnBrk="0" hangingPunct="1">
+                  <a:defRPr sz="1800" kern="1200">
+                    <a:solidFill>
+                      <a:schemeClr val="lt1"/>
+                    </a:solidFill>
+                    <a:latin typeface="+mn-lt"/>
+                    <a:ea typeface="+mn-ea"/>
+                    <a:cs typeface="+mn-cs"/>
+                  </a:defRPr>
+                </a:lvl7pPr>
+                <a:lvl8pPr marL="3200400" algn="l" defTabSz="914400" rtl="0" eaLnBrk="1" latinLnBrk="0" hangingPunct="1">
+                  <a:defRPr sz="1800" kern="1200">
+                    <a:solidFill>
+                      <a:schemeClr val="lt1"/>
+                    </a:solidFill>
+                    <a:latin typeface="+mn-lt"/>
+                    <a:ea typeface="+mn-ea"/>
+                    <a:cs typeface="+mn-cs"/>
+                  </a:defRPr>
+                </a:lvl8pPr>
+                <a:lvl9pPr marL="3657600" algn="l" defTabSz="914400" rtl="0" eaLnBrk="1" latinLnBrk="0" hangingPunct="1">
+                  <a:defRPr sz="1800" kern="1200">
+                    <a:solidFill>
+                      <a:schemeClr val="lt1"/>
+                    </a:solidFill>
+                    <a:latin typeface="+mn-lt"/>
+                    <a:ea typeface="+mn-ea"/>
+                    <a:cs typeface="+mn-cs"/>
+                  </a:defRPr>
+                </a:lvl9pPr>
+              </a:lstStyle>
+              <a:p>
+                <a:pPr algn="ctr" defTabSz="1218936"/>
+                <a:r>
+                  <a:rPr lang="en-US" sz="1500" dirty="0">
+                    <a:solidFill>
+                      <a:schemeClr val="bg1">
+                        <a:alpha val="99000"/>
+                      </a:schemeClr>
+                    </a:solidFill>
+                    <a:latin typeface="Segoe UI"/>
+                    <a:ea typeface="Segoe UI" pitchFamily="34" charset="0"/>
+                    <a:cs typeface="Segoe UI" pitchFamily="34" charset="0"/>
+                  </a:rPr>
+                  <a:t>Applications</a:t>
+                </a:r>
+              </a:p>
+            </p:txBody>
+          </p:sp>
+          <p:sp>
+            <p:nvSpPr>
+              <p:cNvPr id="135" name="Rectangle 134"/>
+              <p:cNvSpPr/>
+              <p:nvPr/>
+            </p:nvSpPr>
+            <p:spPr>
+              <a:xfrm>
+                <a:off x="1396458" y="2798005"/>
+                <a:ext cx="1638241" cy="381000"/>
+              </a:xfrm>
+              <a:prstGeom prst="rect">
+                <a:avLst/>
+              </a:prstGeom>
+              <a:solidFill>
+                <a:schemeClr val="accent1"/>
+              </a:solidFill>
+              <a:ln w="9525" cap="flat" cmpd="sng" algn="ctr">
+                <a:solidFill>
+                  <a:srgbClr val="FFC000">
+                    <a:shade val="95000"/>
+                    <a:satMod val="105000"/>
+                  </a:srgbClr>
+                </a:solidFill>
+                <a:prstDash val="solid"/>
+              </a:ln>
+              <a:effectLst/>
+            </p:spPr>
+            <p:txBody>
+              <a:bodyPr rtlCol="0" anchor="t" anchorCtr="0"/>
+              <a:lstStyle>
+                <a:defPPr>
+                  <a:defRPr lang="en-US"/>
+                </a:defPPr>
+                <a:lvl1pPr marL="0" algn="l" defTabSz="914400" rtl="0" eaLnBrk="1" latinLnBrk="0" hangingPunct="1">
+                  <a:defRPr sz="1800" kern="1200">
+                    <a:solidFill>
+                      <a:schemeClr val="lt1"/>
+                    </a:solidFill>
+                    <a:latin typeface="+mn-lt"/>
+                    <a:ea typeface="+mn-ea"/>
+                    <a:cs typeface="+mn-cs"/>
+                  </a:defRPr>
+                </a:lvl1pPr>
+                <a:lvl2pPr marL="457200" algn="l" defTabSz="914400" rtl="0" eaLnBrk="1" latinLnBrk="0" hangingPunct="1">
+                  <a:defRPr sz="1800" kern="1200">
+                    <a:solidFill>
+                      <a:schemeClr val="lt1"/>
+                    </a:solidFill>
+                    <a:latin typeface="+mn-lt"/>
+                    <a:ea typeface="+mn-ea"/>
+                    <a:cs typeface="+mn-cs"/>
+                  </a:defRPr>
+                </a:lvl2pPr>
+                <a:lvl3pPr marL="914400" algn="l" defTabSz="914400" rtl="0" eaLnBrk="1" latinLnBrk="0" hangingPunct="1">
+                  <a:defRPr sz="1800" kern="1200">
+                    <a:solidFill>
+                      <a:schemeClr val="lt1"/>
+                    </a:solidFill>
+                    <a:latin typeface="+mn-lt"/>
+                    <a:ea typeface="+mn-ea"/>
+                    <a:cs typeface="+mn-cs"/>
+                  </a:defRPr>
+                </a:lvl3pPr>
+                <a:lvl4pPr marL="1371600" algn="l" defTabSz="914400" rtl="0" eaLnBrk="1" latinLnBrk="0" hangingPunct="1">
+                  <a:defRPr sz="1800" kern="1200">
+                    <a:solidFill>
+                      <a:schemeClr val="lt1"/>
+                    </a:solidFill>
+                    <a:latin typeface="+mn-lt"/>
+                    <a:ea typeface="+mn-ea"/>
+                    <a:cs typeface="+mn-cs"/>
+                  </a:defRPr>
+                </a:lvl4pPr>
+                <a:lvl5pPr marL="1828800" algn="l" defTabSz="914400" rtl="0" eaLnBrk="1" latinLnBrk="0" hangingPunct="1">
+                  <a:defRPr sz="1800" kern="1200">
+                    <a:solidFill>
+                      <a:schemeClr val="lt1"/>
+                    </a:solidFill>
+                    <a:latin typeface="+mn-lt"/>
+                    <a:ea typeface="+mn-ea"/>
+                    <a:cs typeface="+mn-cs"/>
+                  </a:defRPr>
+                </a:lvl5pPr>
+                <a:lvl6pPr marL="2286000" algn="l" defTabSz="914400" rtl="0" eaLnBrk="1" latinLnBrk="0" hangingPunct="1">
+                  <a:defRPr sz="1800" kern="1200">
+                    <a:solidFill>
+                      <a:schemeClr val="lt1"/>
+                    </a:solidFill>
+                    <a:latin typeface="+mn-lt"/>
+                    <a:ea typeface="+mn-ea"/>
+                    <a:cs typeface="+mn-cs"/>
+                  </a:defRPr>
+                </a:lvl6pPr>
+                <a:lvl7pPr marL="2743200" algn="l" defTabSz="914400" rtl="0" eaLnBrk="1" latinLnBrk="0" hangingPunct="1">
+                  <a:defRPr sz="1800" kern="1200">
+                    <a:solidFill>
+                      <a:schemeClr val="lt1"/>
+                    </a:solidFill>
+                    <a:latin typeface="+mn-lt"/>
+                    <a:ea typeface="+mn-ea"/>
+                    <a:cs typeface="+mn-cs"/>
+                  </a:defRPr>
+                </a:lvl7pPr>
+                <a:lvl8pPr marL="3200400" algn="l" defTabSz="914400" rtl="0" eaLnBrk="1" latinLnBrk="0" hangingPunct="1">
+                  <a:defRPr sz="1800" kern="1200">
+                    <a:solidFill>
+                      <a:schemeClr val="lt1"/>
+                    </a:solidFill>
+                    <a:latin typeface="+mn-lt"/>
+                    <a:ea typeface="+mn-ea"/>
+                    <a:cs typeface="+mn-cs"/>
+                  </a:defRPr>
+                </a:lvl8pPr>
+                <a:lvl9pPr marL="3657600" algn="l" defTabSz="914400" rtl="0" eaLnBrk="1" latinLnBrk="0" hangingPunct="1">
+                  <a:defRPr sz="1800" kern="1200">
+                    <a:solidFill>
+                      <a:schemeClr val="lt1"/>
+                    </a:solidFill>
+                    <a:latin typeface="+mn-lt"/>
+                    <a:ea typeface="+mn-ea"/>
+                    <a:cs typeface="+mn-cs"/>
+                  </a:defRPr>
+                </a:lvl9pPr>
+              </a:lstStyle>
+              <a:p>
+                <a:pPr algn="ctr" defTabSz="1218936"/>
+                <a:r>
+                  <a:rPr lang="en-US" sz="1500" dirty="0">
+                    <a:solidFill>
+                      <a:schemeClr val="bg1">
+                        <a:alpha val="99000"/>
+                      </a:schemeClr>
+                    </a:solidFill>
+                    <a:latin typeface="Segoe UI"/>
+                    <a:ea typeface="Segoe UI" pitchFamily="34" charset="0"/>
+                    <a:cs typeface="Segoe UI" pitchFamily="34" charset="0"/>
+                  </a:rPr>
+                  <a:t>Data &amp; Access</a:t>
+                </a:r>
+              </a:p>
+            </p:txBody>
+          </p:sp>
+          <p:sp>
+            <p:nvSpPr>
+              <p:cNvPr id="136" name="Rectangle 135"/>
+              <p:cNvSpPr/>
+              <p:nvPr/>
+            </p:nvSpPr>
+            <p:spPr>
+              <a:xfrm>
+                <a:off x="1396458" y="3707643"/>
+                <a:ext cx="1638241" cy="381000"/>
+              </a:xfrm>
+              <a:prstGeom prst="rect">
+                <a:avLst/>
+              </a:prstGeom>
+              <a:solidFill>
+                <a:schemeClr val="accent1"/>
+              </a:solidFill>
+              <a:ln w="9525" cap="flat" cmpd="sng" algn="ctr">
+                <a:solidFill>
+                  <a:srgbClr val="FFC000">
+                    <a:shade val="95000"/>
+                    <a:satMod val="105000"/>
+                  </a:srgbClr>
+                </a:solidFill>
+                <a:prstDash val="solid"/>
+              </a:ln>
+              <a:effectLst/>
+            </p:spPr>
+            <p:txBody>
+              <a:bodyPr rtlCol="0" anchor="t" anchorCtr="0"/>
+              <a:lstStyle>
+                <a:defPPr>
+                  <a:defRPr lang="en-US"/>
+                </a:defPPr>
+                <a:lvl1pPr marL="0" algn="l" defTabSz="914400" rtl="0" eaLnBrk="1" latinLnBrk="0" hangingPunct="1">
+                  <a:defRPr sz="1800" kern="1200">
+                    <a:solidFill>
+                      <a:schemeClr val="lt1"/>
+                    </a:solidFill>
+                    <a:latin typeface="+mn-lt"/>
+                    <a:ea typeface="+mn-ea"/>
+                    <a:cs typeface="+mn-cs"/>
+                  </a:defRPr>
+                </a:lvl1pPr>
+                <a:lvl2pPr marL="457200" algn="l" defTabSz="914400" rtl="0" eaLnBrk="1" latinLnBrk="0" hangingPunct="1">
+                  <a:defRPr sz="1800" kern="1200">
+                    <a:solidFill>
+                      <a:schemeClr val="lt1"/>
+                    </a:solidFill>
+                    <a:latin typeface="+mn-lt"/>
+                    <a:ea typeface="+mn-ea"/>
+                    <a:cs typeface="+mn-cs"/>
+                  </a:defRPr>
+                </a:lvl2pPr>
+                <a:lvl3pPr marL="914400" algn="l" defTabSz="914400" rtl="0" eaLnBrk="1" latinLnBrk="0" hangingPunct="1">
+                  <a:defRPr sz="1800" kern="1200">
+                    <a:solidFill>
+                      <a:schemeClr val="lt1"/>
+                    </a:solidFill>
+                    <a:latin typeface="+mn-lt"/>
+                    <a:ea typeface="+mn-ea"/>
+                    <a:cs typeface="+mn-cs"/>
+                  </a:defRPr>
+                </a:lvl3pPr>
+                <a:lvl4pPr marL="1371600" algn="l" defTabSz="914400" rtl="0" eaLnBrk="1" latinLnBrk="0" hangingPunct="1">
+                  <a:defRPr sz="1800" kern="1200">
+                    <a:solidFill>
+                      <a:schemeClr val="lt1"/>
+                    </a:solidFill>
+                    <a:latin typeface="+mn-lt"/>
+                    <a:ea typeface="+mn-ea"/>
+                    <a:cs typeface="+mn-cs"/>
+                  </a:defRPr>
+                </a:lvl4pPr>
+                <a:lvl5pPr marL="1828800" algn="l" defTabSz="914400" rtl="0" eaLnBrk="1" latinLnBrk="0" hangingPunct="1">
+                  <a:defRPr sz="1800" kern="1200">
+                    <a:solidFill>
+                      <a:schemeClr val="lt1"/>
+                    </a:solidFill>
+                    <a:latin typeface="+mn-lt"/>
+                    <a:ea typeface="+mn-ea"/>
+                    <a:cs typeface="+mn-cs"/>
+                  </a:defRPr>
+                </a:lvl5pPr>
+                <a:lvl6pPr marL="2286000" algn="l" defTabSz="914400" rtl="0" eaLnBrk="1" latinLnBrk="0" hangingPunct="1">
+                  <a:defRPr sz="1800" kern="1200">
+                    <a:solidFill>
+                      <a:schemeClr val="lt1"/>
+                    </a:solidFill>
+                    <a:latin typeface="+mn-lt"/>
+                    <a:ea typeface="+mn-ea"/>
+                    <a:cs typeface="+mn-cs"/>
+                  </a:defRPr>
+                </a:lvl6pPr>
+                <a:lvl7pPr marL="2743200" algn="l" defTabSz="914400" rtl="0" eaLnBrk="1" latinLnBrk="0" hangingPunct="1">
+                  <a:defRPr sz="1800" kern="1200">
+                    <a:solidFill>
+                      <a:schemeClr val="lt1"/>
+                    </a:solidFill>
+                    <a:latin typeface="+mn-lt"/>
+                    <a:ea typeface="+mn-ea"/>
+                    <a:cs typeface="+mn-cs"/>
+                  </a:defRPr>
+                </a:lvl7pPr>
+                <a:lvl8pPr marL="3200400" algn="l" defTabSz="914400" rtl="0" eaLnBrk="1" latinLnBrk="0" hangingPunct="1">
+                  <a:defRPr sz="1800" kern="1200">
+                    <a:solidFill>
+                      <a:schemeClr val="lt1"/>
+                    </a:solidFill>
+                    <a:latin typeface="+mn-lt"/>
+                    <a:ea typeface="+mn-ea"/>
+                    <a:cs typeface="+mn-cs"/>
+                  </a:defRPr>
+                </a:lvl8pPr>
+                <a:lvl9pPr marL="3657600" algn="l" defTabSz="914400" rtl="0" eaLnBrk="1" latinLnBrk="0" hangingPunct="1">
+                  <a:defRPr sz="1800" kern="1200">
+                    <a:solidFill>
+                      <a:schemeClr val="lt1"/>
+                    </a:solidFill>
+                    <a:latin typeface="+mn-lt"/>
+                    <a:ea typeface="+mn-ea"/>
+                    <a:cs typeface="+mn-cs"/>
+                  </a:defRPr>
+                </a:lvl9pPr>
+              </a:lstStyle>
+              <a:p>
+                <a:pPr algn="ctr" defTabSz="1218936"/>
+                <a:r>
+                  <a:rPr lang="en-US" sz="1500" dirty="0">
+                    <a:solidFill>
+                      <a:schemeClr val="bg1">
+                        <a:alpha val="99000"/>
+                      </a:schemeClr>
+                    </a:solidFill>
+                    <a:latin typeface="Segoe UI"/>
+                    <a:ea typeface="Segoe UI" pitchFamily="34" charset="0"/>
+                    <a:cs typeface="Segoe UI" pitchFamily="34" charset="0"/>
+                  </a:rPr>
+                  <a:t>Runtime</a:t>
+                </a:r>
+              </a:p>
+            </p:txBody>
+          </p:sp>
+          <p:sp>
+            <p:nvSpPr>
+              <p:cNvPr id="127" name="TextBox 52"/>
+              <p:cNvSpPr txBox="1"/>
+              <p:nvPr/>
+            </p:nvSpPr>
+            <p:spPr>
+              <a:xfrm>
+                <a:off x="855665" y="3423926"/>
+                <a:ext cx="400110" cy="1864357"/>
+              </a:xfrm>
+              <a:prstGeom prst="rect">
+                <a:avLst/>
+              </a:prstGeom>
+              <a:noFill/>
+            </p:spPr>
+            <p:txBody>
+              <a:bodyPr vert="vert270" wrap="none" rtlCol="0">
+                <a:spAutoFit/>
+              </a:bodyPr>
+              <a:lstStyle>
+                <a:defPPr>
+                  <a:defRPr lang="en-US"/>
+                </a:defPPr>
+                <a:lvl1pPr marL="0" algn="l" defTabSz="914400" rtl="0" eaLnBrk="1" latinLnBrk="0" hangingPunct="1">
+                  <a:defRPr sz="1800" kern="1200">
+                    <a:solidFill>
+                      <a:schemeClr val="tx1"/>
+                    </a:solidFill>
+                    <a:latin typeface="+mn-lt"/>
+                    <a:ea typeface="+mn-ea"/>
+                    <a:cs typeface="+mn-cs"/>
+                  </a:defRPr>
+                </a:lvl1pPr>
+                <a:lvl2pPr marL="457200" algn="l" defTabSz="914400" rtl="0" eaLnBrk="1" latinLnBrk="0" hangingPunct="1">
+                  <a:defRPr sz="1800" kern="1200">
+                    <a:solidFill>
+                      <a:schemeClr val="tx1"/>
+                    </a:solidFill>
+                    <a:latin typeface="+mn-lt"/>
+                    <a:ea typeface="+mn-ea"/>
+                    <a:cs typeface="+mn-cs"/>
+                  </a:defRPr>
+                </a:lvl2pPr>
+                <a:lvl3pPr marL="914400" algn="l" defTabSz="914400" rtl="0" eaLnBrk="1" latinLnBrk="0" hangingPunct="1">
+                  <a:defRPr sz="1800" kern="1200">
+                    <a:solidFill>
+                      <a:schemeClr val="tx1"/>
+                    </a:solidFill>
+                    <a:latin typeface="+mn-lt"/>
+                    <a:ea typeface="+mn-ea"/>
+                    <a:cs typeface="+mn-cs"/>
+                  </a:defRPr>
+                </a:lvl3pPr>
+                <a:lvl4pPr marL="1371600" algn="l" defTabSz="914400" rtl="0" eaLnBrk="1" latinLnBrk="0" hangingPunct="1">
+                  <a:defRPr sz="1800" kern="1200">
+                    <a:solidFill>
+                      <a:schemeClr val="tx1"/>
+                    </a:solidFill>
+                    <a:latin typeface="+mn-lt"/>
+                    <a:ea typeface="+mn-ea"/>
+                    <a:cs typeface="+mn-cs"/>
+                  </a:defRPr>
+                </a:lvl4pPr>
+                <a:lvl5pPr marL="1828800" algn="l" defTabSz="914400" rtl="0" eaLnBrk="1" latinLnBrk="0" hangingPunct="1">
+                  <a:defRPr sz="1800" kern="1200">
+                    <a:solidFill>
+                      <a:schemeClr val="tx1"/>
+                    </a:solidFill>
+                    <a:latin typeface="+mn-lt"/>
+                    <a:ea typeface="+mn-ea"/>
+                    <a:cs typeface="+mn-cs"/>
+                  </a:defRPr>
+                </a:lvl5pPr>
+                <a:lvl6pPr marL="2286000" algn="l" defTabSz="914400" rtl="0" eaLnBrk="1" latinLnBrk="0" hangingPunct="1">
+                  <a:defRPr sz="1800" kern="1200">
+                    <a:solidFill>
+                      <a:schemeClr val="tx1"/>
+                    </a:solidFill>
+                    <a:latin typeface="+mn-lt"/>
+                    <a:ea typeface="+mn-ea"/>
+                    <a:cs typeface="+mn-cs"/>
+                  </a:defRPr>
+                </a:lvl6pPr>
+                <a:lvl7pPr marL="2743200" algn="l" defTabSz="914400" rtl="0" eaLnBrk="1" latinLnBrk="0" hangingPunct="1">
+                  <a:defRPr sz="1800" kern="1200">
+                    <a:solidFill>
+                      <a:schemeClr val="tx1"/>
+                    </a:solidFill>
+                    <a:latin typeface="+mn-lt"/>
+                    <a:ea typeface="+mn-ea"/>
+                    <a:cs typeface="+mn-cs"/>
+                  </a:defRPr>
+                </a:lvl7pPr>
+                <a:lvl8pPr marL="3200400" algn="l" defTabSz="914400" rtl="0" eaLnBrk="1" latinLnBrk="0" hangingPunct="1">
+                  <a:defRPr sz="1800" kern="1200">
+                    <a:solidFill>
+                      <a:schemeClr val="tx1"/>
+                    </a:solidFill>
+                    <a:latin typeface="+mn-lt"/>
+                    <a:ea typeface="+mn-ea"/>
+                    <a:cs typeface="+mn-cs"/>
+                  </a:defRPr>
+                </a:lvl8pPr>
+                <a:lvl9pPr marL="3657600" algn="l" defTabSz="914400" rtl="0" eaLnBrk="1" latinLnBrk="0" hangingPunct="1">
+                  <a:defRPr sz="1800" kern="1200">
+                    <a:solidFill>
+                      <a:schemeClr val="tx1"/>
+                    </a:solidFill>
+                    <a:latin typeface="+mn-lt"/>
+                    <a:ea typeface="+mn-ea"/>
+                    <a:cs typeface="+mn-cs"/>
+                  </a:defRPr>
+                </a:lvl9pPr>
+              </a:lstStyle>
+              <a:p>
+                <a:pPr marL="0" lvl="1" algn="ctr" defTabSz="1218836" fontAlgn="base">
+                  <a:spcAft>
+                    <a:spcPct val="0"/>
+                  </a:spcAft>
+                </a:pPr>
+                <a:r>
+                  <a:rPr lang="en-US" sz="1400" dirty="0">
+                    <a:solidFill>
+                      <a:srgbClr val="595959">
+                        <a:alpha val="99000"/>
+                      </a:srgbClr>
+                    </a:solidFill>
+                    <a:ea typeface="Kozuka Gothic Pro R" pitchFamily="34" charset="-128"/>
+                  </a:rPr>
+                  <a:t>You Provision &amp; Manage</a:t>
+                </a:r>
+              </a:p>
+            </p:txBody>
+          </p:sp>
+        </p:grpSp>
+        <p:sp>
+          <p:nvSpPr>
+            <p:cNvPr id="138" name="Rectangle 137"/>
+            <p:cNvSpPr/>
+            <p:nvPr/>
+          </p:nvSpPr>
+          <p:spPr>
+            <a:xfrm>
+              <a:off x="4381891" y="1511658"/>
+              <a:ext cx="2108505" cy="640080"/>
+            </a:xfrm>
+            <a:prstGeom prst="rect">
+              <a:avLst/>
+            </a:prstGeom>
+            <a:noFill/>
+            <a:ln w="9525" cap="flat" cmpd="sng" algn="ctr">
+              <a:noFill/>
+              <a:prstDash val="solid"/>
+            </a:ln>
+            <a:effectLst/>
+          </p:spPr>
+          <p:txBody>
+            <a:bodyPr tIns="0" bIns="0" rtlCol="0" anchor="t" anchorCtr="0"/>
+            <a:lstStyle>
+              <a:defPPr>
+                <a:defRPr lang="en-US"/>
+              </a:defPPr>
+              <a:lvl1pPr marL="0" algn="l" defTabSz="914400" rtl="0" eaLnBrk="1" latinLnBrk="0" hangingPunct="1">
+                <a:defRPr sz="1800" kern="1200">
+                  <a:solidFill>
+                    <a:schemeClr val="lt1"/>
+                  </a:solidFill>
+                  <a:latin typeface="+mn-lt"/>
+                  <a:ea typeface="+mn-ea"/>
+                  <a:cs typeface="+mn-cs"/>
+                </a:defRPr>
+              </a:lvl1pPr>
+              <a:lvl2pPr marL="457200" algn="l" defTabSz="914400" rtl="0" eaLnBrk="1" latinLnBrk="0" hangingPunct="1">
+                <a:defRPr sz="1800" kern="1200">
+                  <a:solidFill>
+                    <a:schemeClr val="lt1"/>
+                  </a:solidFill>
+                  <a:latin typeface="+mn-lt"/>
+                  <a:ea typeface="+mn-ea"/>
+                  <a:cs typeface="+mn-cs"/>
+                </a:defRPr>
+              </a:lvl2pPr>
+              <a:lvl3pPr marL="914400" algn="l" defTabSz="914400" rtl="0" eaLnBrk="1" latinLnBrk="0" hangingPunct="1">
+                <a:defRPr sz="1800" kern="1200">
+                  <a:solidFill>
+                    <a:schemeClr val="lt1"/>
+                  </a:solidFill>
+                  <a:latin typeface="+mn-lt"/>
+                  <a:ea typeface="+mn-ea"/>
+                  <a:cs typeface="+mn-cs"/>
+                </a:defRPr>
+              </a:lvl3pPr>
+              <a:lvl4pPr marL="1371600" algn="l" defTabSz="914400" rtl="0" eaLnBrk="1" latinLnBrk="0" hangingPunct="1">
+                <a:defRPr sz="1800" kern="1200">
+                  <a:solidFill>
+                    <a:schemeClr val="lt1"/>
+                  </a:solidFill>
+                  <a:latin typeface="+mn-lt"/>
+                  <a:ea typeface="+mn-ea"/>
+                  <a:cs typeface="+mn-cs"/>
+                </a:defRPr>
+              </a:lvl4pPr>
+              <a:lvl5pPr marL="1828800" algn="l" defTabSz="914400" rtl="0" eaLnBrk="1" latinLnBrk="0" hangingPunct="1">
+                <a:defRPr sz="1800" kern="1200">
+                  <a:solidFill>
+                    <a:schemeClr val="lt1"/>
+                  </a:solidFill>
+                  <a:latin typeface="+mn-lt"/>
+                  <a:ea typeface="+mn-ea"/>
+                  <a:cs typeface="+mn-cs"/>
+                </a:defRPr>
+              </a:lvl5pPr>
+              <a:lvl6pPr marL="2286000" algn="l" defTabSz="914400" rtl="0" eaLnBrk="1" latinLnBrk="0" hangingPunct="1">
+                <a:defRPr sz="1800" kern="1200">
+                  <a:solidFill>
+                    <a:schemeClr val="lt1"/>
+                  </a:solidFill>
+                  <a:latin typeface="+mn-lt"/>
+                  <a:ea typeface="+mn-ea"/>
+                  <a:cs typeface="+mn-cs"/>
+                </a:defRPr>
+              </a:lvl6pPr>
+              <a:lvl7pPr marL="2743200" algn="l" defTabSz="914400" rtl="0" eaLnBrk="1" latinLnBrk="0" hangingPunct="1">
+                <a:defRPr sz="1800" kern="1200">
+                  <a:solidFill>
+                    <a:schemeClr val="lt1"/>
+                  </a:solidFill>
+                  <a:latin typeface="+mn-lt"/>
+                  <a:ea typeface="+mn-ea"/>
+                  <a:cs typeface="+mn-cs"/>
+                </a:defRPr>
+              </a:lvl7pPr>
+              <a:lvl8pPr marL="3200400" algn="l" defTabSz="914400" rtl="0" eaLnBrk="1" latinLnBrk="0" hangingPunct="1">
+                <a:defRPr sz="1800" kern="1200">
+                  <a:solidFill>
+                    <a:schemeClr val="lt1"/>
+                  </a:solidFill>
+                  <a:latin typeface="+mn-lt"/>
+                  <a:ea typeface="+mn-ea"/>
+                  <a:cs typeface="+mn-cs"/>
+                </a:defRPr>
+              </a:lvl8pPr>
+              <a:lvl9pPr marL="3657600" algn="l" defTabSz="914400" rtl="0" eaLnBrk="1" latinLnBrk="0" hangingPunct="1">
+                <a:defRPr sz="1800" kern="1200">
+                  <a:solidFill>
+                    <a:schemeClr val="lt1"/>
+                  </a:solidFill>
+                  <a:latin typeface="+mn-lt"/>
+                  <a:ea typeface="+mn-ea"/>
+                  <a:cs typeface="+mn-cs"/>
+                </a:defRPr>
+              </a:lvl9pPr>
+            </a:lstStyle>
+            <a:p>
+              <a:pPr marL="0" lvl="1" defTabSz="1218836" fontAlgn="base">
+                <a:spcAft>
+                  <a:spcPct val="0"/>
+                </a:spcAft>
+              </a:pPr>
+              <a:r>
+                <a:rPr lang="en-US" sz="2000" dirty="0">
+                  <a:solidFill>
+                    <a:srgbClr val="595959">
+                      <a:alpha val="99000"/>
+                    </a:srgbClr>
+                  </a:solidFill>
+                  <a:ea typeface="Kozuka Gothic Pro R" pitchFamily="34" charset="-128"/>
+                </a:rPr>
+                <a:t>Infrastructure</a:t>
+              </a:r>
+            </a:p>
+            <a:p>
+              <a:pPr defTabSz="1218936"/>
+              <a:r>
+                <a:rPr lang="en-US" sz="1600" dirty="0">
+                  <a:solidFill>
+                    <a:srgbClr val="595959">
+                      <a:alpha val="99000"/>
+                    </a:srgbClr>
+                  </a:solidFill>
+                  <a:ea typeface="Kozuka Gothic Pro R" pitchFamily="34" charset="-128"/>
+                </a:rPr>
+                <a:t>( as a Service )</a:t>
+              </a:r>
+            </a:p>
+          </p:txBody>
+        </p:sp>
+        <p:grpSp>
+          <p:nvGrpSpPr>
+            <p:cNvPr id="5" name="Group 4"/>
+            <p:cNvGrpSpPr/>
+            <p:nvPr/>
+          </p:nvGrpSpPr>
+          <p:grpSpPr>
+            <a:xfrm>
+              <a:off x="4412036" y="2460754"/>
+              <a:ext cx="1645145" cy="3575799"/>
+              <a:chOff x="4410447" y="2460753"/>
+              <a:chExt cx="1645145" cy="3575799"/>
+            </a:xfrm>
+          </p:grpSpPr>
+          <p:sp>
+            <p:nvSpPr>
+              <p:cNvPr id="144" name="Rectangle 143"/>
+              <p:cNvSpPr/>
+              <p:nvPr/>
+            </p:nvSpPr>
+            <p:spPr>
+              <a:xfrm>
+                <a:off x="4410447" y="5200735"/>
+                <a:ext cx="1638241" cy="381000"/>
+              </a:xfrm>
+              <a:prstGeom prst="rect">
+                <a:avLst/>
+              </a:prstGeom>
+              <a:solidFill>
+                <a:schemeClr val="accent4"/>
+              </a:solidFill>
+              <a:ln w="9525" cap="flat" cmpd="sng" algn="ctr">
+                <a:noFill/>
+                <a:prstDash val="solid"/>
+              </a:ln>
+              <a:effectLst/>
+            </p:spPr>
+            <p:txBody>
+              <a:bodyPr rtlCol="0" anchor="t" anchorCtr="0"/>
+              <a:lstStyle>
+                <a:defPPr>
+                  <a:defRPr lang="en-US"/>
+                </a:defPPr>
+                <a:lvl1pPr marL="0" algn="l" defTabSz="914400" rtl="0" eaLnBrk="1" latinLnBrk="0" hangingPunct="1">
+                  <a:defRPr sz="1800" kern="1200">
+                    <a:solidFill>
+                      <a:schemeClr val="dk1"/>
+                    </a:solidFill>
+                    <a:latin typeface="+mn-lt"/>
+                    <a:ea typeface="+mn-ea"/>
+                    <a:cs typeface="+mn-cs"/>
+                  </a:defRPr>
+                </a:lvl1pPr>
+                <a:lvl2pPr marL="457200" algn="l" defTabSz="914400" rtl="0" eaLnBrk="1" latinLnBrk="0" hangingPunct="1">
+                  <a:defRPr sz="1800" kern="1200">
+                    <a:solidFill>
+                      <a:schemeClr val="dk1"/>
+                    </a:solidFill>
+                    <a:latin typeface="+mn-lt"/>
+                    <a:ea typeface="+mn-ea"/>
+                    <a:cs typeface="+mn-cs"/>
+                  </a:defRPr>
+                </a:lvl2pPr>
+                <a:lvl3pPr marL="914400" algn="l" defTabSz="914400" rtl="0" eaLnBrk="1" latinLnBrk="0" hangingPunct="1">
+                  <a:defRPr sz="1800" kern="1200">
+                    <a:solidFill>
+                      <a:schemeClr val="dk1"/>
+                    </a:solidFill>
+                    <a:latin typeface="+mn-lt"/>
+                    <a:ea typeface="+mn-ea"/>
+                    <a:cs typeface="+mn-cs"/>
+                  </a:defRPr>
+                </a:lvl3pPr>
+                <a:lvl4pPr marL="1371600" algn="l" defTabSz="914400" rtl="0" eaLnBrk="1" latinLnBrk="0" hangingPunct="1">
+                  <a:defRPr sz="1800" kern="1200">
+                    <a:solidFill>
+                      <a:schemeClr val="dk1"/>
+                    </a:solidFill>
+                    <a:latin typeface="+mn-lt"/>
+                    <a:ea typeface="+mn-ea"/>
+                    <a:cs typeface="+mn-cs"/>
+                  </a:defRPr>
+                </a:lvl4pPr>
+                <a:lvl5pPr marL="1828800" algn="l" defTabSz="914400" rtl="0" eaLnBrk="1" latinLnBrk="0" hangingPunct="1">
+                  <a:defRPr sz="1800" kern="1200">
+                    <a:solidFill>
+                      <a:schemeClr val="dk1"/>
+                    </a:solidFill>
+                    <a:latin typeface="+mn-lt"/>
+                    <a:ea typeface="+mn-ea"/>
+                    <a:cs typeface="+mn-cs"/>
+                  </a:defRPr>
+                </a:lvl5pPr>
+                <a:lvl6pPr marL="2286000" algn="l" defTabSz="914400" rtl="0" eaLnBrk="1" latinLnBrk="0" hangingPunct="1">
+                  <a:defRPr sz="1800" kern="1200">
+                    <a:solidFill>
+                      <a:schemeClr val="dk1"/>
+                    </a:solidFill>
+                    <a:latin typeface="+mn-lt"/>
+                    <a:ea typeface="+mn-ea"/>
+                    <a:cs typeface="+mn-cs"/>
+                  </a:defRPr>
+                </a:lvl6pPr>
+                <a:lvl7pPr marL="2743200" algn="l" defTabSz="914400" rtl="0" eaLnBrk="1" latinLnBrk="0" hangingPunct="1">
+                  <a:defRPr sz="1800" kern="1200">
+                    <a:solidFill>
+                      <a:schemeClr val="dk1"/>
+                    </a:solidFill>
+                    <a:latin typeface="+mn-lt"/>
+                    <a:ea typeface="+mn-ea"/>
+                    <a:cs typeface="+mn-cs"/>
+                  </a:defRPr>
+                </a:lvl7pPr>
+                <a:lvl8pPr marL="3200400" algn="l" defTabSz="914400" rtl="0" eaLnBrk="1" latinLnBrk="0" hangingPunct="1">
+                  <a:defRPr sz="1800" kern="1200">
+                    <a:solidFill>
+                      <a:schemeClr val="dk1"/>
+                    </a:solidFill>
+                    <a:latin typeface="+mn-lt"/>
+                    <a:ea typeface="+mn-ea"/>
+                    <a:cs typeface="+mn-cs"/>
+                  </a:defRPr>
+                </a:lvl8pPr>
+                <a:lvl9pPr marL="3657600" algn="l" defTabSz="914400" rtl="0" eaLnBrk="1" latinLnBrk="0" hangingPunct="1">
+                  <a:defRPr sz="1800" kern="1200">
+                    <a:solidFill>
+                      <a:schemeClr val="dk1"/>
+                    </a:solidFill>
+                    <a:latin typeface="+mn-lt"/>
+                    <a:ea typeface="+mn-ea"/>
+                    <a:cs typeface="+mn-cs"/>
+                  </a:defRPr>
+                </a:lvl9pPr>
+              </a:lstStyle>
+              <a:p>
+                <a:pPr algn="ctr" defTabSz="1218936"/>
+                <a:r>
+                  <a:rPr lang="en-US" sz="1500" dirty="0">
+                    <a:solidFill>
+                      <a:schemeClr val="bg1">
+                        <a:alpha val="99000"/>
+                      </a:schemeClr>
+                    </a:solidFill>
+                    <a:latin typeface="Segoe UI"/>
+                    <a:ea typeface="Segoe UI" pitchFamily="34" charset="0"/>
+                    <a:cs typeface="Segoe UI" pitchFamily="34" charset="0"/>
+                  </a:rPr>
+                  <a:t>Networking</a:t>
+                </a:r>
+              </a:p>
+            </p:txBody>
+          </p:sp>
+          <p:sp>
+            <p:nvSpPr>
+              <p:cNvPr id="145" name="Rectangle 144"/>
+              <p:cNvSpPr/>
+              <p:nvPr/>
+            </p:nvSpPr>
+            <p:spPr>
+              <a:xfrm>
+                <a:off x="4410447" y="4745916"/>
+                <a:ext cx="1638241" cy="381000"/>
+              </a:xfrm>
+              <a:prstGeom prst="rect">
+                <a:avLst/>
+              </a:prstGeom>
+              <a:solidFill>
+                <a:schemeClr val="accent4"/>
+              </a:solidFill>
+              <a:ln w="9525" cap="flat" cmpd="sng" algn="ctr">
+                <a:noFill/>
+                <a:prstDash val="solid"/>
+              </a:ln>
+              <a:effectLst/>
+            </p:spPr>
+            <p:txBody>
+              <a:bodyPr rtlCol="0" anchor="t" anchorCtr="0"/>
+              <a:lstStyle>
+                <a:defPPr>
+                  <a:defRPr lang="en-US"/>
+                </a:defPPr>
+                <a:lvl1pPr marL="0" algn="l" defTabSz="914400" rtl="0" eaLnBrk="1" latinLnBrk="0" hangingPunct="1">
+                  <a:defRPr sz="1800" kern="1200">
+                    <a:solidFill>
+                      <a:schemeClr val="dk1"/>
+                    </a:solidFill>
+                    <a:latin typeface="+mn-lt"/>
+                    <a:ea typeface="+mn-ea"/>
+                    <a:cs typeface="+mn-cs"/>
+                  </a:defRPr>
+                </a:lvl1pPr>
+                <a:lvl2pPr marL="457200" algn="l" defTabSz="914400" rtl="0" eaLnBrk="1" latinLnBrk="0" hangingPunct="1">
+                  <a:defRPr sz="1800" kern="1200">
+                    <a:solidFill>
+                      <a:schemeClr val="dk1"/>
+                    </a:solidFill>
+                    <a:latin typeface="+mn-lt"/>
+                    <a:ea typeface="+mn-ea"/>
+                    <a:cs typeface="+mn-cs"/>
+                  </a:defRPr>
+                </a:lvl2pPr>
+                <a:lvl3pPr marL="914400" algn="l" defTabSz="914400" rtl="0" eaLnBrk="1" latinLnBrk="0" hangingPunct="1">
+                  <a:defRPr sz="1800" kern="1200">
+                    <a:solidFill>
+                      <a:schemeClr val="dk1"/>
+                    </a:solidFill>
+                    <a:latin typeface="+mn-lt"/>
+                    <a:ea typeface="+mn-ea"/>
+                    <a:cs typeface="+mn-cs"/>
+                  </a:defRPr>
+                </a:lvl3pPr>
+                <a:lvl4pPr marL="1371600" algn="l" defTabSz="914400" rtl="0" eaLnBrk="1" latinLnBrk="0" hangingPunct="1">
+                  <a:defRPr sz="1800" kern="1200">
+                    <a:solidFill>
+                      <a:schemeClr val="dk1"/>
+                    </a:solidFill>
+                    <a:latin typeface="+mn-lt"/>
+                    <a:ea typeface="+mn-ea"/>
+                    <a:cs typeface="+mn-cs"/>
+                  </a:defRPr>
+                </a:lvl4pPr>
+                <a:lvl5pPr marL="1828800" algn="l" defTabSz="914400" rtl="0" eaLnBrk="1" latinLnBrk="0" hangingPunct="1">
+                  <a:defRPr sz="1800" kern="1200">
+                    <a:solidFill>
+                      <a:schemeClr val="dk1"/>
+                    </a:solidFill>
+                    <a:latin typeface="+mn-lt"/>
+                    <a:ea typeface="+mn-ea"/>
+                    <a:cs typeface="+mn-cs"/>
+                  </a:defRPr>
+                </a:lvl5pPr>
+                <a:lvl6pPr marL="2286000" algn="l" defTabSz="914400" rtl="0" eaLnBrk="1" latinLnBrk="0" hangingPunct="1">
+                  <a:defRPr sz="1800" kern="1200">
+                    <a:solidFill>
+                      <a:schemeClr val="dk1"/>
+                    </a:solidFill>
+                    <a:latin typeface="+mn-lt"/>
+                    <a:ea typeface="+mn-ea"/>
+                    <a:cs typeface="+mn-cs"/>
+                  </a:defRPr>
+                </a:lvl6pPr>
+                <a:lvl7pPr marL="2743200" algn="l" defTabSz="914400" rtl="0" eaLnBrk="1" latinLnBrk="0" hangingPunct="1">
+                  <a:defRPr sz="1800" kern="1200">
+                    <a:solidFill>
+                      <a:schemeClr val="dk1"/>
+                    </a:solidFill>
+                    <a:latin typeface="+mn-lt"/>
+                    <a:ea typeface="+mn-ea"/>
+                    <a:cs typeface="+mn-cs"/>
+                  </a:defRPr>
+                </a:lvl7pPr>
+                <a:lvl8pPr marL="3200400" algn="l" defTabSz="914400" rtl="0" eaLnBrk="1" latinLnBrk="0" hangingPunct="1">
+                  <a:defRPr sz="1800" kern="1200">
+                    <a:solidFill>
+                      <a:schemeClr val="dk1"/>
+                    </a:solidFill>
+                    <a:latin typeface="+mn-lt"/>
+                    <a:ea typeface="+mn-ea"/>
+                    <a:cs typeface="+mn-cs"/>
+                  </a:defRPr>
+                </a:lvl8pPr>
+                <a:lvl9pPr marL="3657600" algn="l" defTabSz="914400" rtl="0" eaLnBrk="1" latinLnBrk="0" hangingPunct="1">
+                  <a:defRPr sz="1800" kern="1200">
+                    <a:solidFill>
+                      <a:schemeClr val="dk1"/>
+                    </a:solidFill>
+                    <a:latin typeface="+mn-lt"/>
+                    <a:ea typeface="+mn-ea"/>
+                    <a:cs typeface="+mn-cs"/>
+                  </a:defRPr>
+                </a:lvl9pPr>
+              </a:lstStyle>
+              <a:p>
+                <a:pPr algn="ctr" defTabSz="1218936"/>
+                <a:r>
+                  <a:rPr lang="en-US" sz="1500" dirty="0">
+                    <a:solidFill>
+                      <a:schemeClr val="bg1">
+                        <a:alpha val="99000"/>
+                      </a:schemeClr>
+                    </a:solidFill>
+                    <a:latin typeface="Segoe UI"/>
+                    <a:ea typeface="Segoe UI" pitchFamily="34" charset="0"/>
+                    <a:cs typeface="Segoe UI" pitchFamily="34" charset="0"/>
+                  </a:rPr>
+                  <a:t>Compute</a:t>
+                </a:r>
+              </a:p>
+            </p:txBody>
+          </p:sp>
+          <p:sp>
+            <p:nvSpPr>
+              <p:cNvPr id="146" name="Rectangle 145"/>
+              <p:cNvSpPr/>
+              <p:nvPr/>
+            </p:nvSpPr>
+            <p:spPr>
+              <a:xfrm>
+                <a:off x="4410447" y="5655552"/>
+                <a:ext cx="1638241" cy="381000"/>
+              </a:xfrm>
+              <a:prstGeom prst="rect">
+                <a:avLst/>
+              </a:prstGeom>
+              <a:solidFill>
+                <a:schemeClr val="accent4"/>
+              </a:solidFill>
+              <a:ln w="9525" cap="flat" cmpd="sng" algn="ctr">
+                <a:noFill/>
+                <a:prstDash val="solid"/>
+              </a:ln>
+              <a:effectLst/>
+            </p:spPr>
+            <p:txBody>
+              <a:bodyPr rtlCol="0" anchor="t" anchorCtr="0"/>
+              <a:lstStyle>
+                <a:defPPr>
+                  <a:defRPr lang="en-US"/>
+                </a:defPPr>
+                <a:lvl1pPr marL="0" algn="l" defTabSz="914400" rtl="0" eaLnBrk="1" latinLnBrk="0" hangingPunct="1">
+                  <a:defRPr sz="1800" kern="1200">
+                    <a:solidFill>
+                      <a:schemeClr val="dk1"/>
+                    </a:solidFill>
+                    <a:latin typeface="+mn-lt"/>
+                    <a:ea typeface="+mn-ea"/>
+                    <a:cs typeface="+mn-cs"/>
+                  </a:defRPr>
+                </a:lvl1pPr>
+                <a:lvl2pPr marL="457200" algn="l" defTabSz="914400" rtl="0" eaLnBrk="1" latinLnBrk="0" hangingPunct="1">
+                  <a:defRPr sz="1800" kern="1200">
+                    <a:solidFill>
+                      <a:schemeClr val="dk1"/>
+                    </a:solidFill>
+                    <a:latin typeface="+mn-lt"/>
+                    <a:ea typeface="+mn-ea"/>
+                    <a:cs typeface="+mn-cs"/>
+                  </a:defRPr>
+                </a:lvl2pPr>
+                <a:lvl3pPr marL="914400" algn="l" defTabSz="914400" rtl="0" eaLnBrk="1" latinLnBrk="0" hangingPunct="1">
+                  <a:defRPr sz="1800" kern="1200">
+                    <a:solidFill>
+                      <a:schemeClr val="dk1"/>
+                    </a:solidFill>
+                    <a:latin typeface="+mn-lt"/>
+                    <a:ea typeface="+mn-ea"/>
+                    <a:cs typeface="+mn-cs"/>
+                  </a:defRPr>
+                </a:lvl3pPr>
+                <a:lvl4pPr marL="1371600" algn="l" defTabSz="914400" rtl="0" eaLnBrk="1" latinLnBrk="0" hangingPunct="1">
+                  <a:defRPr sz="1800" kern="1200">
+                    <a:solidFill>
+                      <a:schemeClr val="dk1"/>
+                    </a:solidFill>
+                    <a:latin typeface="+mn-lt"/>
+                    <a:ea typeface="+mn-ea"/>
+                    <a:cs typeface="+mn-cs"/>
+                  </a:defRPr>
+                </a:lvl4pPr>
+                <a:lvl5pPr marL="1828800" algn="l" defTabSz="914400" rtl="0" eaLnBrk="1" latinLnBrk="0" hangingPunct="1">
+                  <a:defRPr sz="1800" kern="1200">
+                    <a:solidFill>
+                      <a:schemeClr val="dk1"/>
+                    </a:solidFill>
+                    <a:latin typeface="+mn-lt"/>
+                    <a:ea typeface="+mn-ea"/>
+                    <a:cs typeface="+mn-cs"/>
+                  </a:defRPr>
+                </a:lvl5pPr>
+                <a:lvl6pPr marL="2286000" algn="l" defTabSz="914400" rtl="0" eaLnBrk="1" latinLnBrk="0" hangingPunct="1">
+                  <a:defRPr sz="1800" kern="1200">
+                    <a:solidFill>
+                      <a:schemeClr val="dk1"/>
+                    </a:solidFill>
+                    <a:latin typeface="+mn-lt"/>
+                    <a:ea typeface="+mn-ea"/>
+                    <a:cs typeface="+mn-cs"/>
+                  </a:defRPr>
+                </a:lvl6pPr>
+                <a:lvl7pPr marL="2743200" algn="l" defTabSz="914400" rtl="0" eaLnBrk="1" latinLnBrk="0" hangingPunct="1">
+                  <a:defRPr sz="1800" kern="1200">
+                    <a:solidFill>
+                      <a:schemeClr val="dk1"/>
+                    </a:solidFill>
+                    <a:latin typeface="+mn-lt"/>
+                    <a:ea typeface="+mn-ea"/>
+                    <a:cs typeface="+mn-cs"/>
+                  </a:defRPr>
+                </a:lvl7pPr>
+                <a:lvl8pPr marL="3200400" algn="l" defTabSz="914400" rtl="0" eaLnBrk="1" latinLnBrk="0" hangingPunct="1">
+                  <a:defRPr sz="1800" kern="1200">
+                    <a:solidFill>
+                      <a:schemeClr val="dk1"/>
+                    </a:solidFill>
+                    <a:latin typeface="+mn-lt"/>
+                    <a:ea typeface="+mn-ea"/>
+                    <a:cs typeface="+mn-cs"/>
+                  </a:defRPr>
+                </a:lvl8pPr>
+                <a:lvl9pPr marL="3657600" algn="l" defTabSz="914400" rtl="0" eaLnBrk="1" latinLnBrk="0" hangingPunct="1">
+                  <a:defRPr sz="1800" kern="1200">
+                    <a:solidFill>
+                      <a:schemeClr val="dk1"/>
+                    </a:solidFill>
+                    <a:latin typeface="+mn-lt"/>
+                    <a:ea typeface="+mn-ea"/>
+                    <a:cs typeface="+mn-cs"/>
+                  </a:defRPr>
+                </a:lvl9pPr>
+              </a:lstStyle>
+              <a:p>
+                <a:pPr algn="ctr" defTabSz="1218936"/>
+                <a:r>
+                  <a:rPr lang="en-US" sz="1500" dirty="0">
+                    <a:solidFill>
+                      <a:schemeClr val="bg1">
+                        <a:alpha val="99000"/>
+                      </a:schemeClr>
+                    </a:solidFill>
+                    <a:latin typeface="Segoe UI"/>
+                    <a:ea typeface="Segoe UI" pitchFamily="34" charset="0"/>
+                    <a:cs typeface="Segoe UI" pitchFamily="34" charset="0"/>
+                  </a:rPr>
+                  <a:t>Storage</a:t>
+                </a:r>
+              </a:p>
+            </p:txBody>
+          </p:sp>
+          <p:sp>
+            <p:nvSpPr>
+              <p:cNvPr id="147" name="Rectangle 146"/>
+              <p:cNvSpPr/>
+              <p:nvPr/>
+            </p:nvSpPr>
+            <p:spPr>
+              <a:xfrm>
+                <a:off x="4410447" y="4280029"/>
+                <a:ext cx="1638241" cy="381000"/>
+              </a:xfrm>
+              <a:prstGeom prst="rect">
+                <a:avLst/>
+              </a:prstGeom>
+              <a:solidFill>
+                <a:schemeClr val="accent1"/>
+              </a:solidFill>
+              <a:ln w="9525" cap="flat" cmpd="sng" algn="ctr">
+                <a:solidFill>
+                  <a:srgbClr val="FFC000">
+                    <a:shade val="95000"/>
+                    <a:satMod val="105000"/>
+                  </a:srgbClr>
+                </a:solidFill>
+                <a:prstDash val="solid"/>
+              </a:ln>
+              <a:effectLst/>
+            </p:spPr>
+            <p:txBody>
+              <a:bodyPr rtlCol="0" anchor="t" anchorCtr="0"/>
+              <a:lstStyle/>
+              <a:p>
+                <a:pPr algn="ctr" defTabSz="1218936"/>
+                <a:r>
+                  <a:rPr lang="en-US" sz="1500" dirty="0">
+                    <a:solidFill>
+                      <a:schemeClr val="bg1">
+                        <a:alpha val="99000"/>
+                      </a:schemeClr>
+                    </a:solidFill>
+                    <a:latin typeface="Segoe UI"/>
+                    <a:ea typeface="Segoe UI" pitchFamily="34" charset="0"/>
+                    <a:cs typeface="Segoe UI" pitchFamily="34" charset="0"/>
+                  </a:rPr>
+                  <a:t>Virtual Machine</a:t>
+                </a:r>
+              </a:p>
+            </p:txBody>
+          </p:sp>
+          <p:sp>
+            <p:nvSpPr>
+              <p:cNvPr id="148" name="Rectangle 147"/>
+              <p:cNvSpPr/>
+              <p:nvPr/>
+            </p:nvSpPr>
+            <p:spPr>
+              <a:xfrm>
+                <a:off x="4410447" y="3825210"/>
+                <a:ext cx="1645145" cy="381000"/>
+              </a:xfrm>
+              <a:prstGeom prst="rect">
+                <a:avLst/>
+              </a:prstGeom>
+              <a:solidFill>
+                <a:schemeClr val="accent1"/>
+              </a:solidFill>
+              <a:ln w="9525" cap="flat" cmpd="sng" algn="ctr">
+                <a:solidFill>
+                  <a:srgbClr val="FFC000"/>
+                </a:solidFill>
+                <a:prstDash val="solid"/>
+              </a:ln>
+              <a:effectLst/>
+            </p:spPr>
+            <p:txBody>
+              <a:bodyPr lIns="0" rIns="0" rtlCol="0" anchor="t" anchorCtr="0"/>
+              <a:lstStyle/>
+              <a:p>
+                <a:pPr algn="ctr" defTabSz="1218936"/>
+                <a:r>
+                  <a:rPr lang="en-US" sz="1500" dirty="0">
+                    <a:solidFill>
+                      <a:schemeClr val="bg1">
+                        <a:alpha val="99000"/>
+                      </a:schemeClr>
+                    </a:solidFill>
+                    <a:latin typeface="Segoe UI"/>
+                    <a:ea typeface="Segoe UI" pitchFamily="34" charset="0"/>
+                    <a:cs typeface="Segoe UI" pitchFamily="34" charset="0"/>
+                  </a:rPr>
+                  <a:t>Operating System</a:t>
+                </a:r>
+              </a:p>
+            </p:txBody>
+          </p:sp>
+          <p:sp>
+            <p:nvSpPr>
+              <p:cNvPr id="150" name="Rectangle 149"/>
+              <p:cNvSpPr/>
+              <p:nvPr/>
+            </p:nvSpPr>
+            <p:spPr>
+              <a:xfrm>
+                <a:off x="4410447" y="2915572"/>
+                <a:ext cx="1638241" cy="381000"/>
+              </a:xfrm>
+              <a:prstGeom prst="rect">
+                <a:avLst/>
+              </a:prstGeom>
+              <a:solidFill>
+                <a:schemeClr val="accent1"/>
+              </a:solidFill>
+              <a:ln w="9525" cap="flat" cmpd="sng" algn="ctr">
+                <a:solidFill>
+                  <a:srgbClr val="FFC000">
+                    <a:shade val="95000"/>
+                    <a:satMod val="105000"/>
+                  </a:srgbClr>
+                </a:solidFill>
+                <a:prstDash val="solid"/>
+              </a:ln>
+              <a:effectLst/>
+            </p:spPr>
+            <p:txBody>
+              <a:bodyPr rtlCol="0" anchor="t" anchorCtr="0"/>
+              <a:lstStyle/>
+              <a:p>
+                <a:pPr algn="ctr" defTabSz="1218936"/>
+                <a:r>
+                  <a:rPr lang="en-US" sz="1500" dirty="0">
+                    <a:solidFill>
+                      <a:schemeClr val="bg1">
+                        <a:alpha val="99000"/>
+                      </a:schemeClr>
+                    </a:solidFill>
+                    <a:latin typeface="Segoe UI"/>
+                    <a:ea typeface="Segoe UI" pitchFamily="34" charset="0"/>
+                    <a:cs typeface="Segoe UI" pitchFamily="34" charset="0"/>
+                  </a:rPr>
+                  <a:t>Applications</a:t>
+                </a:r>
+              </a:p>
+            </p:txBody>
+          </p:sp>
+          <p:sp>
+            <p:nvSpPr>
+              <p:cNvPr id="151" name="Rectangle 150"/>
+              <p:cNvSpPr/>
+              <p:nvPr/>
+            </p:nvSpPr>
+            <p:spPr>
+              <a:xfrm>
+                <a:off x="4410447" y="2460753"/>
+                <a:ext cx="1638241" cy="381000"/>
+              </a:xfrm>
+              <a:prstGeom prst="rect">
+                <a:avLst/>
+              </a:prstGeom>
+              <a:solidFill>
+                <a:schemeClr val="accent1"/>
+              </a:solidFill>
+              <a:ln w="9525" cap="flat" cmpd="sng" algn="ctr">
+                <a:solidFill>
+                  <a:srgbClr val="FFC000">
+                    <a:shade val="95000"/>
+                    <a:satMod val="105000"/>
+                  </a:srgbClr>
+                </a:solidFill>
+                <a:prstDash val="solid"/>
+              </a:ln>
+              <a:effectLst/>
+            </p:spPr>
+            <p:txBody>
+              <a:bodyPr rtlCol="0" anchor="t" anchorCtr="0"/>
+              <a:lstStyle/>
+              <a:p>
+                <a:pPr algn="ctr" defTabSz="1218936"/>
+                <a:r>
+                  <a:rPr lang="en-US" sz="1500" dirty="0">
+                    <a:solidFill>
+                      <a:schemeClr val="bg1">
+                        <a:alpha val="99000"/>
+                      </a:schemeClr>
+                    </a:solidFill>
+                    <a:latin typeface="Segoe UI"/>
+                    <a:ea typeface="Segoe UI" pitchFamily="34" charset="0"/>
+                    <a:cs typeface="Segoe UI" pitchFamily="34" charset="0"/>
+                  </a:rPr>
+                  <a:t>Data &amp; Access</a:t>
+                </a:r>
+              </a:p>
+            </p:txBody>
+          </p:sp>
+          <p:sp>
+            <p:nvSpPr>
+              <p:cNvPr id="152" name="Rectangle 151"/>
+              <p:cNvSpPr/>
+              <p:nvPr/>
+            </p:nvSpPr>
+            <p:spPr>
+              <a:xfrm>
+                <a:off x="4410447" y="3370391"/>
+                <a:ext cx="1638241" cy="381000"/>
+              </a:xfrm>
+              <a:prstGeom prst="rect">
+                <a:avLst/>
+              </a:prstGeom>
+              <a:solidFill>
+                <a:schemeClr val="accent1"/>
+              </a:solidFill>
+              <a:ln w="9525" cap="flat" cmpd="sng" algn="ctr">
+                <a:solidFill>
+                  <a:srgbClr val="FFC000">
+                    <a:shade val="95000"/>
+                    <a:satMod val="105000"/>
+                  </a:srgbClr>
+                </a:solidFill>
+                <a:prstDash val="solid"/>
+              </a:ln>
+              <a:effectLst/>
+            </p:spPr>
+            <p:txBody>
+              <a:bodyPr rtlCol="0" anchor="t" anchorCtr="0"/>
+              <a:lstStyle/>
+              <a:p>
+                <a:pPr algn="ctr" defTabSz="1218936"/>
+                <a:r>
+                  <a:rPr lang="en-US" sz="1500" dirty="0">
+                    <a:solidFill>
+                      <a:schemeClr val="bg1">
+                        <a:alpha val="99000"/>
+                      </a:schemeClr>
+                    </a:solidFill>
+                    <a:latin typeface="Segoe UI"/>
+                    <a:ea typeface="Segoe UI" pitchFamily="34" charset="0"/>
+                    <a:cs typeface="Segoe UI" pitchFamily="34" charset="0"/>
+                  </a:rPr>
+                  <a:t>Runtime</a:t>
+                </a:r>
+              </a:p>
+            </p:txBody>
+          </p:sp>
+        </p:grpSp>
+        <p:sp>
+          <p:nvSpPr>
+            <p:cNvPr id="140" name="Left Brace 139"/>
+            <p:cNvSpPr/>
+            <p:nvPr/>
+          </p:nvSpPr>
+          <p:spPr>
+            <a:xfrm flipH="1">
+              <a:off x="6059507" y="4724823"/>
+              <a:ext cx="228600" cy="1325319"/>
+            </a:xfrm>
+            <a:prstGeom prst="leftBrace">
+              <a:avLst>
+                <a:gd name="adj1" fmla="val 0"/>
+                <a:gd name="adj2" fmla="val 50000"/>
+              </a:avLst>
+            </a:prstGeom>
+            <a:noFill/>
+            <a:ln w="19050" cap="flat" cmpd="sng" algn="ctr">
+              <a:solidFill>
+                <a:schemeClr val="accent2"/>
+              </a:solidFill>
+              <a:prstDash val="solid"/>
+            </a:ln>
+            <a:effectLst/>
+          </p:spPr>
+          <p:txBody>
+            <a:bodyPr rtlCol="0" anchor="ctr"/>
+            <a:lstStyle/>
+            <a:p>
+              <a:pPr algn="ctr" defTabSz="1218936"/>
+              <a:endParaRPr lang="en-US" dirty="0">
+                <a:solidFill>
+                  <a:srgbClr val="FFFFFF"/>
+                </a:solidFill>
+                <a:latin typeface="Segoe UI"/>
+                <a:ea typeface="Segoe UI" pitchFamily="34" charset="0"/>
+                <a:cs typeface="Segoe UI" pitchFamily="34" charset="0"/>
+              </a:endParaRPr>
+            </a:p>
+          </p:txBody>
+        </p:sp>
+        <p:sp>
+          <p:nvSpPr>
+            <p:cNvPr id="141" name="TextBox 56"/>
+            <p:cNvSpPr txBox="1"/>
+            <p:nvPr/>
+          </p:nvSpPr>
+          <p:spPr>
+            <a:xfrm flipH="1">
+              <a:off x="6188454" y="4566507"/>
+              <a:ext cx="849956" cy="1519761"/>
+            </a:xfrm>
+            <a:prstGeom prst="rect">
+              <a:avLst/>
+            </a:prstGeom>
+            <a:noFill/>
+          </p:spPr>
+          <p:txBody>
+            <a:bodyPr vert="eaVert" wrap="square" rtlCol="0">
+              <a:spAutoFit/>
+            </a:bodyPr>
+            <a:lstStyle>
+              <a:defPPr>
+                <a:defRPr lang="en-US"/>
+              </a:defPPr>
+              <a:lvl1pPr marL="0" algn="l" defTabSz="914400" rtl="0" eaLnBrk="1" latinLnBrk="0" hangingPunct="1">
+                <a:defRPr sz="1800" kern="1200">
+                  <a:solidFill>
+                    <a:schemeClr val="tx1"/>
+                  </a:solidFill>
+                  <a:latin typeface="+mn-lt"/>
+                  <a:ea typeface="+mn-ea"/>
+                  <a:cs typeface="+mn-cs"/>
+                </a:defRPr>
+              </a:lvl1pPr>
+              <a:lvl2pPr marL="457200" algn="l" defTabSz="914400" rtl="0" eaLnBrk="1" latinLnBrk="0" hangingPunct="1">
+                <a:defRPr sz="1800" kern="1200">
+                  <a:solidFill>
+                    <a:schemeClr val="tx1"/>
+                  </a:solidFill>
+                  <a:latin typeface="+mn-lt"/>
+                  <a:ea typeface="+mn-ea"/>
+                  <a:cs typeface="+mn-cs"/>
+                </a:defRPr>
+              </a:lvl2pPr>
+              <a:lvl3pPr marL="914400" algn="l" defTabSz="914400" rtl="0" eaLnBrk="1" latinLnBrk="0" hangingPunct="1">
+                <a:defRPr sz="1800" kern="1200">
+                  <a:solidFill>
+                    <a:schemeClr val="tx1"/>
+                  </a:solidFill>
+                  <a:latin typeface="+mn-lt"/>
+                  <a:ea typeface="+mn-ea"/>
+                  <a:cs typeface="+mn-cs"/>
+                </a:defRPr>
+              </a:lvl3pPr>
+              <a:lvl4pPr marL="1371600" algn="l" defTabSz="914400" rtl="0" eaLnBrk="1" latinLnBrk="0" hangingPunct="1">
+                <a:defRPr sz="1800" kern="1200">
+                  <a:solidFill>
+                    <a:schemeClr val="tx1"/>
+                  </a:solidFill>
+                  <a:latin typeface="+mn-lt"/>
+                  <a:ea typeface="+mn-ea"/>
+                  <a:cs typeface="+mn-cs"/>
+                </a:defRPr>
+              </a:lvl4pPr>
+              <a:lvl5pPr marL="1828800" algn="l" defTabSz="914400" rtl="0" eaLnBrk="1" latinLnBrk="0" hangingPunct="1">
+                <a:defRPr sz="1800" kern="1200">
+                  <a:solidFill>
+                    <a:schemeClr val="tx1"/>
+                  </a:solidFill>
+                  <a:latin typeface="+mn-lt"/>
+                  <a:ea typeface="+mn-ea"/>
+                  <a:cs typeface="+mn-cs"/>
+                </a:defRPr>
+              </a:lvl5pPr>
+              <a:lvl6pPr marL="2286000" algn="l" defTabSz="914400" rtl="0" eaLnBrk="1" latinLnBrk="0" hangingPunct="1">
+                <a:defRPr sz="1800" kern="1200">
+                  <a:solidFill>
+                    <a:schemeClr val="tx1"/>
+                  </a:solidFill>
+                  <a:latin typeface="+mn-lt"/>
+                  <a:ea typeface="+mn-ea"/>
+                  <a:cs typeface="+mn-cs"/>
+                </a:defRPr>
+              </a:lvl6pPr>
+              <a:lvl7pPr marL="2743200" algn="l" defTabSz="914400" rtl="0" eaLnBrk="1" latinLnBrk="0" hangingPunct="1">
+                <a:defRPr sz="1800" kern="1200">
+                  <a:solidFill>
+                    <a:schemeClr val="tx1"/>
+                  </a:solidFill>
+                  <a:latin typeface="+mn-lt"/>
+                  <a:ea typeface="+mn-ea"/>
+                  <a:cs typeface="+mn-cs"/>
+                </a:defRPr>
+              </a:lvl7pPr>
+              <a:lvl8pPr marL="3200400" algn="l" defTabSz="914400" rtl="0" eaLnBrk="1" latinLnBrk="0" hangingPunct="1">
+                <a:defRPr sz="1800" kern="1200">
+                  <a:solidFill>
+                    <a:schemeClr val="tx1"/>
+                  </a:solidFill>
+                  <a:latin typeface="+mn-lt"/>
+                  <a:ea typeface="+mn-ea"/>
+                  <a:cs typeface="+mn-cs"/>
+                </a:defRPr>
+              </a:lvl8pPr>
+              <a:lvl9pPr marL="3657600" algn="l" defTabSz="914400" rtl="0" eaLnBrk="1" latinLnBrk="0" hangingPunct="1">
+                <a:defRPr sz="1800" kern="1200">
+                  <a:solidFill>
+                    <a:schemeClr val="tx1"/>
+                  </a:solidFill>
+                  <a:latin typeface="+mn-lt"/>
+                  <a:ea typeface="+mn-ea"/>
+                  <a:cs typeface="+mn-cs"/>
+                </a:defRPr>
+              </a:lvl9pPr>
+            </a:lstStyle>
+            <a:p>
+              <a:pPr marL="0" lvl="1" algn="ctr" defTabSz="1218836" fontAlgn="base">
+                <a:spcAft>
+                  <a:spcPct val="0"/>
+                </a:spcAft>
+              </a:pPr>
+              <a:r>
+                <a:rPr lang="en-US" sz="1400" dirty="0">
+                  <a:solidFill>
+                    <a:srgbClr val="595959">
+                      <a:alpha val="99000"/>
+                    </a:srgbClr>
+                  </a:solidFill>
+                  <a:ea typeface="Kozuka Gothic Pro R" pitchFamily="34" charset="-128"/>
+                </a:rPr>
+                <a:t>Physical Fabric</a:t>
+              </a:r>
+              <a:br>
+                <a:rPr lang="en-US" sz="1400" dirty="0">
+                  <a:solidFill>
+                    <a:srgbClr val="595959">
+                      <a:alpha val="99000"/>
+                    </a:srgbClr>
+                  </a:solidFill>
+                  <a:ea typeface="Kozuka Gothic Pro R" pitchFamily="34" charset="-128"/>
+                </a:rPr>
+              </a:br>
+              <a:r>
+                <a:rPr lang="en-US" sz="1400" dirty="0">
+                  <a:solidFill>
+                    <a:srgbClr val="595959">
+                      <a:alpha val="99000"/>
+                    </a:srgbClr>
+                  </a:solidFill>
+                  <a:ea typeface="Kozuka Gothic Pro R" pitchFamily="34" charset="-128"/>
+                </a:rPr>
+                <a:t>Managed by Vendor</a:t>
+              </a:r>
+            </a:p>
+          </p:txBody>
+        </p:sp>
+        <p:sp>
+          <p:nvSpPr>
+            <p:cNvPr id="142" name="Left Brace 141"/>
+            <p:cNvSpPr/>
+            <p:nvPr/>
+          </p:nvSpPr>
+          <p:spPr>
+            <a:xfrm>
+              <a:off x="4210567" y="2447306"/>
+              <a:ext cx="179434" cy="2200272"/>
+            </a:xfrm>
+            <a:prstGeom prst="leftBrace">
+              <a:avLst>
+                <a:gd name="adj1" fmla="val 0"/>
+                <a:gd name="adj2" fmla="val 50000"/>
+              </a:avLst>
+            </a:prstGeom>
+            <a:noFill/>
+            <a:ln w="19050" cap="flat" cmpd="sng" algn="ctr">
+              <a:solidFill>
+                <a:schemeClr val="accent2"/>
+              </a:solidFill>
+              <a:prstDash val="solid"/>
+            </a:ln>
+            <a:effectLst/>
+          </p:spPr>
+          <p:txBody>
+            <a:bodyPr rtlCol="0" anchor="ctr"/>
+            <a:lstStyle/>
+            <a:p>
+              <a:pPr algn="ctr" defTabSz="1218936"/>
+              <a:endParaRPr lang="en-US" dirty="0">
+                <a:solidFill>
+                  <a:srgbClr val="FFFFFF"/>
+                </a:solidFill>
+                <a:latin typeface="Segoe UI"/>
+                <a:ea typeface="Segoe UI" pitchFamily="34" charset="0"/>
+                <a:cs typeface="Segoe UI" pitchFamily="34" charset="0"/>
+              </a:endParaRPr>
+            </a:p>
+          </p:txBody>
+        </p:sp>
+        <p:sp>
+          <p:nvSpPr>
+            <p:cNvPr id="143" name="TextBox 58"/>
+            <p:cNvSpPr txBox="1"/>
+            <p:nvPr/>
+          </p:nvSpPr>
+          <p:spPr>
+            <a:xfrm>
+              <a:off x="3651748" y="2606550"/>
+              <a:ext cx="400110" cy="1864357"/>
+            </a:xfrm>
+            <a:prstGeom prst="rect">
+              <a:avLst/>
+            </a:prstGeom>
+            <a:noFill/>
+          </p:spPr>
+          <p:txBody>
+            <a:bodyPr vert="vert270" wrap="square" rtlCol="0">
+              <a:spAutoFit/>
+            </a:bodyPr>
+            <a:lstStyle>
+              <a:defPPr>
+                <a:defRPr lang="en-US"/>
+              </a:defPPr>
+              <a:lvl1pPr marL="0" algn="l" defTabSz="914400" rtl="0" eaLnBrk="1" latinLnBrk="0" hangingPunct="1">
+                <a:defRPr sz="1800" kern="1200">
+                  <a:solidFill>
+                    <a:schemeClr val="tx1"/>
+                  </a:solidFill>
+                  <a:latin typeface="+mn-lt"/>
+                  <a:ea typeface="+mn-ea"/>
+                  <a:cs typeface="+mn-cs"/>
+                </a:defRPr>
+              </a:lvl1pPr>
+              <a:lvl2pPr marL="457200" algn="l" defTabSz="914400" rtl="0" eaLnBrk="1" latinLnBrk="0" hangingPunct="1">
+                <a:defRPr sz="1800" kern="1200">
+                  <a:solidFill>
+                    <a:schemeClr val="tx1"/>
+                  </a:solidFill>
+                  <a:latin typeface="+mn-lt"/>
+                  <a:ea typeface="+mn-ea"/>
+                  <a:cs typeface="+mn-cs"/>
+                </a:defRPr>
+              </a:lvl2pPr>
+              <a:lvl3pPr marL="914400" algn="l" defTabSz="914400" rtl="0" eaLnBrk="1" latinLnBrk="0" hangingPunct="1">
+                <a:defRPr sz="1800" kern="1200">
+                  <a:solidFill>
+                    <a:schemeClr val="tx1"/>
+                  </a:solidFill>
+                  <a:latin typeface="+mn-lt"/>
+                  <a:ea typeface="+mn-ea"/>
+                  <a:cs typeface="+mn-cs"/>
+                </a:defRPr>
+              </a:lvl3pPr>
+              <a:lvl4pPr marL="1371600" algn="l" defTabSz="914400" rtl="0" eaLnBrk="1" latinLnBrk="0" hangingPunct="1">
+                <a:defRPr sz="1800" kern="1200">
+                  <a:solidFill>
+                    <a:schemeClr val="tx1"/>
+                  </a:solidFill>
+                  <a:latin typeface="+mn-lt"/>
+                  <a:ea typeface="+mn-ea"/>
+                  <a:cs typeface="+mn-cs"/>
+                </a:defRPr>
+              </a:lvl4pPr>
+              <a:lvl5pPr marL="1828800" algn="l" defTabSz="914400" rtl="0" eaLnBrk="1" latinLnBrk="0" hangingPunct="1">
+                <a:defRPr sz="1800" kern="1200">
+                  <a:solidFill>
+                    <a:schemeClr val="tx1"/>
+                  </a:solidFill>
+                  <a:latin typeface="+mn-lt"/>
+                  <a:ea typeface="+mn-ea"/>
+                  <a:cs typeface="+mn-cs"/>
+                </a:defRPr>
+              </a:lvl5pPr>
+              <a:lvl6pPr marL="2286000" algn="l" defTabSz="914400" rtl="0" eaLnBrk="1" latinLnBrk="0" hangingPunct="1">
+                <a:defRPr sz="1800" kern="1200">
+                  <a:solidFill>
+                    <a:schemeClr val="tx1"/>
+                  </a:solidFill>
+                  <a:latin typeface="+mn-lt"/>
+                  <a:ea typeface="+mn-ea"/>
+                  <a:cs typeface="+mn-cs"/>
+                </a:defRPr>
+              </a:lvl6pPr>
+              <a:lvl7pPr marL="2743200" algn="l" defTabSz="914400" rtl="0" eaLnBrk="1" latinLnBrk="0" hangingPunct="1">
+                <a:defRPr sz="1800" kern="1200">
+                  <a:solidFill>
+                    <a:schemeClr val="tx1"/>
+                  </a:solidFill>
+                  <a:latin typeface="+mn-lt"/>
+                  <a:ea typeface="+mn-ea"/>
+                  <a:cs typeface="+mn-cs"/>
+                </a:defRPr>
+              </a:lvl7pPr>
+              <a:lvl8pPr marL="3200400" algn="l" defTabSz="914400" rtl="0" eaLnBrk="1" latinLnBrk="0" hangingPunct="1">
+                <a:defRPr sz="1800" kern="1200">
+                  <a:solidFill>
+                    <a:schemeClr val="tx1"/>
+                  </a:solidFill>
+                  <a:latin typeface="+mn-lt"/>
+                  <a:ea typeface="+mn-ea"/>
+                  <a:cs typeface="+mn-cs"/>
+                </a:defRPr>
+              </a:lvl8pPr>
+              <a:lvl9pPr marL="3657600" algn="l" defTabSz="914400" rtl="0" eaLnBrk="1" latinLnBrk="0" hangingPunct="1">
+                <a:defRPr sz="1800" kern="1200">
+                  <a:solidFill>
+                    <a:schemeClr val="tx1"/>
+                  </a:solidFill>
+                  <a:latin typeface="+mn-lt"/>
+                  <a:ea typeface="+mn-ea"/>
+                  <a:cs typeface="+mn-cs"/>
+                </a:defRPr>
+              </a:lvl9pPr>
+            </a:lstStyle>
+            <a:p>
+              <a:pPr marL="0" lvl="1" algn="ctr" defTabSz="1218836" fontAlgn="base">
+                <a:spcAft>
+                  <a:spcPct val="0"/>
+                </a:spcAft>
+              </a:pPr>
+              <a:r>
+                <a:rPr lang="en-US" sz="1400" dirty="0">
+                  <a:solidFill>
+                    <a:srgbClr val="595959">
+                      <a:alpha val="99000"/>
+                    </a:srgbClr>
+                  </a:solidFill>
+                  <a:ea typeface="Kozuka Gothic Pro R" pitchFamily="34" charset="-128"/>
+                </a:rPr>
+                <a:t>You Provision &amp; Manage</a:t>
+              </a:r>
+            </a:p>
+          </p:txBody>
+        </p:sp>
+        <p:sp>
+          <p:nvSpPr>
+            <p:cNvPr id="154" name="Rectangle 153"/>
+            <p:cNvSpPr/>
+            <p:nvPr/>
+          </p:nvSpPr>
+          <p:spPr>
+            <a:xfrm>
+              <a:off x="6889630" y="1501610"/>
+              <a:ext cx="2000311" cy="640080"/>
+            </a:xfrm>
+            <a:prstGeom prst="rect">
+              <a:avLst/>
+            </a:prstGeom>
+            <a:noFill/>
+            <a:ln w="9525" cap="flat" cmpd="sng" algn="ctr">
+              <a:noFill/>
+              <a:prstDash val="solid"/>
+            </a:ln>
+            <a:effectLst/>
+          </p:spPr>
+          <p:txBody>
+            <a:bodyPr tIns="0" bIns="0" rtlCol="0" anchor="t" anchorCtr="0"/>
+            <a:lstStyle>
+              <a:defPPr>
+                <a:defRPr lang="en-US"/>
+              </a:defPPr>
+              <a:lvl1pPr marL="0" algn="l" defTabSz="914400" rtl="0" eaLnBrk="1" latinLnBrk="0" hangingPunct="1">
+                <a:defRPr sz="1800" kern="1200">
+                  <a:solidFill>
+                    <a:schemeClr val="lt1"/>
+                  </a:solidFill>
+                  <a:latin typeface="+mn-lt"/>
+                  <a:ea typeface="+mn-ea"/>
+                  <a:cs typeface="+mn-cs"/>
+                </a:defRPr>
+              </a:lvl1pPr>
+              <a:lvl2pPr marL="457200" algn="l" defTabSz="914400" rtl="0" eaLnBrk="1" latinLnBrk="0" hangingPunct="1">
+                <a:defRPr sz="1800" kern="1200">
+                  <a:solidFill>
+                    <a:schemeClr val="lt1"/>
+                  </a:solidFill>
+                  <a:latin typeface="+mn-lt"/>
+                  <a:ea typeface="+mn-ea"/>
+                  <a:cs typeface="+mn-cs"/>
+                </a:defRPr>
+              </a:lvl2pPr>
+              <a:lvl3pPr marL="914400" algn="l" defTabSz="914400" rtl="0" eaLnBrk="1" latinLnBrk="0" hangingPunct="1">
+                <a:defRPr sz="1800" kern="1200">
+                  <a:solidFill>
+                    <a:schemeClr val="lt1"/>
+                  </a:solidFill>
+                  <a:latin typeface="+mn-lt"/>
+                  <a:ea typeface="+mn-ea"/>
+                  <a:cs typeface="+mn-cs"/>
+                </a:defRPr>
+              </a:lvl3pPr>
+              <a:lvl4pPr marL="1371600" algn="l" defTabSz="914400" rtl="0" eaLnBrk="1" latinLnBrk="0" hangingPunct="1">
+                <a:defRPr sz="1800" kern="1200">
+                  <a:solidFill>
+                    <a:schemeClr val="lt1"/>
+                  </a:solidFill>
+                  <a:latin typeface="+mn-lt"/>
+                  <a:ea typeface="+mn-ea"/>
+                  <a:cs typeface="+mn-cs"/>
+                </a:defRPr>
+              </a:lvl4pPr>
+              <a:lvl5pPr marL="1828800" algn="l" defTabSz="914400" rtl="0" eaLnBrk="1" latinLnBrk="0" hangingPunct="1">
+                <a:defRPr sz="1800" kern="1200">
+                  <a:solidFill>
+                    <a:schemeClr val="lt1"/>
+                  </a:solidFill>
+                  <a:latin typeface="+mn-lt"/>
+                  <a:ea typeface="+mn-ea"/>
+                  <a:cs typeface="+mn-cs"/>
+                </a:defRPr>
+              </a:lvl5pPr>
+              <a:lvl6pPr marL="2286000" algn="l" defTabSz="914400" rtl="0" eaLnBrk="1" latinLnBrk="0" hangingPunct="1">
+                <a:defRPr sz="1800" kern="1200">
+                  <a:solidFill>
+                    <a:schemeClr val="lt1"/>
+                  </a:solidFill>
+                  <a:latin typeface="+mn-lt"/>
+                  <a:ea typeface="+mn-ea"/>
+                  <a:cs typeface="+mn-cs"/>
+                </a:defRPr>
+              </a:lvl6pPr>
+              <a:lvl7pPr marL="2743200" algn="l" defTabSz="914400" rtl="0" eaLnBrk="1" latinLnBrk="0" hangingPunct="1">
+                <a:defRPr sz="1800" kern="1200">
+                  <a:solidFill>
+                    <a:schemeClr val="lt1"/>
+                  </a:solidFill>
+                  <a:latin typeface="+mn-lt"/>
+                  <a:ea typeface="+mn-ea"/>
+                  <a:cs typeface="+mn-cs"/>
+                </a:defRPr>
+              </a:lvl7pPr>
+              <a:lvl8pPr marL="3200400" algn="l" defTabSz="914400" rtl="0" eaLnBrk="1" latinLnBrk="0" hangingPunct="1">
+                <a:defRPr sz="1800" kern="1200">
+                  <a:solidFill>
+                    <a:schemeClr val="lt1"/>
+                  </a:solidFill>
+                  <a:latin typeface="+mn-lt"/>
+                  <a:ea typeface="+mn-ea"/>
+                  <a:cs typeface="+mn-cs"/>
+                </a:defRPr>
+              </a:lvl8pPr>
+              <a:lvl9pPr marL="3657600" algn="l" defTabSz="914400" rtl="0" eaLnBrk="1" latinLnBrk="0" hangingPunct="1">
+                <a:defRPr sz="1800" kern="1200">
+                  <a:solidFill>
+                    <a:schemeClr val="lt1"/>
+                  </a:solidFill>
+                  <a:latin typeface="+mn-lt"/>
+                  <a:ea typeface="+mn-ea"/>
+                  <a:cs typeface="+mn-cs"/>
+                </a:defRPr>
+              </a:lvl9pPr>
+            </a:lstStyle>
+            <a:p>
+              <a:pPr marL="0" lvl="1" defTabSz="1218836" fontAlgn="base">
+                <a:spcAft>
+                  <a:spcPct val="0"/>
+                </a:spcAft>
+              </a:pPr>
+              <a:r>
+                <a:rPr lang="en-US" sz="2000" dirty="0">
+                  <a:solidFill>
+                    <a:srgbClr val="595959">
+                      <a:alpha val="99000"/>
+                    </a:srgbClr>
+                  </a:solidFill>
+                  <a:ea typeface="Kozuka Gothic Pro R" pitchFamily="34" charset="-128"/>
+                </a:rPr>
+                <a:t>Platform</a:t>
+              </a:r>
+            </a:p>
+            <a:p>
+              <a:pPr defTabSz="1218936"/>
+              <a:r>
+                <a:rPr lang="en-US" sz="1600" dirty="0">
+                  <a:solidFill>
+                    <a:srgbClr val="595959">
+                      <a:alpha val="99000"/>
+                    </a:srgbClr>
+                  </a:solidFill>
+                  <a:ea typeface="Kozuka Gothic Pro R" pitchFamily="34" charset="-128"/>
+                </a:rPr>
+                <a:t>( as a Service )</a:t>
+              </a:r>
+            </a:p>
+          </p:txBody>
+        </p:sp>
+        <p:sp>
+          <p:nvSpPr>
+            <p:cNvPr id="155" name="Left Brace 154"/>
+            <p:cNvSpPr/>
+            <p:nvPr/>
+          </p:nvSpPr>
+          <p:spPr>
+            <a:xfrm flipH="1">
+              <a:off x="8615631" y="3370388"/>
+              <a:ext cx="182529" cy="2666161"/>
+            </a:xfrm>
+            <a:prstGeom prst="leftBrace">
+              <a:avLst>
+                <a:gd name="adj1" fmla="val 0"/>
+                <a:gd name="adj2" fmla="val 50000"/>
+              </a:avLst>
+            </a:prstGeom>
+            <a:noFill/>
+            <a:ln w="19050" cap="flat" cmpd="sng" algn="ctr">
+              <a:solidFill>
+                <a:schemeClr val="accent2"/>
+              </a:solidFill>
+              <a:prstDash val="solid"/>
+            </a:ln>
+            <a:effectLst/>
+          </p:spPr>
+          <p:txBody>
+            <a:bodyPr rtlCol="0" anchor="ctr"/>
+            <a:lstStyle/>
+            <a:p>
+              <a:pPr algn="ctr" defTabSz="1218936"/>
+              <a:endParaRPr lang="en-US" dirty="0">
+                <a:solidFill>
+                  <a:srgbClr val="FFFFFF"/>
+                </a:solidFill>
+                <a:latin typeface="Segoe UI"/>
+                <a:ea typeface="Segoe UI" pitchFamily="34" charset="0"/>
+                <a:cs typeface="Segoe UI" pitchFamily="34" charset="0"/>
+              </a:endParaRPr>
+            </a:p>
+          </p:txBody>
+        </p:sp>
+        <p:sp>
+          <p:nvSpPr>
+            <p:cNvPr id="156" name="TextBox 54"/>
+            <p:cNvSpPr txBox="1"/>
+            <p:nvPr/>
+          </p:nvSpPr>
+          <p:spPr>
+            <a:xfrm flipH="1">
+              <a:off x="8958351" y="3363075"/>
+              <a:ext cx="400110" cy="2624564"/>
+            </a:xfrm>
+            <a:prstGeom prst="rect">
+              <a:avLst/>
+            </a:prstGeom>
+            <a:noFill/>
+          </p:spPr>
+          <p:txBody>
+            <a:bodyPr vert="eaVert" wrap="square" rtlCol="0">
+              <a:spAutoFit/>
+            </a:bodyPr>
+            <a:lstStyle>
+              <a:defPPr>
+                <a:defRPr lang="en-US"/>
+              </a:defPPr>
+              <a:lvl1pPr marL="0" algn="l" defTabSz="914400" rtl="0" eaLnBrk="1" latinLnBrk="0" hangingPunct="1">
+                <a:defRPr sz="1800" kern="1200">
+                  <a:solidFill>
+                    <a:schemeClr val="tx1"/>
+                  </a:solidFill>
+                  <a:latin typeface="+mn-lt"/>
+                  <a:ea typeface="+mn-ea"/>
+                  <a:cs typeface="+mn-cs"/>
+                </a:defRPr>
+              </a:lvl1pPr>
+              <a:lvl2pPr marL="457200" algn="l" defTabSz="914400" rtl="0" eaLnBrk="1" latinLnBrk="0" hangingPunct="1">
+                <a:defRPr sz="1800" kern="1200">
+                  <a:solidFill>
+                    <a:schemeClr val="tx1"/>
+                  </a:solidFill>
+                  <a:latin typeface="+mn-lt"/>
+                  <a:ea typeface="+mn-ea"/>
+                  <a:cs typeface="+mn-cs"/>
+                </a:defRPr>
+              </a:lvl2pPr>
+              <a:lvl3pPr marL="914400" algn="l" defTabSz="914400" rtl="0" eaLnBrk="1" latinLnBrk="0" hangingPunct="1">
+                <a:defRPr sz="1800" kern="1200">
+                  <a:solidFill>
+                    <a:schemeClr val="tx1"/>
+                  </a:solidFill>
+                  <a:latin typeface="+mn-lt"/>
+                  <a:ea typeface="+mn-ea"/>
+                  <a:cs typeface="+mn-cs"/>
+                </a:defRPr>
+              </a:lvl3pPr>
+              <a:lvl4pPr marL="1371600" algn="l" defTabSz="914400" rtl="0" eaLnBrk="1" latinLnBrk="0" hangingPunct="1">
+                <a:defRPr sz="1800" kern="1200">
+                  <a:solidFill>
+                    <a:schemeClr val="tx1"/>
+                  </a:solidFill>
+                  <a:latin typeface="+mn-lt"/>
+                  <a:ea typeface="+mn-ea"/>
+                  <a:cs typeface="+mn-cs"/>
+                </a:defRPr>
+              </a:lvl4pPr>
+              <a:lvl5pPr marL="1828800" algn="l" defTabSz="914400" rtl="0" eaLnBrk="1" latinLnBrk="0" hangingPunct="1">
+                <a:defRPr sz="1800" kern="1200">
+                  <a:solidFill>
+                    <a:schemeClr val="tx1"/>
+                  </a:solidFill>
+                  <a:latin typeface="+mn-lt"/>
+                  <a:ea typeface="+mn-ea"/>
+                  <a:cs typeface="+mn-cs"/>
+                </a:defRPr>
+              </a:lvl5pPr>
+              <a:lvl6pPr marL="2286000" algn="l" defTabSz="914400" rtl="0" eaLnBrk="1" latinLnBrk="0" hangingPunct="1">
+                <a:defRPr sz="1800" kern="1200">
+                  <a:solidFill>
+                    <a:schemeClr val="tx1"/>
+                  </a:solidFill>
+                  <a:latin typeface="+mn-lt"/>
+                  <a:ea typeface="+mn-ea"/>
+                  <a:cs typeface="+mn-cs"/>
+                </a:defRPr>
+              </a:lvl6pPr>
+              <a:lvl7pPr marL="2743200" algn="l" defTabSz="914400" rtl="0" eaLnBrk="1" latinLnBrk="0" hangingPunct="1">
+                <a:defRPr sz="1800" kern="1200">
+                  <a:solidFill>
+                    <a:schemeClr val="tx1"/>
+                  </a:solidFill>
+                  <a:latin typeface="+mn-lt"/>
+                  <a:ea typeface="+mn-ea"/>
+                  <a:cs typeface="+mn-cs"/>
+                </a:defRPr>
+              </a:lvl7pPr>
+              <a:lvl8pPr marL="3200400" algn="l" defTabSz="914400" rtl="0" eaLnBrk="1" latinLnBrk="0" hangingPunct="1">
+                <a:defRPr sz="1800" kern="1200">
+                  <a:solidFill>
+                    <a:schemeClr val="tx1"/>
+                  </a:solidFill>
+                  <a:latin typeface="+mn-lt"/>
+                  <a:ea typeface="+mn-ea"/>
+                  <a:cs typeface="+mn-cs"/>
+                </a:defRPr>
+              </a:lvl8pPr>
+              <a:lvl9pPr marL="3657600" algn="l" defTabSz="914400" rtl="0" eaLnBrk="1" latinLnBrk="0" hangingPunct="1">
+                <a:defRPr sz="1800" kern="1200">
+                  <a:solidFill>
+                    <a:schemeClr val="tx1"/>
+                  </a:solidFill>
+                  <a:latin typeface="+mn-lt"/>
+                  <a:ea typeface="+mn-ea"/>
+                  <a:cs typeface="+mn-cs"/>
+                </a:defRPr>
+              </a:lvl9pPr>
+            </a:lstStyle>
+            <a:p>
+              <a:pPr marL="0" lvl="1" algn="ctr" defTabSz="1218836" fontAlgn="base">
+                <a:spcAft>
+                  <a:spcPct val="0"/>
+                </a:spcAft>
+              </a:pPr>
+              <a:r>
+                <a:rPr lang="en-US" sz="1400" dirty="0">
+                  <a:solidFill>
+                    <a:srgbClr val="595959">
+                      <a:alpha val="99000"/>
+                    </a:srgbClr>
+                  </a:solidFill>
+                  <a:ea typeface="Kozuka Gothic Pro R" pitchFamily="34" charset="-128"/>
+                </a:rPr>
+                <a:t>Provisioned &amp; Managed by Vendor</a:t>
+              </a:r>
+            </a:p>
+          </p:txBody>
+        </p:sp>
+        <p:sp>
+          <p:nvSpPr>
+            <p:cNvPr id="157" name="Left Brace 156"/>
+            <p:cNvSpPr/>
+            <p:nvPr/>
+          </p:nvSpPr>
+          <p:spPr>
+            <a:xfrm>
+              <a:off x="6806303" y="2441702"/>
+              <a:ext cx="152400" cy="847725"/>
+            </a:xfrm>
+            <a:prstGeom prst="leftBrace">
+              <a:avLst>
+                <a:gd name="adj1" fmla="val 0"/>
+                <a:gd name="adj2" fmla="val 50000"/>
+              </a:avLst>
+            </a:prstGeom>
+            <a:noFill/>
+            <a:ln w="19050" cap="flat" cmpd="sng" algn="ctr">
+              <a:solidFill>
+                <a:schemeClr val="accent2"/>
+              </a:solidFill>
+              <a:prstDash val="solid"/>
+            </a:ln>
+            <a:effectLst/>
+          </p:spPr>
+          <p:txBody>
+            <a:bodyPr rtlCol="0" anchor="ctr"/>
+            <a:lstStyle/>
+            <a:p>
+              <a:pPr algn="ctr" defTabSz="1218936"/>
+              <a:endParaRPr lang="en-US" dirty="0">
+                <a:solidFill>
+                  <a:srgbClr val="FFFFFF"/>
+                </a:solidFill>
+                <a:latin typeface="Segoe UI"/>
+                <a:ea typeface="Segoe UI" pitchFamily="34" charset="0"/>
+                <a:cs typeface="Segoe UI" pitchFamily="34" charset="0"/>
+              </a:endParaRPr>
+            </a:p>
+          </p:txBody>
+        </p:sp>
+        <p:sp>
+          <p:nvSpPr>
+            <p:cNvPr id="158" name="TextBox 60"/>
+            <p:cNvSpPr txBox="1"/>
+            <p:nvPr/>
+          </p:nvSpPr>
+          <p:spPr>
+            <a:xfrm>
+              <a:off x="6270164" y="2366818"/>
+              <a:ext cx="400110" cy="991169"/>
+            </a:xfrm>
+            <a:prstGeom prst="rect">
+              <a:avLst/>
+            </a:prstGeom>
+            <a:noFill/>
+          </p:spPr>
+          <p:txBody>
+            <a:bodyPr vert="vert270" wrap="square" rtlCol="0">
+              <a:spAutoFit/>
+            </a:bodyPr>
+            <a:lstStyle>
+              <a:defPPr>
+                <a:defRPr lang="en-US"/>
+              </a:defPPr>
+              <a:lvl1pPr marL="0" algn="l" defTabSz="914400" rtl="0" eaLnBrk="1" latinLnBrk="0" hangingPunct="1">
+                <a:defRPr sz="1800" kern="1200">
+                  <a:solidFill>
+                    <a:schemeClr val="tx1"/>
+                  </a:solidFill>
+                  <a:latin typeface="+mn-lt"/>
+                  <a:ea typeface="+mn-ea"/>
+                  <a:cs typeface="+mn-cs"/>
+                </a:defRPr>
+              </a:lvl1pPr>
+              <a:lvl2pPr marL="457200" algn="l" defTabSz="914400" rtl="0" eaLnBrk="1" latinLnBrk="0" hangingPunct="1">
+                <a:defRPr sz="1800" kern="1200">
+                  <a:solidFill>
+                    <a:schemeClr val="tx1"/>
+                  </a:solidFill>
+                  <a:latin typeface="+mn-lt"/>
+                  <a:ea typeface="+mn-ea"/>
+                  <a:cs typeface="+mn-cs"/>
+                </a:defRPr>
+              </a:lvl2pPr>
+              <a:lvl3pPr marL="914400" algn="l" defTabSz="914400" rtl="0" eaLnBrk="1" latinLnBrk="0" hangingPunct="1">
+                <a:defRPr sz="1800" kern="1200">
+                  <a:solidFill>
+                    <a:schemeClr val="tx1"/>
+                  </a:solidFill>
+                  <a:latin typeface="+mn-lt"/>
+                  <a:ea typeface="+mn-ea"/>
+                  <a:cs typeface="+mn-cs"/>
+                </a:defRPr>
+              </a:lvl3pPr>
+              <a:lvl4pPr marL="1371600" algn="l" defTabSz="914400" rtl="0" eaLnBrk="1" latinLnBrk="0" hangingPunct="1">
+                <a:defRPr sz="1800" kern="1200">
+                  <a:solidFill>
+                    <a:schemeClr val="tx1"/>
+                  </a:solidFill>
+                  <a:latin typeface="+mn-lt"/>
+                  <a:ea typeface="+mn-ea"/>
+                  <a:cs typeface="+mn-cs"/>
+                </a:defRPr>
+              </a:lvl4pPr>
+              <a:lvl5pPr marL="1828800" algn="l" defTabSz="914400" rtl="0" eaLnBrk="1" latinLnBrk="0" hangingPunct="1">
+                <a:defRPr sz="1800" kern="1200">
+                  <a:solidFill>
+                    <a:schemeClr val="tx1"/>
+                  </a:solidFill>
+                  <a:latin typeface="+mn-lt"/>
+                  <a:ea typeface="+mn-ea"/>
+                  <a:cs typeface="+mn-cs"/>
+                </a:defRPr>
+              </a:lvl5pPr>
+              <a:lvl6pPr marL="2286000" algn="l" defTabSz="914400" rtl="0" eaLnBrk="1" latinLnBrk="0" hangingPunct="1">
+                <a:defRPr sz="1800" kern="1200">
+                  <a:solidFill>
+                    <a:schemeClr val="tx1"/>
+                  </a:solidFill>
+                  <a:latin typeface="+mn-lt"/>
+                  <a:ea typeface="+mn-ea"/>
+                  <a:cs typeface="+mn-cs"/>
+                </a:defRPr>
+              </a:lvl6pPr>
+              <a:lvl7pPr marL="2743200" algn="l" defTabSz="914400" rtl="0" eaLnBrk="1" latinLnBrk="0" hangingPunct="1">
+                <a:defRPr sz="1800" kern="1200">
+                  <a:solidFill>
+                    <a:schemeClr val="tx1"/>
+                  </a:solidFill>
+                  <a:latin typeface="+mn-lt"/>
+                  <a:ea typeface="+mn-ea"/>
+                  <a:cs typeface="+mn-cs"/>
+                </a:defRPr>
+              </a:lvl7pPr>
+              <a:lvl8pPr marL="3200400" algn="l" defTabSz="914400" rtl="0" eaLnBrk="1" latinLnBrk="0" hangingPunct="1">
+                <a:defRPr sz="1800" kern="1200">
+                  <a:solidFill>
+                    <a:schemeClr val="tx1"/>
+                  </a:solidFill>
+                  <a:latin typeface="+mn-lt"/>
+                  <a:ea typeface="+mn-ea"/>
+                  <a:cs typeface="+mn-cs"/>
+                </a:defRPr>
+              </a:lvl8pPr>
+              <a:lvl9pPr marL="3657600" algn="l" defTabSz="914400" rtl="0" eaLnBrk="1" latinLnBrk="0" hangingPunct="1">
+                <a:defRPr sz="1800" kern="1200">
+                  <a:solidFill>
+                    <a:schemeClr val="tx1"/>
+                  </a:solidFill>
+                  <a:latin typeface="+mn-lt"/>
+                  <a:ea typeface="+mn-ea"/>
+                  <a:cs typeface="+mn-cs"/>
+                </a:defRPr>
+              </a:lvl9pPr>
+            </a:lstStyle>
+            <a:p>
+              <a:pPr marL="0" lvl="1" algn="ctr" defTabSz="1218836" fontAlgn="base">
+                <a:spcAft>
+                  <a:spcPct val="0"/>
+                </a:spcAft>
+              </a:pPr>
+              <a:r>
+                <a:rPr lang="en-US" sz="1400" dirty="0">
+                  <a:solidFill>
+                    <a:srgbClr val="595959">
+                      <a:alpha val="99000"/>
+                    </a:srgbClr>
+                  </a:solidFill>
+                  <a:ea typeface="Kozuka Gothic Pro R" pitchFamily="34" charset="-128"/>
+                </a:rPr>
+                <a:t>You Manage</a:t>
+              </a:r>
+            </a:p>
+          </p:txBody>
+        </p:sp>
+        <p:grpSp>
+          <p:nvGrpSpPr>
+            <p:cNvPr id="9" name="Group 8"/>
+            <p:cNvGrpSpPr/>
+            <p:nvPr/>
+          </p:nvGrpSpPr>
+          <p:grpSpPr>
+            <a:xfrm>
+              <a:off x="6968130" y="2460753"/>
+              <a:ext cx="1638240" cy="3575799"/>
+              <a:chOff x="6966542" y="2460752"/>
+              <a:chExt cx="1638240" cy="3575799"/>
+            </a:xfrm>
+          </p:grpSpPr>
+          <p:sp>
+            <p:nvSpPr>
+              <p:cNvPr id="160" name="Rectangle 159"/>
+              <p:cNvSpPr/>
+              <p:nvPr/>
+            </p:nvSpPr>
+            <p:spPr>
+              <a:xfrm>
+                <a:off x="6966542" y="5200734"/>
+                <a:ext cx="1638240" cy="381000"/>
+              </a:xfrm>
+              <a:prstGeom prst="rect">
+                <a:avLst/>
+              </a:prstGeom>
+              <a:solidFill>
+                <a:schemeClr val="accent4"/>
+              </a:solidFill>
+              <a:ln w="9525" cap="flat" cmpd="sng" algn="ctr">
+                <a:noFill/>
+                <a:prstDash val="solid"/>
+              </a:ln>
+              <a:effectLst/>
+            </p:spPr>
+            <p:txBody>
+              <a:bodyPr lIns="0" rIns="0" rtlCol="0" anchor="t" anchorCtr="0"/>
+              <a:lstStyle/>
+              <a:p>
+                <a:pPr algn="ctr" defTabSz="1218936"/>
+                <a:r>
+                  <a:rPr lang="en-US" sz="1500" dirty="0">
+                    <a:solidFill>
+                      <a:schemeClr val="bg1">
+                        <a:alpha val="99000"/>
+                      </a:schemeClr>
+                    </a:solidFill>
+                    <a:latin typeface="Segoe UI"/>
+                    <a:ea typeface="Segoe UI" pitchFamily="34" charset="0"/>
+                    <a:cs typeface="Segoe UI" pitchFamily="34" charset="0"/>
+                  </a:rPr>
+                  <a:t>Networking</a:t>
+                </a:r>
+              </a:p>
+            </p:txBody>
+          </p:sp>
+          <p:sp>
+            <p:nvSpPr>
+              <p:cNvPr id="161" name="Rectangle 160"/>
+              <p:cNvSpPr/>
+              <p:nvPr/>
+            </p:nvSpPr>
+            <p:spPr>
+              <a:xfrm>
+                <a:off x="6966542" y="4745915"/>
+                <a:ext cx="1638240" cy="381000"/>
+              </a:xfrm>
+              <a:prstGeom prst="rect">
+                <a:avLst/>
+              </a:prstGeom>
+              <a:solidFill>
+                <a:schemeClr val="accent4"/>
+              </a:solidFill>
+              <a:ln w="9525" cap="flat" cmpd="sng" algn="ctr">
+                <a:noFill/>
+                <a:prstDash val="solid"/>
+              </a:ln>
+              <a:effectLst/>
+            </p:spPr>
+            <p:txBody>
+              <a:bodyPr lIns="0" rIns="0" rtlCol="0" anchor="t" anchorCtr="0"/>
+              <a:lstStyle/>
+              <a:p>
+                <a:pPr algn="ctr" defTabSz="1218936"/>
+                <a:r>
+                  <a:rPr lang="en-US" sz="1500" dirty="0">
+                    <a:solidFill>
+                      <a:schemeClr val="bg1">
+                        <a:alpha val="99000"/>
+                      </a:schemeClr>
+                    </a:solidFill>
+                    <a:latin typeface="Segoe UI"/>
+                    <a:ea typeface="Segoe UI" pitchFamily="34" charset="0"/>
+                    <a:cs typeface="Segoe UI" pitchFamily="34" charset="0"/>
+                  </a:rPr>
+                  <a:t>Compute</a:t>
+                </a:r>
+              </a:p>
+            </p:txBody>
+          </p:sp>
+          <p:sp>
+            <p:nvSpPr>
+              <p:cNvPr id="162" name="Rectangle 161"/>
+              <p:cNvSpPr/>
+              <p:nvPr/>
+            </p:nvSpPr>
+            <p:spPr>
+              <a:xfrm>
+                <a:off x="6966542" y="5655551"/>
+                <a:ext cx="1638240" cy="381000"/>
+              </a:xfrm>
+              <a:prstGeom prst="rect">
+                <a:avLst/>
+              </a:prstGeom>
+              <a:solidFill>
+                <a:schemeClr val="accent4"/>
+              </a:solidFill>
+              <a:ln w="9525" cap="flat" cmpd="sng" algn="ctr">
+                <a:noFill/>
+                <a:prstDash val="solid"/>
+              </a:ln>
+              <a:effectLst/>
+            </p:spPr>
+            <p:txBody>
+              <a:bodyPr lIns="0" rIns="0" rtlCol="0" anchor="t" anchorCtr="0"/>
+              <a:lstStyle/>
+              <a:p>
+                <a:pPr algn="ctr" defTabSz="1218936"/>
+                <a:r>
+                  <a:rPr lang="en-US" sz="1500" dirty="0">
+                    <a:solidFill>
+                      <a:schemeClr val="bg1">
+                        <a:alpha val="99000"/>
+                      </a:schemeClr>
+                    </a:solidFill>
+                    <a:latin typeface="Segoe UI"/>
+                    <a:ea typeface="Segoe UI" pitchFamily="34" charset="0"/>
+                    <a:cs typeface="Segoe UI" pitchFamily="34" charset="0"/>
+                  </a:rPr>
+                  <a:t>Storage</a:t>
+                </a:r>
+              </a:p>
+            </p:txBody>
+          </p:sp>
+          <p:sp>
+            <p:nvSpPr>
+              <p:cNvPr id="163" name="Rectangle 162"/>
+              <p:cNvSpPr/>
+              <p:nvPr/>
+            </p:nvSpPr>
+            <p:spPr>
+              <a:xfrm>
+                <a:off x="6966542" y="4280028"/>
+                <a:ext cx="1638240" cy="381000"/>
+              </a:xfrm>
+              <a:prstGeom prst="rect">
+                <a:avLst/>
+              </a:prstGeom>
+              <a:solidFill>
+                <a:schemeClr val="accent4"/>
+              </a:solidFill>
+              <a:ln w="9525" cap="flat" cmpd="sng" algn="ctr">
+                <a:noFill/>
+                <a:prstDash val="solid"/>
+              </a:ln>
+              <a:effectLst/>
+            </p:spPr>
+            <p:txBody>
+              <a:bodyPr lIns="0" rIns="0" rtlCol="0" anchor="t" anchorCtr="0"/>
+              <a:lstStyle/>
+              <a:p>
+                <a:pPr algn="ctr" defTabSz="1218936"/>
+                <a:r>
+                  <a:rPr lang="en-US" sz="1500" dirty="0">
+                    <a:solidFill>
+                      <a:schemeClr val="bg1">
+                        <a:alpha val="99000"/>
+                      </a:schemeClr>
+                    </a:solidFill>
+                    <a:latin typeface="Segoe UI"/>
+                    <a:ea typeface="Segoe UI" pitchFamily="34" charset="0"/>
+                    <a:cs typeface="Segoe UI" pitchFamily="34" charset="0"/>
+                  </a:rPr>
+                  <a:t>Virtual Machine</a:t>
+                </a:r>
+              </a:p>
+            </p:txBody>
+          </p:sp>
+          <p:sp>
+            <p:nvSpPr>
+              <p:cNvPr id="164" name="Rectangle 163"/>
+              <p:cNvSpPr/>
+              <p:nvPr/>
+            </p:nvSpPr>
+            <p:spPr>
+              <a:xfrm>
+                <a:off x="6966542" y="3825209"/>
+                <a:ext cx="1638240" cy="381000"/>
+              </a:xfrm>
+              <a:prstGeom prst="rect">
+                <a:avLst/>
+              </a:prstGeom>
+              <a:solidFill>
+                <a:schemeClr val="accent4"/>
+              </a:solidFill>
+              <a:ln w="9525" cap="flat" cmpd="sng" algn="ctr">
+                <a:noFill/>
+                <a:prstDash val="solid"/>
+              </a:ln>
+              <a:effectLst/>
+            </p:spPr>
+            <p:txBody>
+              <a:bodyPr lIns="0" rIns="0" rtlCol="0" anchor="t" anchorCtr="0"/>
+              <a:lstStyle/>
+              <a:p>
+                <a:pPr algn="ctr" defTabSz="1218936"/>
+                <a:r>
+                  <a:rPr lang="en-US" sz="1500" dirty="0">
+                    <a:solidFill>
+                      <a:schemeClr val="bg1">
+                        <a:alpha val="99000"/>
+                      </a:schemeClr>
+                    </a:solidFill>
+                    <a:latin typeface="Segoe UI"/>
+                    <a:ea typeface="Segoe UI" pitchFamily="34" charset="0"/>
+                    <a:cs typeface="Segoe UI" pitchFamily="34" charset="0"/>
+                  </a:rPr>
+                  <a:t>Operating System</a:t>
+                </a:r>
+              </a:p>
+            </p:txBody>
+          </p:sp>
+          <p:sp>
+            <p:nvSpPr>
+              <p:cNvPr id="166" name="Rectangle 165"/>
+              <p:cNvSpPr/>
+              <p:nvPr/>
+            </p:nvSpPr>
+            <p:spPr>
+              <a:xfrm>
+                <a:off x="6966542" y="2460752"/>
+                <a:ext cx="1638240" cy="381000"/>
+              </a:xfrm>
+              <a:prstGeom prst="rect">
+                <a:avLst/>
+              </a:prstGeom>
+              <a:solidFill>
+                <a:schemeClr val="accent1"/>
+              </a:solidFill>
+              <a:ln w="9525" cap="flat" cmpd="sng" algn="ctr">
+                <a:solidFill>
+                  <a:srgbClr val="FFC000">
+                    <a:shade val="95000"/>
+                    <a:satMod val="105000"/>
+                  </a:srgbClr>
+                </a:solidFill>
+                <a:prstDash val="solid"/>
+              </a:ln>
+              <a:effectLst/>
+            </p:spPr>
+            <p:txBody>
+              <a:bodyPr rtlCol="0" anchor="t" anchorCtr="0"/>
+              <a:lstStyle/>
+              <a:p>
+                <a:pPr algn="ctr" defTabSz="1218936"/>
+                <a:r>
+                  <a:rPr lang="en-US" sz="1500" dirty="0">
+                    <a:solidFill>
+                      <a:schemeClr val="bg1">
+                        <a:alpha val="99000"/>
+                      </a:schemeClr>
+                    </a:solidFill>
+                    <a:latin typeface="Segoe UI"/>
+                    <a:ea typeface="Segoe UI" pitchFamily="34" charset="0"/>
+                    <a:cs typeface="Segoe UI" pitchFamily="34" charset="0"/>
+                  </a:rPr>
+                  <a:t>Data &amp; Access</a:t>
+                </a:r>
+              </a:p>
+            </p:txBody>
+          </p:sp>
+          <p:sp>
+            <p:nvSpPr>
+              <p:cNvPr id="167" name="Rectangle 166"/>
+              <p:cNvSpPr/>
+              <p:nvPr/>
+            </p:nvSpPr>
+            <p:spPr>
+              <a:xfrm>
+                <a:off x="6966542" y="3370390"/>
+                <a:ext cx="1638240" cy="381000"/>
+              </a:xfrm>
+              <a:prstGeom prst="rect">
+                <a:avLst/>
+              </a:prstGeom>
+              <a:solidFill>
+                <a:schemeClr val="accent4"/>
+              </a:solidFill>
+              <a:ln w="9525" cap="flat" cmpd="sng" algn="ctr">
+                <a:noFill/>
+                <a:prstDash val="solid"/>
+              </a:ln>
+              <a:effectLst/>
+            </p:spPr>
+            <p:txBody>
+              <a:bodyPr lIns="0" rIns="0" rtlCol="0" anchor="t" anchorCtr="0"/>
+              <a:lstStyle/>
+              <a:p>
+                <a:pPr algn="ctr" defTabSz="1218936"/>
+                <a:r>
+                  <a:rPr lang="en-US" sz="1500" dirty="0">
+                    <a:solidFill>
+                      <a:schemeClr val="bg1">
+                        <a:alpha val="99000"/>
+                      </a:schemeClr>
+                    </a:solidFill>
+                    <a:latin typeface="Segoe UI"/>
+                    <a:ea typeface="Segoe UI" pitchFamily="34" charset="0"/>
+                    <a:cs typeface="Segoe UI" pitchFamily="34" charset="0"/>
+                  </a:rPr>
+                  <a:t>Runtime</a:t>
+                </a:r>
+              </a:p>
+            </p:txBody>
+          </p:sp>
+          <p:sp>
+            <p:nvSpPr>
+              <p:cNvPr id="168" name="Rectangle 167"/>
+              <p:cNvSpPr/>
+              <p:nvPr/>
+            </p:nvSpPr>
+            <p:spPr>
+              <a:xfrm>
+                <a:off x="6966542" y="2915571"/>
+                <a:ext cx="1638240" cy="381000"/>
+              </a:xfrm>
+              <a:prstGeom prst="rect">
+                <a:avLst/>
+              </a:prstGeom>
+              <a:solidFill>
+                <a:schemeClr val="accent1"/>
+              </a:solidFill>
+              <a:ln w="9525" cap="flat" cmpd="sng" algn="ctr">
+                <a:solidFill>
+                  <a:srgbClr val="FFC000">
+                    <a:shade val="95000"/>
+                    <a:satMod val="105000"/>
+                  </a:srgbClr>
+                </a:solidFill>
+                <a:prstDash val="solid"/>
+              </a:ln>
+              <a:effectLst/>
+            </p:spPr>
+            <p:txBody>
+              <a:bodyPr rtlCol="0" anchor="t" anchorCtr="0"/>
+              <a:lstStyle/>
+              <a:p>
+                <a:pPr algn="ctr" defTabSz="1218936"/>
+                <a:r>
+                  <a:rPr lang="en-US" sz="1500" dirty="0">
+                    <a:solidFill>
+                      <a:schemeClr val="bg1">
+                        <a:alpha val="99000"/>
+                      </a:schemeClr>
+                    </a:solidFill>
+                    <a:latin typeface="Segoe UI"/>
+                    <a:ea typeface="Segoe UI" pitchFamily="34" charset="0"/>
+                    <a:cs typeface="Segoe UI" pitchFamily="34" charset="0"/>
+                  </a:rPr>
+                  <a:t>Applications</a:t>
+                </a:r>
+              </a:p>
+            </p:txBody>
+          </p:sp>
+        </p:grpSp>
+        <p:sp>
+          <p:nvSpPr>
+            <p:cNvPr id="170" name="Rectangle 169"/>
+            <p:cNvSpPr/>
+            <p:nvPr/>
+          </p:nvSpPr>
+          <p:spPr>
+            <a:xfrm>
+              <a:off x="9464724" y="1501610"/>
+              <a:ext cx="2028257" cy="640080"/>
+            </a:xfrm>
+            <a:prstGeom prst="rect">
+              <a:avLst/>
+            </a:prstGeom>
+            <a:noFill/>
+            <a:ln w="9525" cap="flat" cmpd="sng" algn="ctr">
+              <a:noFill/>
+              <a:prstDash val="solid"/>
+            </a:ln>
+            <a:effectLst/>
+          </p:spPr>
+          <p:txBody>
+            <a:bodyPr tIns="0" bIns="0" rtlCol="0" anchor="t" anchorCtr="0"/>
+            <a:lstStyle>
+              <a:defPPr>
+                <a:defRPr lang="en-US"/>
+              </a:defPPr>
+              <a:lvl1pPr marL="0" algn="l" defTabSz="914400" rtl="0" eaLnBrk="1" latinLnBrk="0" hangingPunct="1">
+                <a:defRPr sz="1800" kern="1200">
+                  <a:solidFill>
+                    <a:schemeClr val="lt1"/>
+                  </a:solidFill>
+                  <a:latin typeface="+mn-lt"/>
+                  <a:ea typeface="+mn-ea"/>
+                  <a:cs typeface="+mn-cs"/>
+                </a:defRPr>
+              </a:lvl1pPr>
+              <a:lvl2pPr marL="457200" algn="l" defTabSz="914400" rtl="0" eaLnBrk="1" latinLnBrk="0" hangingPunct="1">
+                <a:defRPr sz="1800" kern="1200">
+                  <a:solidFill>
+                    <a:schemeClr val="lt1"/>
+                  </a:solidFill>
+                  <a:latin typeface="+mn-lt"/>
+                  <a:ea typeface="+mn-ea"/>
+                  <a:cs typeface="+mn-cs"/>
+                </a:defRPr>
+              </a:lvl2pPr>
+              <a:lvl3pPr marL="914400" algn="l" defTabSz="914400" rtl="0" eaLnBrk="1" latinLnBrk="0" hangingPunct="1">
+                <a:defRPr sz="1800" kern="1200">
+                  <a:solidFill>
+                    <a:schemeClr val="lt1"/>
+                  </a:solidFill>
+                  <a:latin typeface="+mn-lt"/>
+                  <a:ea typeface="+mn-ea"/>
+                  <a:cs typeface="+mn-cs"/>
+                </a:defRPr>
+              </a:lvl3pPr>
+              <a:lvl4pPr marL="1371600" algn="l" defTabSz="914400" rtl="0" eaLnBrk="1" latinLnBrk="0" hangingPunct="1">
+                <a:defRPr sz="1800" kern="1200">
+                  <a:solidFill>
+                    <a:schemeClr val="lt1"/>
+                  </a:solidFill>
+                  <a:latin typeface="+mn-lt"/>
+                  <a:ea typeface="+mn-ea"/>
+                  <a:cs typeface="+mn-cs"/>
+                </a:defRPr>
+              </a:lvl4pPr>
+              <a:lvl5pPr marL="1828800" algn="l" defTabSz="914400" rtl="0" eaLnBrk="1" latinLnBrk="0" hangingPunct="1">
+                <a:defRPr sz="1800" kern="1200">
+                  <a:solidFill>
+                    <a:schemeClr val="lt1"/>
+                  </a:solidFill>
+                  <a:latin typeface="+mn-lt"/>
+                  <a:ea typeface="+mn-ea"/>
+                  <a:cs typeface="+mn-cs"/>
+                </a:defRPr>
+              </a:lvl5pPr>
+              <a:lvl6pPr marL="2286000" algn="l" defTabSz="914400" rtl="0" eaLnBrk="1" latinLnBrk="0" hangingPunct="1">
+                <a:defRPr sz="1800" kern="1200">
+                  <a:solidFill>
+                    <a:schemeClr val="lt1"/>
+                  </a:solidFill>
+                  <a:latin typeface="+mn-lt"/>
+                  <a:ea typeface="+mn-ea"/>
+                  <a:cs typeface="+mn-cs"/>
+                </a:defRPr>
+              </a:lvl6pPr>
+              <a:lvl7pPr marL="2743200" algn="l" defTabSz="914400" rtl="0" eaLnBrk="1" latinLnBrk="0" hangingPunct="1">
+                <a:defRPr sz="1800" kern="1200">
+                  <a:solidFill>
+                    <a:schemeClr val="lt1"/>
+                  </a:solidFill>
+                  <a:latin typeface="+mn-lt"/>
+                  <a:ea typeface="+mn-ea"/>
+                  <a:cs typeface="+mn-cs"/>
+                </a:defRPr>
+              </a:lvl7pPr>
+              <a:lvl8pPr marL="3200400" algn="l" defTabSz="914400" rtl="0" eaLnBrk="1" latinLnBrk="0" hangingPunct="1">
+                <a:defRPr sz="1800" kern="1200">
+                  <a:solidFill>
+                    <a:schemeClr val="lt1"/>
+                  </a:solidFill>
+                  <a:latin typeface="+mn-lt"/>
+                  <a:ea typeface="+mn-ea"/>
+                  <a:cs typeface="+mn-cs"/>
+                </a:defRPr>
+              </a:lvl8pPr>
+              <a:lvl9pPr marL="3657600" algn="l" defTabSz="914400" rtl="0" eaLnBrk="1" latinLnBrk="0" hangingPunct="1">
+                <a:defRPr sz="1800" kern="1200">
+                  <a:solidFill>
+                    <a:schemeClr val="lt1"/>
+                  </a:solidFill>
+                  <a:latin typeface="+mn-lt"/>
+                  <a:ea typeface="+mn-ea"/>
+                  <a:cs typeface="+mn-cs"/>
+                </a:defRPr>
+              </a:lvl9pPr>
+            </a:lstStyle>
+            <a:p>
+              <a:pPr marL="0" lvl="1" defTabSz="1218836" fontAlgn="base">
+                <a:spcAft>
+                  <a:spcPct val="0"/>
+                </a:spcAft>
+              </a:pPr>
+              <a:r>
+                <a:rPr lang="en-US" sz="2000" dirty="0">
+                  <a:solidFill>
+                    <a:srgbClr val="595959">
+                      <a:alpha val="99000"/>
+                    </a:srgbClr>
+                  </a:solidFill>
+                  <a:ea typeface="Kozuka Gothic Pro R" pitchFamily="34" charset="-128"/>
+                </a:rPr>
+                <a:t>Software</a:t>
+              </a:r>
+            </a:p>
+            <a:p>
+              <a:pPr defTabSz="1218936"/>
+              <a:r>
+                <a:rPr lang="en-US" sz="1600" dirty="0">
+                  <a:solidFill>
+                    <a:srgbClr val="595959">
+                      <a:alpha val="99000"/>
+                    </a:srgbClr>
+                  </a:solidFill>
+                  <a:ea typeface="Kozuka Gothic Pro R" pitchFamily="34" charset="-128"/>
+                </a:rPr>
+                <a:t>( as a Service )</a:t>
+              </a:r>
+            </a:p>
+          </p:txBody>
+        </p:sp>
+        <p:grpSp>
+          <p:nvGrpSpPr>
+            <p:cNvPr id="11" name="Group 10"/>
+            <p:cNvGrpSpPr/>
+            <p:nvPr/>
+          </p:nvGrpSpPr>
+          <p:grpSpPr>
+            <a:xfrm>
+              <a:off x="9524698" y="2460750"/>
+              <a:ext cx="1638240" cy="3575799"/>
+              <a:chOff x="9523110" y="2460749"/>
+              <a:chExt cx="1638240" cy="3575799"/>
+            </a:xfrm>
+          </p:grpSpPr>
+          <p:sp>
+            <p:nvSpPr>
+              <p:cNvPr id="174" name="Rectangle 173"/>
+              <p:cNvSpPr/>
+              <p:nvPr/>
+            </p:nvSpPr>
+            <p:spPr>
+              <a:xfrm>
+                <a:off x="9523110" y="5200731"/>
+                <a:ext cx="1638240" cy="381000"/>
+              </a:xfrm>
+              <a:prstGeom prst="rect">
+                <a:avLst/>
+              </a:prstGeom>
+              <a:solidFill>
+                <a:schemeClr val="accent4"/>
+              </a:solidFill>
+              <a:ln w="9525" cap="flat" cmpd="sng" algn="ctr">
+                <a:noFill/>
+                <a:prstDash val="solid"/>
+              </a:ln>
+              <a:effectLst/>
+            </p:spPr>
+            <p:txBody>
+              <a:bodyPr lIns="0" rIns="0" rtlCol="0" anchor="t" anchorCtr="0"/>
+              <a:lstStyle/>
+              <a:p>
+                <a:pPr algn="ctr" defTabSz="1218936"/>
+                <a:r>
+                  <a:rPr lang="en-US" sz="1500" dirty="0">
+                    <a:solidFill>
+                      <a:schemeClr val="bg1">
+                        <a:alpha val="99000"/>
+                      </a:schemeClr>
+                    </a:solidFill>
+                    <a:latin typeface="Segoe UI"/>
+                    <a:ea typeface="Segoe UI" pitchFamily="34" charset="0"/>
+                    <a:cs typeface="Segoe UI" pitchFamily="34" charset="0"/>
+                  </a:rPr>
+                  <a:t>Networking</a:t>
+                </a:r>
+              </a:p>
+            </p:txBody>
+          </p:sp>
+          <p:sp>
+            <p:nvSpPr>
+              <p:cNvPr id="175" name="Rectangle 174"/>
+              <p:cNvSpPr/>
+              <p:nvPr/>
+            </p:nvSpPr>
+            <p:spPr>
+              <a:xfrm>
+                <a:off x="9523110" y="4745912"/>
+                <a:ext cx="1638240" cy="381000"/>
+              </a:xfrm>
+              <a:prstGeom prst="rect">
+                <a:avLst/>
+              </a:prstGeom>
+              <a:solidFill>
+                <a:schemeClr val="accent4"/>
+              </a:solidFill>
+              <a:ln w="9525" cap="flat" cmpd="sng" algn="ctr">
+                <a:noFill/>
+                <a:prstDash val="solid"/>
+              </a:ln>
+              <a:effectLst/>
+            </p:spPr>
+            <p:txBody>
+              <a:bodyPr lIns="0" rIns="0" rtlCol="0" anchor="t" anchorCtr="0"/>
+              <a:lstStyle/>
+              <a:p>
+                <a:pPr algn="ctr" defTabSz="1218936"/>
+                <a:r>
+                  <a:rPr lang="en-US" sz="1500" dirty="0">
+                    <a:solidFill>
+                      <a:schemeClr val="bg1">
+                        <a:alpha val="99000"/>
+                      </a:schemeClr>
+                    </a:solidFill>
+                    <a:latin typeface="Segoe UI"/>
+                    <a:ea typeface="Segoe UI" pitchFamily="34" charset="0"/>
+                    <a:cs typeface="Segoe UI" pitchFamily="34" charset="0"/>
+                  </a:rPr>
+                  <a:t>Compute</a:t>
+                </a:r>
+              </a:p>
+            </p:txBody>
+          </p:sp>
+          <p:sp>
+            <p:nvSpPr>
+              <p:cNvPr id="177" name="Rectangle 176"/>
+              <p:cNvSpPr/>
+              <p:nvPr/>
+            </p:nvSpPr>
+            <p:spPr>
+              <a:xfrm>
+                <a:off x="9523110" y="4280025"/>
+                <a:ext cx="1638240" cy="381000"/>
+              </a:xfrm>
+              <a:prstGeom prst="rect">
+                <a:avLst/>
+              </a:prstGeom>
+              <a:solidFill>
+                <a:schemeClr val="accent4"/>
+              </a:solidFill>
+              <a:ln w="9525" cap="flat" cmpd="sng" algn="ctr">
+                <a:noFill/>
+                <a:prstDash val="solid"/>
+              </a:ln>
+              <a:effectLst/>
+            </p:spPr>
+            <p:txBody>
+              <a:bodyPr lIns="0" rIns="0" rtlCol="0" anchor="t" anchorCtr="0"/>
+              <a:lstStyle/>
+              <a:p>
+                <a:pPr algn="ctr" defTabSz="1218936"/>
+                <a:r>
+                  <a:rPr lang="en-US" sz="1500" dirty="0">
+                    <a:solidFill>
+                      <a:schemeClr val="bg1">
+                        <a:alpha val="99000"/>
+                      </a:schemeClr>
+                    </a:solidFill>
+                    <a:latin typeface="Segoe UI"/>
+                    <a:ea typeface="Segoe UI" pitchFamily="34" charset="0"/>
+                    <a:cs typeface="Segoe UI" pitchFamily="34" charset="0"/>
+                  </a:rPr>
+                  <a:t>Virtual Machine</a:t>
+                </a:r>
+              </a:p>
+            </p:txBody>
+          </p:sp>
+          <p:sp>
+            <p:nvSpPr>
+              <p:cNvPr id="178" name="Rectangle 177"/>
+              <p:cNvSpPr/>
+              <p:nvPr/>
+            </p:nvSpPr>
+            <p:spPr>
+              <a:xfrm>
+                <a:off x="9523110" y="3825206"/>
+                <a:ext cx="1638240" cy="381000"/>
+              </a:xfrm>
+              <a:prstGeom prst="rect">
+                <a:avLst/>
+              </a:prstGeom>
+              <a:solidFill>
+                <a:schemeClr val="accent4"/>
+              </a:solidFill>
+              <a:ln w="9525" cap="flat" cmpd="sng" algn="ctr">
+                <a:noFill/>
+                <a:prstDash val="solid"/>
+              </a:ln>
+              <a:effectLst/>
+            </p:spPr>
+            <p:txBody>
+              <a:bodyPr lIns="0" rIns="0" rtlCol="0" anchor="t" anchorCtr="0"/>
+              <a:lstStyle/>
+              <a:p>
+                <a:pPr algn="ctr" defTabSz="1218936"/>
+                <a:r>
+                  <a:rPr lang="en-US" sz="1500" dirty="0">
+                    <a:solidFill>
+                      <a:schemeClr val="bg1">
+                        <a:alpha val="99000"/>
+                      </a:schemeClr>
+                    </a:solidFill>
+                    <a:latin typeface="Segoe UI"/>
+                    <a:ea typeface="Segoe UI" pitchFamily="34" charset="0"/>
+                    <a:cs typeface="Segoe UI" pitchFamily="34" charset="0"/>
+                  </a:rPr>
+                  <a:t>Operating System</a:t>
+                </a:r>
+              </a:p>
+            </p:txBody>
+          </p:sp>
+          <p:sp>
+            <p:nvSpPr>
+              <p:cNvPr id="180" name="Rectangle 179"/>
+              <p:cNvSpPr/>
+              <p:nvPr/>
+            </p:nvSpPr>
+            <p:spPr>
+              <a:xfrm>
+                <a:off x="9523110" y="2460749"/>
+                <a:ext cx="1638240" cy="381000"/>
+              </a:xfrm>
+              <a:prstGeom prst="rect">
+                <a:avLst/>
+              </a:prstGeom>
+              <a:solidFill>
+                <a:schemeClr val="accent1"/>
+              </a:solidFill>
+              <a:ln w="9525" cap="flat" cmpd="sng" algn="ctr">
+                <a:solidFill>
+                  <a:srgbClr val="FFC000">
+                    <a:shade val="95000"/>
+                    <a:satMod val="105000"/>
+                  </a:srgbClr>
+                </a:solidFill>
+                <a:prstDash val="solid"/>
+              </a:ln>
+              <a:effectLst/>
+            </p:spPr>
+            <p:txBody>
+              <a:bodyPr lIns="0" rIns="0" rtlCol="0" anchor="t" anchorCtr="0"/>
+              <a:lstStyle/>
+              <a:p>
+                <a:pPr algn="ctr" defTabSz="1218936"/>
+                <a:r>
+                  <a:rPr lang="en-US" sz="1500" dirty="0">
+                    <a:solidFill>
+                      <a:schemeClr val="bg1">
+                        <a:alpha val="99000"/>
+                      </a:schemeClr>
+                    </a:solidFill>
+                    <a:latin typeface="Segoe UI"/>
+                    <a:ea typeface="Segoe UI" pitchFamily="34" charset="0"/>
+                    <a:cs typeface="Segoe UI" pitchFamily="34" charset="0"/>
+                  </a:rPr>
+                  <a:t>Data &amp; Access</a:t>
+                </a:r>
+              </a:p>
+            </p:txBody>
+          </p:sp>
+          <p:sp>
+            <p:nvSpPr>
+              <p:cNvPr id="181" name="Rectangle 180"/>
+              <p:cNvSpPr/>
+              <p:nvPr/>
+            </p:nvSpPr>
+            <p:spPr>
+              <a:xfrm>
+                <a:off x="9523110" y="3370387"/>
+                <a:ext cx="1638240" cy="381000"/>
+              </a:xfrm>
+              <a:prstGeom prst="rect">
+                <a:avLst/>
+              </a:prstGeom>
+              <a:solidFill>
+                <a:schemeClr val="accent4"/>
+              </a:solidFill>
+              <a:ln w="9525" cap="flat" cmpd="sng" algn="ctr">
+                <a:noFill/>
+                <a:prstDash val="solid"/>
+              </a:ln>
+              <a:effectLst/>
+            </p:spPr>
+            <p:txBody>
+              <a:bodyPr lIns="0" rIns="0" rtlCol="0" anchor="t" anchorCtr="0"/>
+              <a:lstStyle/>
+              <a:p>
+                <a:pPr algn="ctr" defTabSz="1218936"/>
+                <a:r>
+                  <a:rPr lang="en-US" sz="1500" dirty="0">
+                    <a:solidFill>
+                      <a:schemeClr val="bg1">
+                        <a:alpha val="99000"/>
+                      </a:schemeClr>
+                    </a:solidFill>
+                    <a:latin typeface="Segoe UI"/>
+                    <a:ea typeface="Segoe UI" pitchFamily="34" charset="0"/>
+                    <a:cs typeface="Segoe UI" pitchFamily="34" charset="0"/>
+                  </a:rPr>
+                  <a:t>Runtime</a:t>
+                </a:r>
+              </a:p>
+            </p:txBody>
+          </p:sp>
+          <p:sp>
+            <p:nvSpPr>
+              <p:cNvPr id="182" name="Rectangle 181"/>
+              <p:cNvSpPr/>
+              <p:nvPr/>
+            </p:nvSpPr>
+            <p:spPr>
+              <a:xfrm>
+                <a:off x="9523110" y="2915568"/>
+                <a:ext cx="1638240" cy="381000"/>
+              </a:xfrm>
+              <a:prstGeom prst="rect">
+                <a:avLst/>
+              </a:prstGeom>
+              <a:solidFill>
+                <a:schemeClr val="accent4"/>
+              </a:solidFill>
+              <a:ln w="9525" cap="flat" cmpd="sng" algn="ctr">
+                <a:noFill/>
+                <a:prstDash val="solid"/>
+              </a:ln>
+              <a:effectLst/>
+            </p:spPr>
+            <p:txBody>
+              <a:bodyPr lIns="0" rIns="0" rtlCol="0" anchor="t" anchorCtr="0"/>
+              <a:lstStyle/>
+              <a:p>
+                <a:pPr algn="ctr" defTabSz="1218936"/>
+                <a:r>
+                  <a:rPr lang="en-US" sz="1500" dirty="0">
+                    <a:solidFill>
+                      <a:schemeClr val="bg1">
+                        <a:alpha val="99000"/>
+                      </a:schemeClr>
+                    </a:solidFill>
+                    <a:latin typeface="Segoe UI"/>
+                    <a:ea typeface="Segoe UI" pitchFamily="34" charset="0"/>
+                    <a:cs typeface="Segoe UI" pitchFamily="34" charset="0"/>
+                  </a:rPr>
+                  <a:t>Applications</a:t>
+                </a:r>
+              </a:p>
+            </p:txBody>
+          </p:sp>
+          <p:sp>
+            <p:nvSpPr>
+              <p:cNvPr id="176" name="Rectangle 175"/>
+              <p:cNvSpPr/>
+              <p:nvPr/>
+            </p:nvSpPr>
+            <p:spPr>
+              <a:xfrm>
+                <a:off x="9523110" y="5655548"/>
+                <a:ext cx="1638240" cy="381000"/>
+              </a:xfrm>
+              <a:prstGeom prst="rect">
+                <a:avLst/>
+              </a:prstGeom>
+              <a:solidFill>
+                <a:schemeClr val="accent4"/>
+              </a:solidFill>
+              <a:ln w="9525" cap="flat" cmpd="sng" algn="ctr">
+                <a:noFill/>
+                <a:prstDash val="solid"/>
+              </a:ln>
+              <a:effectLst/>
+            </p:spPr>
+            <p:txBody>
+              <a:bodyPr lIns="0" rIns="0" rtlCol="0" anchor="t" anchorCtr="0"/>
+              <a:lstStyle/>
+              <a:p>
+                <a:pPr algn="ctr" defTabSz="1218936"/>
+                <a:r>
+                  <a:rPr lang="en-US" sz="1500" dirty="0">
+                    <a:solidFill>
+                      <a:schemeClr val="bg1">
+                        <a:alpha val="99000"/>
+                      </a:schemeClr>
+                    </a:solidFill>
+                    <a:latin typeface="Segoe UI"/>
+                    <a:ea typeface="Segoe UI" pitchFamily="34" charset="0"/>
+                    <a:cs typeface="Segoe UI" pitchFamily="34" charset="0"/>
+                  </a:rPr>
+                  <a:t>Storage</a:t>
+                </a:r>
+              </a:p>
+            </p:txBody>
+          </p:sp>
+        </p:grpSp>
+        <p:sp>
+          <p:nvSpPr>
+            <p:cNvPr id="64" name="Left Brace 63"/>
+            <p:cNvSpPr/>
+            <p:nvPr/>
+          </p:nvSpPr>
+          <p:spPr>
+            <a:xfrm flipH="1">
+              <a:off x="11181463" y="2861103"/>
+              <a:ext cx="206246" cy="3213707"/>
+            </a:xfrm>
+            <a:prstGeom prst="leftBrace">
+              <a:avLst>
+                <a:gd name="adj1" fmla="val 0"/>
+                <a:gd name="adj2" fmla="val 50000"/>
+              </a:avLst>
+            </a:prstGeom>
+            <a:noFill/>
+            <a:ln w="19050" cap="flat" cmpd="sng" algn="ctr">
+              <a:solidFill>
+                <a:schemeClr val="accent2"/>
+              </a:solidFill>
+              <a:prstDash val="solid"/>
+            </a:ln>
+            <a:effectLst/>
+          </p:spPr>
+          <p:txBody>
+            <a:bodyPr rtlCol="0" anchor="ctr"/>
+            <a:lstStyle/>
+            <a:p>
+              <a:pPr algn="ctr" defTabSz="1218936"/>
+              <a:endParaRPr lang="en-US" dirty="0">
+                <a:solidFill>
+                  <a:srgbClr val="FFFFFF"/>
+                </a:solidFill>
+                <a:latin typeface="Segoe UI"/>
+                <a:ea typeface="Segoe UI" pitchFamily="34" charset="0"/>
+                <a:cs typeface="Segoe UI" pitchFamily="34" charset="0"/>
+              </a:endParaRPr>
+            </a:p>
+          </p:txBody>
+        </p:sp>
+        <p:sp>
+          <p:nvSpPr>
+            <p:cNvPr id="67" name="Rectangle 66"/>
+            <p:cNvSpPr/>
+            <p:nvPr/>
+          </p:nvSpPr>
+          <p:spPr bwMode="auto">
+            <a:xfrm flipH="1">
+              <a:off x="252797" y="1237731"/>
+              <a:ext cx="2955496" cy="5139864"/>
+            </a:xfrm>
+            <a:prstGeom prst="rect">
+              <a:avLst/>
+            </a:prstGeom>
+            <a:noFill/>
+            <a:ln>
+              <a:solidFill>
+                <a:schemeClr val="bg1">
+                  <a:lumMod val="85000"/>
+                </a:schemeClr>
+              </a:solidFill>
+              <a:headEnd type="none" w="med" len="med"/>
+              <a:tailEnd type="none" w="med" len="med"/>
+            </a:ln>
+            <a:effectLst/>
+          </p:spPr>
+          <p:style>
+            <a:lnRef idx="1">
+              <a:schemeClr val="accent2"/>
+            </a:lnRef>
+            <a:fillRef idx="3">
+              <a:schemeClr val="accent2"/>
+            </a:fillRef>
+            <a:effectRef idx="2">
+              <a:schemeClr val="accent2"/>
+            </a:effectRef>
+            <a:fontRef idx="minor">
+              <a:schemeClr val="lt1"/>
+            </a:fontRef>
+          </p:style>
+          <p:txBody>
+            <a:bodyPr vert="horz" wrap="square" lIns="91404" tIns="45703" rIns="91404" bIns="45703" numCol="1" spcCol="0" rtlCol="0" anchor="ctr" anchorCtr="0" compatLnSpc="1">
+              <a:prstTxWarp prst="textNoShape">
+                <a:avLst/>
+              </a:prstTxWarp>
+            </a:bodyPr>
+            <a:lstStyle/>
+            <a:p>
+              <a:pPr algn="ctr" defTabSz="913788" fontAlgn="base">
+                <a:spcBef>
+                  <a:spcPct val="0"/>
+                </a:spcBef>
+                <a:spcAft>
+                  <a:spcPct val="0"/>
+                </a:spcAft>
+              </a:pPr>
+              <a:endParaRPr lang="en-US" sz="2200" dirty="0">
+                <a:gradFill>
+                  <a:gsLst>
+                    <a:gs pos="0">
+                      <a:srgbClr val="FFFFFF"/>
+                    </a:gs>
+                    <a:gs pos="100000">
+                      <a:srgbClr val="FFFFFF"/>
+                    </a:gs>
+                  </a:gsLst>
+                  <a:lin ang="5400000" scaled="0"/>
+                </a:gradFill>
+              </a:endParaRPr>
+            </a:p>
+          </p:txBody>
+        </p:sp>
+        <p:sp>
+          <p:nvSpPr>
+            <p:cNvPr id="69" name="TextBox 58"/>
+            <p:cNvSpPr txBox="1"/>
+            <p:nvPr/>
+          </p:nvSpPr>
+          <p:spPr>
+            <a:xfrm>
+              <a:off x="3244647" y="4745912"/>
+              <a:ext cx="615553" cy="1148776"/>
+            </a:xfrm>
+            <a:prstGeom prst="rect">
+              <a:avLst/>
+            </a:prstGeom>
+            <a:noFill/>
+          </p:spPr>
+          <p:txBody>
+            <a:bodyPr vert="vert270" wrap="square" rtlCol="0">
+              <a:spAutoFit/>
+            </a:bodyPr>
+            <a:lstStyle>
+              <a:defPPr>
+                <a:defRPr lang="en-US"/>
+              </a:defPPr>
+              <a:lvl1pPr marL="0" algn="l" defTabSz="914400" rtl="0" eaLnBrk="1" latinLnBrk="0" hangingPunct="1">
+                <a:defRPr sz="1800" kern="1200">
+                  <a:solidFill>
+                    <a:schemeClr val="tx1"/>
+                  </a:solidFill>
+                  <a:latin typeface="+mn-lt"/>
+                  <a:ea typeface="+mn-ea"/>
+                  <a:cs typeface="+mn-cs"/>
+                </a:defRPr>
+              </a:lvl1pPr>
+              <a:lvl2pPr marL="457200" algn="l" defTabSz="914400" rtl="0" eaLnBrk="1" latinLnBrk="0" hangingPunct="1">
+                <a:defRPr sz="1800" kern="1200">
+                  <a:solidFill>
+                    <a:schemeClr val="tx1"/>
+                  </a:solidFill>
+                  <a:latin typeface="+mn-lt"/>
+                  <a:ea typeface="+mn-ea"/>
+                  <a:cs typeface="+mn-cs"/>
+                </a:defRPr>
+              </a:lvl2pPr>
+              <a:lvl3pPr marL="914400" algn="l" defTabSz="914400" rtl="0" eaLnBrk="1" latinLnBrk="0" hangingPunct="1">
+                <a:defRPr sz="1800" kern="1200">
+                  <a:solidFill>
+                    <a:schemeClr val="tx1"/>
+                  </a:solidFill>
+                  <a:latin typeface="+mn-lt"/>
+                  <a:ea typeface="+mn-ea"/>
+                  <a:cs typeface="+mn-cs"/>
+                </a:defRPr>
+              </a:lvl3pPr>
+              <a:lvl4pPr marL="1371600" algn="l" defTabSz="914400" rtl="0" eaLnBrk="1" latinLnBrk="0" hangingPunct="1">
+                <a:defRPr sz="1800" kern="1200">
+                  <a:solidFill>
+                    <a:schemeClr val="tx1"/>
+                  </a:solidFill>
+                  <a:latin typeface="+mn-lt"/>
+                  <a:ea typeface="+mn-ea"/>
+                  <a:cs typeface="+mn-cs"/>
+                </a:defRPr>
+              </a:lvl4pPr>
+              <a:lvl5pPr marL="1828800" algn="l" defTabSz="914400" rtl="0" eaLnBrk="1" latinLnBrk="0" hangingPunct="1">
+                <a:defRPr sz="1800" kern="1200">
+                  <a:solidFill>
+                    <a:schemeClr val="tx1"/>
+                  </a:solidFill>
+                  <a:latin typeface="+mn-lt"/>
+                  <a:ea typeface="+mn-ea"/>
+                  <a:cs typeface="+mn-cs"/>
+                </a:defRPr>
+              </a:lvl5pPr>
+              <a:lvl6pPr marL="2286000" algn="l" defTabSz="914400" rtl="0" eaLnBrk="1" latinLnBrk="0" hangingPunct="1">
+                <a:defRPr sz="1800" kern="1200">
+                  <a:solidFill>
+                    <a:schemeClr val="tx1"/>
+                  </a:solidFill>
+                  <a:latin typeface="+mn-lt"/>
+                  <a:ea typeface="+mn-ea"/>
+                  <a:cs typeface="+mn-cs"/>
+                </a:defRPr>
+              </a:lvl6pPr>
+              <a:lvl7pPr marL="2743200" algn="l" defTabSz="914400" rtl="0" eaLnBrk="1" latinLnBrk="0" hangingPunct="1">
+                <a:defRPr sz="1800" kern="1200">
+                  <a:solidFill>
+                    <a:schemeClr val="tx1"/>
+                  </a:solidFill>
+                  <a:latin typeface="+mn-lt"/>
+                  <a:ea typeface="+mn-ea"/>
+                  <a:cs typeface="+mn-cs"/>
+                </a:defRPr>
+              </a:lvl7pPr>
+              <a:lvl8pPr marL="3200400" algn="l" defTabSz="914400" rtl="0" eaLnBrk="1" latinLnBrk="0" hangingPunct="1">
+                <a:defRPr sz="1800" kern="1200">
+                  <a:solidFill>
+                    <a:schemeClr val="tx1"/>
+                  </a:solidFill>
+                  <a:latin typeface="+mn-lt"/>
+                  <a:ea typeface="+mn-ea"/>
+                  <a:cs typeface="+mn-cs"/>
+                </a:defRPr>
+              </a:lvl8pPr>
+              <a:lvl9pPr marL="3657600" algn="l" defTabSz="914400" rtl="0" eaLnBrk="1" latinLnBrk="0" hangingPunct="1">
+                <a:defRPr sz="1800" kern="1200">
+                  <a:solidFill>
+                    <a:schemeClr val="tx1"/>
+                  </a:solidFill>
+                  <a:latin typeface="+mn-lt"/>
+                  <a:ea typeface="+mn-ea"/>
+                  <a:cs typeface="+mn-cs"/>
+                </a:defRPr>
+              </a:lvl9pPr>
+            </a:lstStyle>
+            <a:p>
+              <a:pPr marL="0" lvl="1" algn="ctr" defTabSz="1218836" fontAlgn="base">
+                <a:spcAft>
+                  <a:spcPct val="0"/>
+                </a:spcAft>
+              </a:pPr>
+              <a:r>
+                <a:rPr lang="en-US" sz="1400" dirty="0">
+                  <a:solidFill>
+                    <a:srgbClr val="595959">
+                      <a:alpha val="99000"/>
+                    </a:srgbClr>
+                  </a:solidFill>
+                  <a:ea typeface="Kozuka Gothic Pro R" pitchFamily="34" charset="-128"/>
+                </a:rPr>
+                <a:t>You Provision</a:t>
+              </a:r>
+              <a:br>
+                <a:rPr lang="en-US" sz="1400" dirty="0">
+                  <a:solidFill>
+                    <a:srgbClr val="595959">
+                      <a:alpha val="99000"/>
+                    </a:srgbClr>
+                  </a:solidFill>
+                  <a:ea typeface="Kozuka Gothic Pro R" pitchFamily="34" charset="-128"/>
+                </a:rPr>
+              </a:br>
+              <a:r>
+                <a:rPr lang="en-US" sz="1400" dirty="0">
+                  <a:solidFill>
+                    <a:srgbClr val="595959">
+                      <a:alpha val="99000"/>
+                    </a:srgbClr>
+                  </a:solidFill>
+                  <a:ea typeface="Kozuka Gothic Pro R" pitchFamily="34" charset="-128"/>
+                </a:rPr>
+                <a:t>Cloud Services</a:t>
+              </a:r>
+            </a:p>
+          </p:txBody>
+        </p:sp>
+        <p:sp>
+          <p:nvSpPr>
+            <p:cNvPr id="8" name="Left Bracket 7"/>
+            <p:cNvSpPr/>
+            <p:nvPr/>
+          </p:nvSpPr>
+          <p:spPr>
+            <a:xfrm>
+              <a:off x="4286075" y="4724823"/>
+              <a:ext cx="95815" cy="1333645"/>
+            </a:xfrm>
+            <a:prstGeom prst="leftBracket">
+              <a:avLst/>
+            </a:prstGeom>
+            <a:ln w="19050">
+              <a:solidFill>
+                <a:schemeClr val="accent2"/>
+              </a:solidFill>
+              <a:headEnd type="none"/>
+              <a:tailEnd type="none"/>
+            </a:ln>
+          </p:spPr>
+          <p:style>
+            <a:lnRef idx="1">
+              <a:schemeClr val="accent1"/>
+            </a:lnRef>
+            <a:fillRef idx="0">
+              <a:schemeClr val="accent1"/>
+            </a:fillRef>
+            <a:effectRef idx="0">
+              <a:schemeClr val="accent1"/>
+            </a:effectRef>
+            <a:fontRef idx="minor">
+              <a:schemeClr val="tx1"/>
+            </a:fontRef>
+          </p:style>
+          <p:txBody>
+            <a:bodyPr rtlCol="0" anchor="ctr"/>
+            <a:lstStyle/>
+            <a:p>
+              <a:pPr algn="ctr"/>
+              <a:endParaRPr lang="en-US"/>
+            </a:p>
+          </p:txBody>
+        </p:sp>
+        <p:cxnSp>
+          <p:nvCxnSpPr>
+            <p:cNvPr id="10" name="Straight Connector 9"/>
+            <p:cNvCxnSpPr>
+              <a:cxnSpLocks/>
+            </p:cNvCxnSpPr>
+            <p:nvPr/>
+          </p:nvCxnSpPr>
+          <p:spPr>
+            <a:xfrm>
+              <a:off x="4187700" y="5364535"/>
+              <a:ext cx="107679" cy="0"/>
+            </a:xfrm>
+            <a:prstGeom prst="line">
+              <a:avLst/>
+            </a:prstGeom>
+            <a:ln w="19050">
+              <a:solidFill>
+                <a:schemeClr val="accent2"/>
+              </a:solidFill>
+              <a:headEnd type="none"/>
+              <a:tailEnd type="none"/>
+            </a:ln>
+          </p:spPr>
+          <p:style>
+            <a:lnRef idx="1">
+              <a:schemeClr val="accent1"/>
+            </a:lnRef>
+            <a:fillRef idx="0">
+              <a:schemeClr val="accent1"/>
+            </a:fillRef>
+            <a:effectRef idx="0">
+              <a:schemeClr val="accent1"/>
+            </a:effectRef>
+            <a:fontRef idx="minor">
+              <a:schemeClr val="tx1"/>
+            </a:fontRef>
+          </p:style>
+        </p:cxnSp>
+        <p:sp>
+          <p:nvSpPr>
+            <p:cNvPr id="79" name="Left Brace 78"/>
+            <p:cNvSpPr/>
+            <p:nvPr/>
+          </p:nvSpPr>
+          <p:spPr>
+            <a:xfrm>
+              <a:off x="9321891" y="2413083"/>
+              <a:ext cx="184282" cy="473868"/>
+            </a:xfrm>
+            <a:prstGeom prst="leftBrace">
+              <a:avLst>
+                <a:gd name="adj1" fmla="val 0"/>
+                <a:gd name="adj2" fmla="val 50000"/>
+              </a:avLst>
+            </a:prstGeom>
+            <a:noFill/>
+            <a:ln w="19050" cap="flat" cmpd="sng" algn="ctr">
+              <a:solidFill>
+                <a:schemeClr val="accent2"/>
+              </a:solidFill>
+              <a:prstDash val="solid"/>
+            </a:ln>
+            <a:effectLst/>
+          </p:spPr>
+          <p:txBody>
+            <a:bodyPr rtlCol="0" anchor="ctr"/>
+            <a:lstStyle/>
+            <a:p>
+              <a:pPr algn="ctr" defTabSz="1218936"/>
+              <a:endParaRPr lang="en-US" dirty="0">
+                <a:solidFill>
+                  <a:srgbClr val="FFFFFF"/>
+                </a:solidFill>
+                <a:latin typeface="Segoe UI"/>
+                <a:ea typeface="Segoe UI" pitchFamily="34" charset="0"/>
+                <a:cs typeface="Segoe UI" pitchFamily="34" charset="0"/>
+              </a:endParaRPr>
+            </a:p>
+          </p:txBody>
+        </p:sp>
+        <p:sp>
+          <p:nvSpPr>
+            <p:cNvPr id="80" name="TextBox 60"/>
+            <p:cNvSpPr txBox="1"/>
+            <p:nvPr/>
+          </p:nvSpPr>
+          <p:spPr>
+            <a:xfrm>
+              <a:off x="8796860" y="2142710"/>
+              <a:ext cx="400110" cy="991169"/>
+            </a:xfrm>
+            <a:prstGeom prst="rect">
+              <a:avLst/>
+            </a:prstGeom>
+            <a:noFill/>
+          </p:spPr>
+          <p:txBody>
+            <a:bodyPr vert="vert270" wrap="square" rtlCol="0">
+              <a:spAutoFit/>
+            </a:bodyPr>
+            <a:lstStyle>
+              <a:defPPr>
+                <a:defRPr lang="en-US"/>
+              </a:defPPr>
+              <a:lvl1pPr marL="0" algn="l" defTabSz="914400" rtl="0" eaLnBrk="1" latinLnBrk="0" hangingPunct="1">
+                <a:defRPr sz="1800" kern="1200">
+                  <a:solidFill>
+                    <a:schemeClr val="tx1"/>
+                  </a:solidFill>
+                  <a:latin typeface="+mn-lt"/>
+                  <a:ea typeface="+mn-ea"/>
+                  <a:cs typeface="+mn-cs"/>
+                </a:defRPr>
+              </a:lvl1pPr>
+              <a:lvl2pPr marL="457200" algn="l" defTabSz="914400" rtl="0" eaLnBrk="1" latinLnBrk="0" hangingPunct="1">
+                <a:defRPr sz="1800" kern="1200">
+                  <a:solidFill>
+                    <a:schemeClr val="tx1"/>
+                  </a:solidFill>
+                  <a:latin typeface="+mn-lt"/>
+                  <a:ea typeface="+mn-ea"/>
+                  <a:cs typeface="+mn-cs"/>
+                </a:defRPr>
+              </a:lvl2pPr>
+              <a:lvl3pPr marL="914400" algn="l" defTabSz="914400" rtl="0" eaLnBrk="1" latinLnBrk="0" hangingPunct="1">
+                <a:defRPr sz="1800" kern="1200">
+                  <a:solidFill>
+                    <a:schemeClr val="tx1"/>
+                  </a:solidFill>
+                  <a:latin typeface="+mn-lt"/>
+                  <a:ea typeface="+mn-ea"/>
+                  <a:cs typeface="+mn-cs"/>
+                </a:defRPr>
+              </a:lvl3pPr>
+              <a:lvl4pPr marL="1371600" algn="l" defTabSz="914400" rtl="0" eaLnBrk="1" latinLnBrk="0" hangingPunct="1">
+                <a:defRPr sz="1800" kern="1200">
+                  <a:solidFill>
+                    <a:schemeClr val="tx1"/>
+                  </a:solidFill>
+                  <a:latin typeface="+mn-lt"/>
+                  <a:ea typeface="+mn-ea"/>
+                  <a:cs typeface="+mn-cs"/>
+                </a:defRPr>
+              </a:lvl4pPr>
+              <a:lvl5pPr marL="1828800" algn="l" defTabSz="914400" rtl="0" eaLnBrk="1" latinLnBrk="0" hangingPunct="1">
+                <a:defRPr sz="1800" kern="1200">
+                  <a:solidFill>
+                    <a:schemeClr val="tx1"/>
+                  </a:solidFill>
+                  <a:latin typeface="+mn-lt"/>
+                  <a:ea typeface="+mn-ea"/>
+                  <a:cs typeface="+mn-cs"/>
+                </a:defRPr>
+              </a:lvl5pPr>
+              <a:lvl6pPr marL="2286000" algn="l" defTabSz="914400" rtl="0" eaLnBrk="1" latinLnBrk="0" hangingPunct="1">
+                <a:defRPr sz="1800" kern="1200">
+                  <a:solidFill>
+                    <a:schemeClr val="tx1"/>
+                  </a:solidFill>
+                  <a:latin typeface="+mn-lt"/>
+                  <a:ea typeface="+mn-ea"/>
+                  <a:cs typeface="+mn-cs"/>
+                </a:defRPr>
+              </a:lvl6pPr>
+              <a:lvl7pPr marL="2743200" algn="l" defTabSz="914400" rtl="0" eaLnBrk="1" latinLnBrk="0" hangingPunct="1">
+                <a:defRPr sz="1800" kern="1200">
+                  <a:solidFill>
+                    <a:schemeClr val="tx1"/>
+                  </a:solidFill>
+                  <a:latin typeface="+mn-lt"/>
+                  <a:ea typeface="+mn-ea"/>
+                  <a:cs typeface="+mn-cs"/>
+                </a:defRPr>
+              </a:lvl7pPr>
+              <a:lvl8pPr marL="3200400" algn="l" defTabSz="914400" rtl="0" eaLnBrk="1" latinLnBrk="0" hangingPunct="1">
+                <a:defRPr sz="1800" kern="1200">
+                  <a:solidFill>
+                    <a:schemeClr val="tx1"/>
+                  </a:solidFill>
+                  <a:latin typeface="+mn-lt"/>
+                  <a:ea typeface="+mn-ea"/>
+                  <a:cs typeface="+mn-cs"/>
+                </a:defRPr>
+              </a:lvl8pPr>
+              <a:lvl9pPr marL="3657600" algn="l" defTabSz="914400" rtl="0" eaLnBrk="1" latinLnBrk="0" hangingPunct="1">
+                <a:defRPr sz="1800" kern="1200">
+                  <a:solidFill>
+                    <a:schemeClr val="tx1"/>
+                  </a:solidFill>
+                  <a:latin typeface="+mn-lt"/>
+                  <a:ea typeface="+mn-ea"/>
+                  <a:cs typeface="+mn-cs"/>
+                </a:defRPr>
+              </a:lvl9pPr>
+            </a:lstStyle>
+            <a:p>
+              <a:pPr marL="0" lvl="1" algn="ctr" defTabSz="1218836" fontAlgn="base">
+                <a:spcAft>
+                  <a:spcPct val="0"/>
+                </a:spcAft>
+              </a:pPr>
+              <a:r>
+                <a:rPr lang="en-US" sz="1400" dirty="0">
+                  <a:solidFill>
+                    <a:srgbClr val="595959">
+                      <a:alpha val="99000"/>
+                    </a:srgbClr>
+                  </a:solidFill>
+                  <a:ea typeface="Kozuka Gothic Pro R" pitchFamily="34" charset="-128"/>
+                </a:rPr>
+                <a:t>You Manage</a:t>
+              </a:r>
+            </a:p>
+          </p:txBody>
+        </p:sp>
+        <p:sp>
+          <p:nvSpPr>
+            <p:cNvPr id="76" name="Rectangle 75"/>
+            <p:cNvSpPr/>
+            <p:nvPr/>
+          </p:nvSpPr>
+          <p:spPr bwMode="auto">
+            <a:xfrm>
+              <a:off x="4381890" y="6384326"/>
+              <a:ext cx="1668386" cy="481080"/>
+            </a:xfrm>
+            <a:prstGeom prst="rect">
+              <a:avLst/>
+            </a:prstGeom>
+            <a:solidFill>
+              <a:schemeClr val="tx2"/>
+            </a:solidFill>
+            <a:ln>
+              <a:noFill/>
+              <a:headEnd type="none" w="med" len="med"/>
+              <a:tailEnd type="none" w="med" len="med"/>
+            </a:ln>
+            <a:effectLst/>
+          </p:spPr>
+          <p:style>
+            <a:lnRef idx="1">
+              <a:schemeClr val="accent2"/>
+            </a:lnRef>
+            <a:fillRef idx="3">
+              <a:schemeClr val="accent2"/>
+            </a:fillRef>
+            <a:effectRef idx="2">
+              <a:schemeClr val="accent2"/>
+            </a:effectRef>
+            <a:fontRef idx="minor">
+              <a:schemeClr val="lt1"/>
+            </a:fontRef>
+          </p:style>
+          <p:txBody>
+            <a:bodyPr vert="horz" wrap="square" lIns="91404" tIns="45703" rIns="91404" bIns="45703" numCol="1" spcCol="0" rtlCol="0" anchor="ctr" anchorCtr="0" compatLnSpc="1">
+              <a:prstTxWarp prst="textNoShape">
+                <a:avLst/>
+              </a:prstTxWarp>
+            </a:bodyPr>
+            <a:lstStyle/>
+            <a:p>
+              <a:pPr algn="ctr" defTabSz="913788" fontAlgn="base">
+                <a:spcBef>
+                  <a:spcPct val="0"/>
+                </a:spcBef>
+                <a:spcAft>
+                  <a:spcPct val="0"/>
+                </a:spcAft>
+              </a:pPr>
+              <a:r>
+                <a:rPr lang="en-US" dirty="0">
+                  <a:gradFill>
+                    <a:gsLst>
+                      <a:gs pos="0">
+                        <a:srgbClr val="FFFFFF"/>
+                      </a:gs>
+                      <a:gs pos="100000">
+                        <a:srgbClr val="FFFFFF"/>
+                      </a:gs>
+                    </a:gsLst>
+                    <a:lin ang="5400000" scaled="0"/>
+                  </a:gradFill>
+                </a:rPr>
+                <a:t>Host</a:t>
+              </a:r>
+            </a:p>
+          </p:txBody>
+        </p:sp>
+        <p:sp>
+          <p:nvSpPr>
+            <p:cNvPr id="77" name="Rectangle 76"/>
+            <p:cNvSpPr/>
+            <p:nvPr/>
+          </p:nvSpPr>
+          <p:spPr bwMode="auto">
+            <a:xfrm>
+              <a:off x="6937984" y="6400934"/>
+              <a:ext cx="1668386" cy="481080"/>
+            </a:xfrm>
+            <a:prstGeom prst="rect">
+              <a:avLst/>
+            </a:prstGeom>
+            <a:solidFill>
+              <a:schemeClr val="tx2"/>
+            </a:solidFill>
+            <a:ln>
+              <a:noFill/>
+              <a:headEnd type="none" w="med" len="med"/>
+              <a:tailEnd type="none" w="med" len="med"/>
+            </a:ln>
+            <a:effectLst/>
+          </p:spPr>
+          <p:style>
+            <a:lnRef idx="1">
+              <a:schemeClr val="accent2"/>
+            </a:lnRef>
+            <a:fillRef idx="3">
+              <a:schemeClr val="accent2"/>
+            </a:fillRef>
+            <a:effectRef idx="2">
+              <a:schemeClr val="accent2"/>
+            </a:effectRef>
+            <a:fontRef idx="minor">
+              <a:schemeClr val="lt1"/>
+            </a:fontRef>
+          </p:style>
+          <p:txBody>
+            <a:bodyPr vert="horz" wrap="square" lIns="91404" tIns="45703" rIns="91404" bIns="45703" numCol="1" spcCol="0" rtlCol="0" anchor="ctr" anchorCtr="0" compatLnSpc="1">
+              <a:prstTxWarp prst="textNoShape">
+                <a:avLst/>
+              </a:prstTxWarp>
+            </a:bodyPr>
+            <a:lstStyle/>
+            <a:p>
+              <a:pPr algn="ctr" defTabSz="913788" fontAlgn="base">
+                <a:spcBef>
+                  <a:spcPct val="0"/>
+                </a:spcBef>
+                <a:spcAft>
+                  <a:spcPct val="0"/>
+                </a:spcAft>
+              </a:pPr>
+              <a:r>
+                <a:rPr lang="en-US" dirty="0">
+                  <a:gradFill>
+                    <a:gsLst>
+                      <a:gs pos="0">
+                        <a:srgbClr val="FFFFFF"/>
+                      </a:gs>
+                      <a:gs pos="100000">
+                        <a:srgbClr val="FFFFFF"/>
+                      </a:gs>
+                    </a:gsLst>
+                    <a:lin ang="5400000" scaled="0"/>
+                  </a:gradFill>
+                </a:rPr>
+                <a:t>Develop</a:t>
+              </a:r>
+            </a:p>
+          </p:txBody>
+        </p:sp>
+        <p:sp>
+          <p:nvSpPr>
+            <p:cNvPr id="78" name="Rectangle 77"/>
+            <p:cNvSpPr/>
+            <p:nvPr/>
+          </p:nvSpPr>
+          <p:spPr bwMode="auto">
+            <a:xfrm>
+              <a:off x="9494078" y="6384326"/>
+              <a:ext cx="1668386" cy="481080"/>
+            </a:xfrm>
+            <a:prstGeom prst="rect">
+              <a:avLst/>
+            </a:prstGeom>
+            <a:solidFill>
+              <a:schemeClr val="tx2"/>
+            </a:solidFill>
+            <a:ln>
+              <a:noFill/>
+              <a:headEnd type="none" w="med" len="med"/>
+              <a:tailEnd type="none" w="med" len="med"/>
+            </a:ln>
+            <a:effectLst/>
+          </p:spPr>
+          <p:style>
+            <a:lnRef idx="1">
+              <a:schemeClr val="accent2"/>
+            </a:lnRef>
+            <a:fillRef idx="3">
+              <a:schemeClr val="accent2"/>
+            </a:fillRef>
+            <a:effectRef idx="2">
+              <a:schemeClr val="accent2"/>
+            </a:effectRef>
+            <a:fontRef idx="minor">
+              <a:schemeClr val="lt1"/>
+            </a:fontRef>
+          </p:style>
+          <p:txBody>
+            <a:bodyPr vert="horz" wrap="square" lIns="91404" tIns="45703" rIns="91404" bIns="45703" numCol="1" spcCol="0" rtlCol="0" anchor="ctr" anchorCtr="0" compatLnSpc="1">
+              <a:prstTxWarp prst="textNoShape">
+                <a:avLst/>
+              </a:prstTxWarp>
+            </a:bodyPr>
+            <a:lstStyle/>
+            <a:p>
+              <a:pPr algn="ctr" defTabSz="913788" fontAlgn="base">
+                <a:spcBef>
+                  <a:spcPct val="0"/>
+                </a:spcBef>
+                <a:spcAft>
+                  <a:spcPct val="0"/>
+                </a:spcAft>
+              </a:pPr>
+              <a:r>
+                <a:rPr lang="en-US" dirty="0">
+                  <a:gradFill>
+                    <a:gsLst>
+                      <a:gs pos="0">
+                        <a:srgbClr val="FFFFFF"/>
+                      </a:gs>
+                      <a:gs pos="100000">
+                        <a:srgbClr val="FFFFFF"/>
+                      </a:gs>
+                    </a:gsLst>
+                    <a:lin ang="5400000" scaled="0"/>
+                  </a:gradFill>
+                </a:rPr>
+                <a:t>Consume</a:t>
+              </a:r>
+            </a:p>
+          </p:txBody>
+        </p:sp>
+      </p:grpSp>
+      <p:sp>
+        <p:nvSpPr>
+          <p:cNvPr id="172" name="TextBox 64"/>
+          <p:cNvSpPr txBox="1"/>
+          <p:nvPr/>
+        </p:nvSpPr>
+        <p:spPr>
+          <a:xfrm flipH="1">
+            <a:off x="11147111" y="2884929"/>
+            <a:ext cx="400110" cy="2624565"/>
+          </a:xfrm>
+          <a:prstGeom prst="rect">
+            <a:avLst/>
+          </a:prstGeom>
+          <a:noFill/>
+        </p:spPr>
+        <p:txBody>
+          <a:bodyPr vert="eaVert" wrap="square" rtlCol="0">
+            <a:spAutoFit/>
+          </a:bodyPr>
+          <a:lstStyle>
+            <a:defPPr>
+              <a:defRPr lang="en-US"/>
+            </a:defPPr>
+            <a:lvl1pPr marL="0" algn="l" defTabSz="914400" rtl="0" eaLnBrk="1" latinLnBrk="0" hangingPunct="1">
+              <a:defRPr sz="1800" kern="1200">
+                <a:solidFill>
+                  <a:schemeClr val="tx1"/>
+                </a:solidFill>
+                <a:latin typeface="+mn-lt"/>
+                <a:ea typeface="+mn-ea"/>
+                <a:cs typeface="+mn-cs"/>
+              </a:defRPr>
+            </a:lvl1pPr>
+            <a:lvl2pPr marL="457200" algn="l" defTabSz="914400" rtl="0" eaLnBrk="1" latinLnBrk="0" hangingPunct="1">
+              <a:defRPr sz="1800" kern="1200">
+                <a:solidFill>
+                  <a:schemeClr val="tx1"/>
+                </a:solidFill>
+                <a:latin typeface="+mn-lt"/>
+                <a:ea typeface="+mn-ea"/>
+                <a:cs typeface="+mn-cs"/>
+              </a:defRPr>
+            </a:lvl2pPr>
+            <a:lvl3pPr marL="914400" algn="l" defTabSz="914400" rtl="0" eaLnBrk="1" latinLnBrk="0" hangingPunct="1">
+              <a:defRPr sz="1800" kern="1200">
+                <a:solidFill>
+                  <a:schemeClr val="tx1"/>
+                </a:solidFill>
+                <a:latin typeface="+mn-lt"/>
+                <a:ea typeface="+mn-ea"/>
+                <a:cs typeface="+mn-cs"/>
+              </a:defRPr>
+            </a:lvl3pPr>
+            <a:lvl4pPr marL="1371600" algn="l" defTabSz="914400" rtl="0" eaLnBrk="1" latinLnBrk="0" hangingPunct="1">
+              <a:defRPr sz="1800" kern="1200">
+                <a:solidFill>
+                  <a:schemeClr val="tx1"/>
+                </a:solidFill>
+                <a:latin typeface="+mn-lt"/>
+                <a:ea typeface="+mn-ea"/>
+                <a:cs typeface="+mn-cs"/>
+              </a:defRPr>
+            </a:lvl4pPr>
+            <a:lvl5pPr marL="1828800" algn="l" defTabSz="914400" rtl="0" eaLnBrk="1" latinLnBrk="0" hangingPunct="1">
+              <a:defRPr sz="1800" kern="1200">
+                <a:solidFill>
+                  <a:schemeClr val="tx1"/>
+                </a:solidFill>
+                <a:latin typeface="+mn-lt"/>
+                <a:ea typeface="+mn-ea"/>
+                <a:cs typeface="+mn-cs"/>
+              </a:defRPr>
+            </a:lvl5pPr>
+            <a:lvl6pPr marL="2286000" algn="l" defTabSz="914400" rtl="0" eaLnBrk="1" latinLnBrk="0" hangingPunct="1">
+              <a:defRPr sz="1800" kern="1200">
+                <a:solidFill>
+                  <a:schemeClr val="tx1"/>
+                </a:solidFill>
+                <a:latin typeface="+mn-lt"/>
+                <a:ea typeface="+mn-ea"/>
+                <a:cs typeface="+mn-cs"/>
+              </a:defRPr>
+            </a:lvl6pPr>
+            <a:lvl7pPr marL="2743200" algn="l" defTabSz="914400" rtl="0" eaLnBrk="1" latinLnBrk="0" hangingPunct="1">
+              <a:defRPr sz="1800" kern="1200">
+                <a:solidFill>
+                  <a:schemeClr val="tx1"/>
+                </a:solidFill>
+                <a:latin typeface="+mn-lt"/>
+                <a:ea typeface="+mn-ea"/>
+                <a:cs typeface="+mn-cs"/>
+              </a:defRPr>
+            </a:lvl7pPr>
+            <a:lvl8pPr marL="3200400" algn="l" defTabSz="914400" rtl="0" eaLnBrk="1" latinLnBrk="0" hangingPunct="1">
+              <a:defRPr sz="1800" kern="1200">
+                <a:solidFill>
+                  <a:schemeClr val="tx1"/>
+                </a:solidFill>
+                <a:latin typeface="+mn-lt"/>
+                <a:ea typeface="+mn-ea"/>
+                <a:cs typeface="+mn-cs"/>
+              </a:defRPr>
+            </a:lvl8pPr>
+            <a:lvl9pPr marL="3657600" algn="l" defTabSz="914400" rtl="0" eaLnBrk="1" latinLnBrk="0" hangingPunct="1">
+              <a:defRPr sz="1800" kern="1200">
+                <a:solidFill>
+                  <a:schemeClr val="tx1"/>
+                </a:solidFill>
+                <a:latin typeface="+mn-lt"/>
+                <a:ea typeface="+mn-ea"/>
+                <a:cs typeface="+mn-cs"/>
+              </a:defRPr>
+            </a:lvl9pPr>
+          </a:lstStyle>
+          <a:p>
+            <a:pPr marL="0" lvl="1" algn="ctr" defTabSz="1218836" fontAlgn="base">
+              <a:spcAft>
+                <a:spcPct val="0"/>
+              </a:spcAft>
+            </a:pPr>
+            <a:r>
+              <a:rPr lang="en-US" sz="1400" dirty="0">
+                <a:solidFill>
+                  <a:srgbClr val="595959">
+                    <a:alpha val="99000"/>
+                  </a:srgbClr>
+                </a:solidFill>
+                <a:ea typeface="Kozuka Gothic Pro R" pitchFamily="34" charset="-128"/>
+              </a:rPr>
+              <a:t>Provisioned &amp; Managed by Vendor</a:t>
+            </a:r>
+          </a:p>
+        </p:txBody>
+      </p:sp>
+    </p:spTree>
+    <p:extLst>
+      <p:ext uri="{BB962C8B-B14F-4D97-AF65-F5344CB8AC3E}">
+        <p14:creationId xmlns:p14="http://schemas.microsoft.com/office/powerpoint/2010/main" val="1198367859"/>
+      </p:ext>
+    </p:extLst>
+  </p:cSld>
+  <p:clrMapOvr>
+    <a:masterClrMapping/>
+  </p:clrMapOvr>
+</p:sld>
+</file>
+
+<file path=ppt/slides/slide5.xml><?xml version="1.0" encoding="utf-8"?>
 <p:sld xmlns:a="http://schemas.openxmlformats.org/drawingml/2006/main" xmlns:r="http://schemas.openxmlformats.org/officeDocument/2006/relationships" xmlns:p="http://schemas.openxmlformats.org/presentationml/2006/main">
   <p:cSld>
     <p:spTree>
@@ -40610,7 +45924,7 @@
 </p:sld>
 </file>
 
-<file path=ppt/slides/slide5.xml><?xml version="1.0" encoding="utf-8"?>
+<file path=ppt/slides/slide6.xml><?xml version="1.0" encoding="utf-8"?>
 <p:sld xmlns:a="http://schemas.openxmlformats.org/drawingml/2006/main" xmlns:r="http://schemas.openxmlformats.org/officeDocument/2006/relationships" xmlns:p="http://schemas.openxmlformats.org/presentationml/2006/main">
   <p:cSld>
     <p:spTree>
@@ -40987,7 +46301,7 @@
 </p:sld>
 </file>
 
-<file path=ppt/slides/slide6.xml><?xml version="1.0" encoding="utf-8"?>
+<file path=ppt/slides/slide7.xml><?xml version="1.0" encoding="utf-8"?>
 <p:sld xmlns:a="http://schemas.openxmlformats.org/drawingml/2006/main" xmlns:r="http://schemas.openxmlformats.org/officeDocument/2006/relationships" xmlns:p="http://schemas.openxmlformats.org/presentationml/2006/main">
   <p:cSld>
     <p:spTree>
@@ -41655,89 +46969,6 @@
 </p:sld>
 </file>
 
-<file path=ppt/slides/slide7.xml><?xml version="1.0" encoding="utf-8"?>
-<p:sld xmlns:a="http://schemas.openxmlformats.org/drawingml/2006/main" xmlns:r="http://schemas.openxmlformats.org/officeDocument/2006/relationships" xmlns:p="http://schemas.openxmlformats.org/presentationml/2006/main">
-  <p:cSld>
-    <p:spTree>
-      <p:nvGrpSpPr>
-        <p:cNvPr id="1" name=""/>
-        <p:cNvGrpSpPr/>
-        <p:nvPr/>
-      </p:nvGrpSpPr>
-      <p:grpSpPr>
-        <a:xfrm>
-          <a:off x="0" y="0"/>
-          <a:ext cx="0" cy="0"/>
-          <a:chOff x="0" y="0"/>
-          <a:chExt cx="0" cy="0"/>
-        </a:xfrm>
-      </p:grpSpPr>
-      <p:sp>
-        <p:nvSpPr>
-          <p:cNvPr id="2" name="Title 1"/>
-          <p:cNvSpPr>
-            <a:spLocks noGrp="1"/>
-          </p:cNvSpPr>
-          <p:nvPr>
-            <p:ph type="title"/>
-          </p:nvPr>
-        </p:nvSpPr>
-        <p:spPr/>
-        <p:txBody>
-          <a:bodyPr/>
-          <a:lstStyle/>
-          <a:p>
-            <a:r>
-              <a:rPr lang="en-US" dirty="0"/>
-              <a:t>Samples and Demo</a:t>
-            </a:r>
-          </a:p>
-        </p:txBody>
-      </p:sp>
-      <p:sp>
-        <p:nvSpPr>
-          <p:cNvPr id="3" name="Text Placeholder 2"/>
-          <p:cNvSpPr>
-            <a:spLocks noGrp="1"/>
-          </p:cNvSpPr>
-          <p:nvPr>
-            <p:ph type="body" sz="quarter" idx="12"/>
-          </p:nvPr>
-        </p:nvSpPr>
-        <p:spPr/>
-        <p:txBody>
-          <a:bodyPr/>
-          <a:lstStyle/>
-          <a:p>
-            <a:endParaRPr lang="en-US" dirty="0"/>
-          </a:p>
-        </p:txBody>
-      </p:sp>
-    </p:spTree>
-    <p:extLst>
-      <p:ext uri="{BB962C8B-B14F-4D97-AF65-F5344CB8AC3E}">
-        <p14:creationId xmlns:p14="http://schemas.microsoft.com/office/powerpoint/2010/main" val="386900004"/>
-      </p:ext>
-    </p:extLst>
-  </p:cSld>
-  <p:clrMapOvr>
-    <a:masterClrMapping/>
-  </p:clrMapOvr>
-  <mc:AlternateContent xmlns:mc="http://schemas.openxmlformats.org/markup-compatibility/2006" xmlns:p14="http://schemas.microsoft.com/office/powerpoint/2010/main">
-    <mc:Choice Requires="p14">
-      <p:transition spd="slow" p14:dur="3400">
-        <p14:reveal/>
-      </p:transition>
-    </mc:Choice>
-    <mc:Fallback xmlns="">
-      <p:transition spd="slow">
-        <p:fade/>
-      </p:transition>
-    </mc:Fallback>
-  </mc:AlternateContent>
-</p:sld>
-</file>
-
 <file path=ppt/slides/slide8.xml><?xml version="1.0" encoding="utf-8"?>
 <p:sld xmlns:a="http://schemas.openxmlformats.org/drawingml/2006/main" xmlns:r="http://schemas.openxmlformats.org/officeDocument/2006/relationships" xmlns:p="http://schemas.openxmlformats.org/presentationml/2006/main">
   <p:cSld>
@@ -41772,123 +47003,26 @@
           <a:p>
             <a:r>
               <a:rPr lang="en-US" dirty="0"/>
-              <a:t>Credits and Additional information</a:t>
+              <a:t>Samples and Demo</a:t>
             </a:r>
           </a:p>
         </p:txBody>
       </p:sp>
       <p:sp>
         <p:nvSpPr>
-          <p:cNvPr id="3" name="Content Placeholder 2"/>
+          <p:cNvPr id="3" name="Text Placeholder 2"/>
           <p:cNvSpPr>
             <a:spLocks noGrp="1"/>
           </p:cNvSpPr>
           <p:nvPr>
-            <p:ph idx="1"/>
+            <p:ph type="body" sz="quarter" idx="12"/>
           </p:nvPr>
         </p:nvSpPr>
-        <p:spPr>
-          <a:xfrm>
-            <a:off x="269239" y="1189177"/>
-            <a:ext cx="11653523" cy="4461902"/>
-          </a:xfrm>
-        </p:spPr>
+        <p:spPr/>
         <p:txBody>
-          <a:bodyPr>
-            <a:normAutofit/>
-          </a:bodyPr>
+          <a:bodyPr/>
           <a:lstStyle/>
           <a:p>
-            <a:r>
-              <a:rPr lang="en-US" dirty="0">
-                <a:hlinkClick r:id="rId2"/>
-              </a:rPr>
-              <a:t>Deploying, Organizing and Securing Applications with the Azure Resource Manager, BRK4453; Ryan Jones, Ignite 2015</a:t>
-            </a:r>
-            <a:endParaRPr lang="en-US" dirty="0"/>
-          </a:p>
-          <a:p>
-            <a:r>
-              <a:rPr lang="en-US" dirty="0">
-                <a:hlinkClick r:id="rId3"/>
-              </a:rPr>
-              <a:t>Azure </a:t>
-            </a:r>
-            <a:r>
-              <a:rPr lang="en-US" dirty="0" err="1">
-                <a:hlinkClick r:id="rId3"/>
-              </a:rPr>
-              <a:t>QuickStart</a:t>
-            </a:r>
-            <a:r>
-              <a:rPr lang="en-US" dirty="0">
-                <a:hlinkClick r:id="rId3"/>
-              </a:rPr>
-              <a:t> Templates</a:t>
-            </a:r>
-            <a:endParaRPr lang="en-US" dirty="0"/>
-          </a:p>
-          <a:p>
-            <a:r>
-              <a:rPr lang="fr-FR" dirty="0">
-                <a:hlinkClick r:id="rId4"/>
-              </a:rPr>
-              <a:t>MSDN Azure Resource Manager Documentation.</a:t>
-            </a:r>
-            <a:endParaRPr lang="fr-FR" dirty="0"/>
-          </a:p>
-          <a:p>
-            <a:r>
-              <a:rPr lang="fr-FR" dirty="0">
-                <a:hlinkClick r:id="rId5"/>
-              </a:rPr>
-              <a:t>Project NAMI</a:t>
-            </a:r>
-            <a:endParaRPr lang="fr-FR" dirty="0"/>
-          </a:p>
-          <a:p>
-            <a:r>
-              <a:rPr lang="fr-FR" dirty="0">
-                <a:hlinkClick r:id="rId6"/>
-              </a:rPr>
-              <a:t>World Class ARM </a:t>
-            </a:r>
-            <a:r>
-              <a:rPr lang="fr-FR" dirty="0" err="1">
-                <a:hlinkClick r:id="rId6"/>
-              </a:rPr>
-              <a:t>Templates</a:t>
-            </a:r>
-            <a:r>
-              <a:rPr lang="fr-FR" dirty="0">
-                <a:hlinkClick r:id="rId6"/>
-              </a:rPr>
-              <a:t> </a:t>
-            </a:r>
-            <a:r>
-              <a:rPr lang="fr-FR" dirty="0" err="1">
-                <a:hlinkClick r:id="rId6"/>
-              </a:rPr>
-              <a:t>Considerations</a:t>
-            </a:r>
-            <a:r>
-              <a:rPr lang="fr-FR" dirty="0">
-                <a:hlinkClick r:id="rId6"/>
-              </a:rPr>
-              <a:t> and </a:t>
-            </a:r>
-            <a:r>
-              <a:rPr lang="fr-FR" dirty="0" err="1">
-                <a:hlinkClick r:id="rId6"/>
-              </a:rPr>
-              <a:t>Proven</a:t>
-            </a:r>
-            <a:r>
-              <a:rPr lang="fr-FR" dirty="0">
-                <a:hlinkClick r:id="rId6"/>
-              </a:rPr>
-              <a:t> Practices</a:t>
-            </a:r>
             <a:endParaRPr lang="en-US" dirty="0"/>
           </a:p>
         </p:txBody>
@@ -41896,13 +47030,25 @@
     </p:spTree>
     <p:extLst>
       <p:ext uri="{BB962C8B-B14F-4D97-AF65-F5344CB8AC3E}">
-        <p14:creationId xmlns:p14="http://schemas.microsoft.com/office/powerpoint/2010/main" val="549255508"/>
+        <p14:creationId xmlns:p14="http://schemas.microsoft.com/office/powerpoint/2010/main" val="386900004"/>
       </p:ext>
     </p:extLst>
   </p:cSld>
   <p:clrMapOvr>
     <a:masterClrMapping/>
   </p:clrMapOvr>
+  <mc:AlternateContent xmlns:mc="http://schemas.openxmlformats.org/markup-compatibility/2006" xmlns:p14="http://schemas.microsoft.com/office/powerpoint/2010/main">
+    <mc:Choice Requires="p14">
+      <p:transition spd="slow" p14:dur="3400">
+        <p14:reveal/>
+      </p:transition>
+    </mc:Choice>
+    <mc:Fallback xmlns="">
+      <p:transition spd="slow">
+        <p:fade/>
+      </p:transition>
+    </mc:Fallback>
+  </mc:AlternateContent>
 </p:sld>
 </file>
 
@@ -41940,7 +47086,7 @@
           <a:p>
             <a:r>
               <a:rPr lang="en-US" dirty="0"/>
-              <a:t>http://recruiting.acuitynext.ninja/</a:t>
+              <a:t>Credits and Additional information</a:t>
             </a:r>
           </a:p>
         </p:txBody>
@@ -41955,51 +47101,116 @@
             <p:ph idx="1"/>
           </p:nvPr>
         </p:nvSpPr>
-        <p:spPr/>
+        <p:spPr>
+          <a:xfrm>
+            <a:off x="269239" y="1189177"/>
+            <a:ext cx="11653523" cy="4461902"/>
+          </a:xfrm>
+        </p:spPr>
         <p:txBody>
-          <a:bodyPr/>
+          <a:bodyPr>
+            <a:normAutofit/>
+          </a:bodyPr>
           <a:lstStyle/>
           <a:p>
             <a:r>
-              <a:rPr lang="en-US" dirty="0"/>
-              <a:t>Web Developer: Front-End and Back-End</a:t>
-            </a:r>
-          </a:p>
-          <a:p>
-            <a:r>
-              <a:rPr lang="en-US" dirty="0" err="1"/>
-              <a:t>DevDBA</a:t>
+              <a:rPr lang="en-US" dirty="0">
+                <a:hlinkClick r:id="rId2"/>
+              </a:rPr>
+              <a:t>Deploying, Organizing and Securing Applications with the Azure Resource Manager, BRK4453; Ryan Jones, Ignite 2015</a:t>
             </a:r>
             <a:endParaRPr lang="en-US" dirty="0"/>
           </a:p>
           <a:p>
             <a:r>
-              <a:rPr lang="en-US" dirty="0"/>
-              <a:t>DevOps/Cloud Engineer</a:t>
-            </a:r>
-          </a:p>
-          <a:p>
-            <a:r>
-              <a:rPr lang="en-US" dirty="0"/>
-              <a:t>QA</a:t>
-            </a:r>
-          </a:p>
-          <a:p>
-            <a:r>
-              <a:rPr lang="en-US" dirty="0"/>
-              <a:t>Security </a:t>
-            </a:r>
-            <a:r>
-              <a:rPr lang="en-US"/>
-              <a:t>Enigneer</a:t>
-            </a:r>
+              <a:rPr lang="en-US" dirty="0">
+                <a:hlinkClick r:id="rId3"/>
+              </a:rPr>
+              <a:t>Azure </a:t>
+            </a:r>
+            <a:r>
+              <a:rPr lang="en-US" dirty="0" err="1">
+                <a:hlinkClick r:id="rId3"/>
+              </a:rPr>
+              <a:t>QuickStart</a:t>
+            </a:r>
+            <a:r>
+              <a:rPr lang="en-US" dirty="0">
+                <a:hlinkClick r:id="rId3"/>
+              </a:rPr>
+              <a:t> Templates</a:t>
+            </a:r>
+            <a:endParaRPr lang="en-US" dirty="0"/>
+          </a:p>
+          <a:p>
+            <a:r>
+              <a:rPr lang="fr-FR" dirty="0">
+                <a:hlinkClick r:id="rId4"/>
+              </a:rPr>
+              <a:t>MSDN Azure Resource Manager Documentation.</a:t>
+            </a:r>
+            <a:endParaRPr lang="fr-FR" dirty="0"/>
+          </a:p>
+          <a:p>
+            <a:r>
+              <a:rPr lang="fr-FR" dirty="0">
+                <a:hlinkClick r:id="rId5"/>
+              </a:rPr>
+              <a:t>Project NAMI</a:t>
+            </a:r>
+            <a:endParaRPr lang="fr-FR" dirty="0"/>
+          </a:p>
+          <a:p>
+            <a:r>
+              <a:rPr lang="fr-FR" dirty="0">
+                <a:hlinkClick r:id="rId6"/>
+              </a:rPr>
+              <a:t>World Class ARM </a:t>
+            </a:r>
+            <a:r>
+              <a:rPr lang="fr-FR" dirty="0" err="1">
+                <a:hlinkClick r:id="rId6"/>
+              </a:rPr>
+              <a:t>Templates</a:t>
+            </a:r>
+            <a:r>
+              <a:rPr lang="fr-FR" dirty="0">
+                <a:hlinkClick r:id="rId6"/>
+              </a:rPr>
+              <a:t> </a:t>
+            </a:r>
+            <a:r>
+              <a:rPr lang="fr-FR" dirty="0" err="1">
+                <a:hlinkClick r:id="rId6"/>
+              </a:rPr>
+              <a:t>Considerations</a:t>
+            </a:r>
+            <a:r>
+              <a:rPr lang="fr-FR" dirty="0">
+                <a:hlinkClick r:id="rId6"/>
+              </a:rPr>
+              <a:t> and </a:t>
+            </a:r>
+            <a:r>
+              <a:rPr lang="fr-FR" dirty="0" err="1">
+                <a:hlinkClick r:id="rId6"/>
+              </a:rPr>
+              <a:t>Proven</a:t>
+            </a:r>
+            <a:r>
+              <a:rPr lang="fr-FR" dirty="0">
+                <a:hlinkClick r:id="rId6"/>
+              </a:rPr>
+              <a:t> Practices</a:t>
+            </a:r>
+            <a:endParaRPr lang="en-US" dirty="0"/>
           </a:p>
         </p:txBody>
       </p:sp>
     </p:spTree>
     <p:extLst>
       <p:ext uri="{BB962C8B-B14F-4D97-AF65-F5344CB8AC3E}">
-        <p14:creationId xmlns:p14="http://schemas.microsoft.com/office/powerpoint/2010/main" val="2660496460"/>
+        <p14:creationId xmlns:p14="http://schemas.microsoft.com/office/powerpoint/2010/main" val="549255508"/>
       </p:ext>
     </p:extLst>
   </p:cSld>

--- a/ARMTemplate/ARMTemplatesATS.pptx
+++ b/ARMTemplate/ARMTemplatesATS.pptx
@@ -38718,8 +38718,12 @@
           <a:lstStyle/>
           <a:p>
             <a:r>
+              <a:rPr lang="en-US"/>
+              <a:t>Web Developers: </a:t>
+            </a:r>
+            <a:r>
               <a:rPr lang="en-US" dirty="0"/>
-              <a:t>Web Developer: Front-End and Back-End</a:t>
+              <a:t>Front-End and Back-End</a:t>
             </a:r>
           </a:p>
           <a:p>
